--- a/day_4/Day_4_slides.pptx
+++ b/day_4/Day_4_slides.pptx
@@ -1,8 +1,8 @@
 
 <file path=ppt/presentation.xml><?xml version="1.0" encoding="utf-8"?>
-<p:presentation xmlns:a="http://schemas.openxmlformats.org/drawingml/2006/main" xmlns:p="http://schemas.openxmlformats.org/presentationml/2006/main" xmlns:r="http://schemas.openxmlformats.org/officeDocument/2006/relationships" xmlns:p14="http://schemas.microsoft.com/office/powerpoint/2010/main" xmlns:p15="http://schemas.microsoft.com/office/powerpoint/2012/main" xmlns:mc="http://schemas.openxmlformats.org/markup-compatibility/2006">
+<p:presentation xmlns:a="http://schemas.openxmlformats.org/drawingml/2006/main" xmlns:r="http://schemas.openxmlformats.org/officeDocument/2006/relationships" xmlns:p="http://schemas.openxmlformats.org/presentationml/2006/main">
   <p:sldMasterIdLst>
-    <p:sldMasterId id="2147483648" r:id="rId2"/>
+    <p:sldMasterId id="2147483648" r:id="rId1"/>
     <p:sldMasterId id="2147483661" r:id="rId3"/>
     <p:sldMasterId id="2147483674" r:id="rId4"/>
   </p:sldMasterIdLst>
@@ -18,11 +18,103 @@
   </p:sldIdLst>
   <p:sldSz cx="12192000" cy="6858000"/>
   <p:notesSz cx="6858000" cy="9144000"/>
+  <p:defaultTextStyle>
+    <a:lvl1pPr marL="0" algn="l" defTabSz="914400" rtl="0" eaLnBrk="1" latinLnBrk="0" hangingPunct="1">
+      <a:defRPr sz="1800" kern="1200">
+        <a:solidFill>
+          <a:schemeClr val="tx1"/>
+        </a:solidFill>
+        <a:latin typeface="+mn-lt"/>
+        <a:ea typeface="+mn-ea"/>
+        <a:cs typeface="+mn-cs"/>
+      </a:defRPr>
+    </a:lvl1pPr>
+    <a:lvl2pPr marL="457200" algn="l" defTabSz="914400" rtl="0" eaLnBrk="1" latinLnBrk="0" hangingPunct="1">
+      <a:defRPr sz="1800" kern="1200">
+        <a:solidFill>
+          <a:schemeClr val="tx1"/>
+        </a:solidFill>
+        <a:latin typeface="+mn-lt"/>
+        <a:ea typeface="+mn-ea"/>
+        <a:cs typeface="+mn-cs"/>
+      </a:defRPr>
+    </a:lvl2pPr>
+    <a:lvl3pPr marL="914400" algn="l" defTabSz="914400" rtl="0" eaLnBrk="1" latinLnBrk="0" hangingPunct="1">
+      <a:defRPr sz="1800" kern="1200">
+        <a:solidFill>
+          <a:schemeClr val="tx1"/>
+        </a:solidFill>
+        <a:latin typeface="+mn-lt"/>
+        <a:ea typeface="+mn-ea"/>
+        <a:cs typeface="+mn-cs"/>
+      </a:defRPr>
+    </a:lvl3pPr>
+    <a:lvl4pPr marL="1371600" algn="l" defTabSz="914400" rtl="0" eaLnBrk="1" latinLnBrk="0" hangingPunct="1">
+      <a:defRPr sz="1800" kern="1200">
+        <a:solidFill>
+          <a:schemeClr val="tx1"/>
+        </a:solidFill>
+        <a:latin typeface="+mn-lt"/>
+        <a:ea typeface="+mn-ea"/>
+        <a:cs typeface="+mn-cs"/>
+      </a:defRPr>
+    </a:lvl4pPr>
+    <a:lvl5pPr marL="1828800" algn="l" defTabSz="914400" rtl="0" eaLnBrk="1" latinLnBrk="0" hangingPunct="1">
+      <a:defRPr sz="1800" kern="1200">
+        <a:solidFill>
+          <a:schemeClr val="tx1"/>
+        </a:solidFill>
+        <a:latin typeface="+mn-lt"/>
+        <a:ea typeface="+mn-ea"/>
+        <a:cs typeface="+mn-cs"/>
+      </a:defRPr>
+    </a:lvl5pPr>
+    <a:lvl6pPr marL="2286000" algn="l" defTabSz="914400" rtl="0" eaLnBrk="1" latinLnBrk="0" hangingPunct="1">
+      <a:defRPr sz="1800" kern="1200">
+        <a:solidFill>
+          <a:schemeClr val="tx1"/>
+        </a:solidFill>
+        <a:latin typeface="+mn-lt"/>
+        <a:ea typeface="+mn-ea"/>
+        <a:cs typeface="+mn-cs"/>
+      </a:defRPr>
+    </a:lvl6pPr>
+    <a:lvl7pPr marL="2743200" algn="l" defTabSz="914400" rtl="0" eaLnBrk="1" latinLnBrk="0" hangingPunct="1">
+      <a:defRPr sz="1800" kern="1200">
+        <a:solidFill>
+          <a:schemeClr val="tx1"/>
+        </a:solidFill>
+        <a:latin typeface="+mn-lt"/>
+        <a:ea typeface="+mn-ea"/>
+        <a:cs typeface="+mn-cs"/>
+      </a:defRPr>
+    </a:lvl7pPr>
+    <a:lvl8pPr marL="3200400" algn="l" defTabSz="914400" rtl="0" eaLnBrk="1" latinLnBrk="0" hangingPunct="1">
+      <a:defRPr sz="1800" kern="1200">
+        <a:solidFill>
+          <a:schemeClr val="tx1"/>
+        </a:solidFill>
+        <a:latin typeface="+mn-lt"/>
+        <a:ea typeface="+mn-ea"/>
+        <a:cs typeface="+mn-cs"/>
+      </a:defRPr>
+    </a:lvl8pPr>
+    <a:lvl9pPr marL="3657600" algn="l" defTabSz="914400" rtl="0" eaLnBrk="1" latinLnBrk="0" hangingPunct="1">
+      <a:defRPr sz="1800" kern="1200">
+        <a:solidFill>
+          <a:schemeClr val="tx1"/>
+        </a:solidFill>
+        <a:latin typeface="+mn-lt"/>
+        <a:ea typeface="+mn-ea"/>
+        <a:cs typeface="+mn-cs"/>
+      </a:defRPr>
+    </a:lvl9pPr>
+  </p:defaultTextStyle>
 </p:presentation>
 </file>
 
 <file path=ppt/slideLayouts/slideLayout1.xml><?xml version="1.0" encoding="utf-8"?>
-<p:sldLayout xmlns:a="http://schemas.openxmlformats.org/drawingml/2006/main" xmlns:p="http://schemas.openxmlformats.org/presentationml/2006/main" xmlns:r="http://schemas.openxmlformats.org/officeDocument/2006/relationships" xmlns:p14="http://schemas.microsoft.com/office/powerpoint/2010/main" xmlns:p15="http://schemas.microsoft.com/office/powerpoint/2012/main" xmlns:mc="http://schemas.openxmlformats.org/markup-compatibility/2006" type="blank" preserve="1">
+<p:sldLayout xmlns:a="http://schemas.openxmlformats.org/drawingml/2006/main" xmlns:r="http://schemas.openxmlformats.org/officeDocument/2006/relationships" xmlns:p="http://schemas.openxmlformats.org/presentationml/2006/main" type="blank" preserve="1">
   <p:cSld name="Blank Slide">
     <p:spTree>
       <p:nvGrpSpPr>
@@ -53,18 +145,22 @@
           <a:bodyPr/>
           <a:p>
             <a:fld id="{68A5BE82-102D-43D6-8959-9BD9AFCEE542}" type="slidenum">
-              <a:t>&lt;#&gt;</a:t>
+              <a:rPr/>
             </a:fld>
+            <a:endParaRPr/>
           </a:p>
         </p:txBody>
       </p:sp>
     </p:spTree>
   </p:cSld>
+  <p:clrMapOvr>
+    <a:masterClrMapping/>
+  </p:clrMapOvr>
 </p:sldLayout>
 </file>
 
 <file path=ppt/slideLayouts/slideLayout10.xml><?xml version="1.0" encoding="utf-8"?>
-<p:sldLayout xmlns:a="http://schemas.openxmlformats.org/drawingml/2006/main" xmlns:p="http://schemas.openxmlformats.org/presentationml/2006/main" xmlns:r="http://schemas.openxmlformats.org/officeDocument/2006/relationships" xmlns:p14="http://schemas.microsoft.com/office/powerpoint/2010/main" xmlns:p15="http://schemas.microsoft.com/office/powerpoint/2012/main" xmlns:mc="http://schemas.openxmlformats.org/markup-compatibility/2006" type="objOverTx" preserve="1">
+<p:sldLayout xmlns:a="http://schemas.openxmlformats.org/drawingml/2006/main" xmlns:r="http://schemas.openxmlformats.org/officeDocument/2006/relationships" xmlns:p="http://schemas.openxmlformats.org/presentationml/2006/main" type="objOverTx" preserve="1">
   <p:cSld name="Title, Content over Content">
     <p:spTree>
       <p:nvGrpSpPr>
@@ -104,15 +200,15 @@
           </a:ln>
         </p:spPr>
         <p:txBody>
-          <a:bodyPr lIns="0" rIns="0" tIns="0" bIns="0" anchor="ctr">
+          <a:bodyPr lIns="0" tIns="0" rIns="0" bIns="0" anchor="ctr">
             <a:noAutofit/>
           </a:bodyPr>
           <a:p>
-            <a:endParaRPr b="0" lang="en-US" sz="1400" spc="-1" strike="noStrike">
-              <a:solidFill>
-                <a:srgbClr val="000000"/>
-              </a:solidFill>
-              <a:latin typeface="Arial"/>
+            <a:endParaRPr lang="en-US" sz="1400" b="0" strike="noStrike" spc="-1">
+              <a:solidFill>
+                <a:srgbClr val="000000"/>
+              </a:solidFill>
+              <a:latin typeface="Arial" panose="020B0604020202020204"/>
             </a:endParaRPr>
           </a:p>
         </p:txBody>
@@ -141,15 +237,15 @@
           </a:ln>
         </p:spPr>
         <p:txBody>
-          <a:bodyPr lIns="0" rIns="0" tIns="0" bIns="0" anchor="t">
+          <a:bodyPr lIns="0" tIns="0" rIns="0" bIns="0" anchor="t">
             <a:normAutofit/>
           </a:bodyPr>
           <a:p>
-            <a:endParaRPr b="0" lang="en-US" sz="1400" spc="-1" strike="noStrike">
-              <a:solidFill>
-                <a:srgbClr val="000000"/>
-              </a:solidFill>
-              <a:latin typeface="Arial"/>
+            <a:endParaRPr lang="en-US" sz="1400" b="0" strike="noStrike" spc="-1">
+              <a:solidFill>
+                <a:srgbClr val="000000"/>
+              </a:solidFill>
+              <a:latin typeface="Arial" panose="020B0604020202020204"/>
             </a:endParaRPr>
           </a:p>
         </p:txBody>
@@ -178,15 +274,15 @@
           </a:ln>
         </p:spPr>
         <p:txBody>
-          <a:bodyPr lIns="0" rIns="0" tIns="0" bIns="0" anchor="t">
+          <a:bodyPr lIns="0" tIns="0" rIns="0" bIns="0" anchor="t">
             <a:normAutofit/>
           </a:bodyPr>
           <a:p>
-            <a:endParaRPr b="0" lang="en-US" sz="1400" spc="-1" strike="noStrike">
-              <a:solidFill>
-                <a:srgbClr val="000000"/>
-              </a:solidFill>
-              <a:latin typeface="Arial"/>
+            <a:endParaRPr lang="en-US" sz="1400" b="0" strike="noStrike" spc="-1">
+              <a:solidFill>
+                <a:srgbClr val="000000"/>
+              </a:solidFill>
+              <a:latin typeface="Arial" panose="020B0604020202020204"/>
             </a:endParaRPr>
           </a:p>
         </p:txBody>
@@ -206,18 +302,22 @@
           <a:bodyPr/>
           <a:p>
             <a:fld id="{E0233448-C545-4098-B9DB-96EB04821660}" type="slidenum">
-              <a:t>&lt;#&gt;</a:t>
+              <a:rPr/>
             </a:fld>
+            <a:endParaRPr/>
           </a:p>
         </p:txBody>
       </p:sp>
     </p:spTree>
   </p:cSld>
+  <p:clrMapOvr>
+    <a:masterClrMapping/>
+  </p:clrMapOvr>
 </p:sldLayout>
 </file>
 
 <file path=ppt/slideLayouts/slideLayout11.xml><?xml version="1.0" encoding="utf-8"?>
-<p:sldLayout xmlns:a="http://schemas.openxmlformats.org/drawingml/2006/main" xmlns:p="http://schemas.openxmlformats.org/presentationml/2006/main" xmlns:r="http://schemas.openxmlformats.org/officeDocument/2006/relationships" xmlns:p14="http://schemas.microsoft.com/office/powerpoint/2010/main" xmlns:p15="http://schemas.microsoft.com/office/powerpoint/2012/main" xmlns:mc="http://schemas.openxmlformats.org/markup-compatibility/2006" type="fourObj" preserve="1">
+<p:sldLayout xmlns:a="http://schemas.openxmlformats.org/drawingml/2006/main" xmlns:r="http://schemas.openxmlformats.org/officeDocument/2006/relationships" xmlns:p="http://schemas.openxmlformats.org/presentationml/2006/main" type="fourObj" preserve="1">
   <p:cSld name="Title, 4 Content">
     <p:spTree>
       <p:nvGrpSpPr>
@@ -257,15 +357,15 @@
           </a:ln>
         </p:spPr>
         <p:txBody>
-          <a:bodyPr lIns="0" rIns="0" tIns="0" bIns="0" anchor="ctr">
+          <a:bodyPr lIns="0" tIns="0" rIns="0" bIns="0" anchor="ctr">
             <a:noAutofit/>
           </a:bodyPr>
           <a:p>
-            <a:endParaRPr b="0" lang="en-US" sz="1400" spc="-1" strike="noStrike">
-              <a:solidFill>
-                <a:srgbClr val="000000"/>
-              </a:solidFill>
-              <a:latin typeface="Arial"/>
+            <a:endParaRPr lang="en-US" sz="1400" b="0" strike="noStrike" spc="-1">
+              <a:solidFill>
+                <a:srgbClr val="000000"/>
+              </a:solidFill>
+              <a:latin typeface="Arial" panose="020B0604020202020204"/>
             </a:endParaRPr>
           </a:p>
         </p:txBody>
@@ -294,15 +394,15 @@
           </a:ln>
         </p:spPr>
         <p:txBody>
-          <a:bodyPr lIns="0" rIns="0" tIns="0" bIns="0" anchor="t">
+          <a:bodyPr lIns="0" tIns="0" rIns="0" bIns="0" anchor="t">
             <a:normAutofit/>
           </a:bodyPr>
           <a:p>
-            <a:endParaRPr b="0" lang="en-US" sz="1400" spc="-1" strike="noStrike">
-              <a:solidFill>
-                <a:srgbClr val="000000"/>
-              </a:solidFill>
-              <a:latin typeface="Arial"/>
+            <a:endParaRPr lang="en-US" sz="1400" b="0" strike="noStrike" spc="-1">
+              <a:solidFill>
+                <a:srgbClr val="000000"/>
+              </a:solidFill>
+              <a:latin typeface="Arial" panose="020B0604020202020204"/>
             </a:endParaRPr>
           </a:p>
         </p:txBody>
@@ -331,15 +431,15 @@
           </a:ln>
         </p:spPr>
         <p:txBody>
-          <a:bodyPr lIns="0" rIns="0" tIns="0" bIns="0" anchor="t">
+          <a:bodyPr lIns="0" tIns="0" rIns="0" bIns="0" anchor="t">
             <a:normAutofit/>
           </a:bodyPr>
           <a:p>
-            <a:endParaRPr b="0" lang="en-US" sz="1400" spc="-1" strike="noStrike">
-              <a:solidFill>
-                <a:srgbClr val="000000"/>
-              </a:solidFill>
-              <a:latin typeface="Arial"/>
+            <a:endParaRPr lang="en-US" sz="1400" b="0" strike="noStrike" spc="-1">
+              <a:solidFill>
+                <a:srgbClr val="000000"/>
+              </a:solidFill>
+              <a:latin typeface="Arial" panose="020B0604020202020204"/>
             </a:endParaRPr>
           </a:p>
         </p:txBody>
@@ -368,15 +468,15 @@
           </a:ln>
         </p:spPr>
         <p:txBody>
-          <a:bodyPr lIns="0" rIns="0" tIns="0" bIns="0" anchor="t">
+          <a:bodyPr lIns="0" tIns="0" rIns="0" bIns="0" anchor="t">
             <a:normAutofit/>
           </a:bodyPr>
           <a:p>
-            <a:endParaRPr b="0" lang="en-US" sz="1400" spc="-1" strike="noStrike">
-              <a:solidFill>
-                <a:srgbClr val="000000"/>
-              </a:solidFill>
-              <a:latin typeface="Arial"/>
+            <a:endParaRPr lang="en-US" sz="1400" b="0" strike="noStrike" spc="-1">
+              <a:solidFill>
+                <a:srgbClr val="000000"/>
+              </a:solidFill>
+              <a:latin typeface="Arial" panose="020B0604020202020204"/>
             </a:endParaRPr>
           </a:p>
         </p:txBody>
@@ -405,15 +505,15 @@
           </a:ln>
         </p:spPr>
         <p:txBody>
-          <a:bodyPr lIns="0" rIns="0" tIns="0" bIns="0" anchor="t">
+          <a:bodyPr lIns="0" tIns="0" rIns="0" bIns="0" anchor="t">
             <a:normAutofit/>
           </a:bodyPr>
           <a:p>
-            <a:endParaRPr b="0" lang="en-US" sz="1400" spc="-1" strike="noStrike">
-              <a:solidFill>
-                <a:srgbClr val="000000"/>
-              </a:solidFill>
-              <a:latin typeface="Arial"/>
+            <a:endParaRPr lang="en-US" sz="1400" b="0" strike="noStrike" spc="-1">
+              <a:solidFill>
+                <a:srgbClr val="000000"/>
+              </a:solidFill>
+              <a:latin typeface="Arial" panose="020B0604020202020204"/>
             </a:endParaRPr>
           </a:p>
         </p:txBody>
@@ -433,18 +533,22 @@
           <a:bodyPr/>
           <a:p>
             <a:fld id="{AA7A0529-FD23-471E-8E2C-669883C85AD9}" type="slidenum">
-              <a:t>&lt;#&gt;</a:t>
+              <a:rPr/>
             </a:fld>
+            <a:endParaRPr/>
           </a:p>
         </p:txBody>
       </p:sp>
     </p:spTree>
   </p:cSld>
+  <p:clrMapOvr>
+    <a:masterClrMapping/>
+  </p:clrMapOvr>
 </p:sldLayout>
 </file>
 
 <file path=ppt/slideLayouts/slideLayout12.xml><?xml version="1.0" encoding="utf-8"?>
-<p:sldLayout xmlns:a="http://schemas.openxmlformats.org/drawingml/2006/main" xmlns:p="http://schemas.openxmlformats.org/presentationml/2006/main" xmlns:r="http://schemas.openxmlformats.org/officeDocument/2006/relationships" xmlns:p14="http://schemas.microsoft.com/office/powerpoint/2010/main" xmlns:p15="http://schemas.microsoft.com/office/powerpoint/2012/main" xmlns:mc="http://schemas.openxmlformats.org/markup-compatibility/2006" type="blank" preserve="1">
+<p:sldLayout xmlns:a="http://schemas.openxmlformats.org/drawingml/2006/main" xmlns:r="http://schemas.openxmlformats.org/officeDocument/2006/relationships" xmlns:p="http://schemas.openxmlformats.org/presentationml/2006/main" type="blank" preserve="1">
   <p:cSld name="Title, 6 Content">
     <p:spTree>
       <p:nvGrpSpPr>
@@ -484,15 +588,15 @@
           </a:ln>
         </p:spPr>
         <p:txBody>
-          <a:bodyPr lIns="0" rIns="0" tIns="0" bIns="0" anchor="ctr">
+          <a:bodyPr lIns="0" tIns="0" rIns="0" bIns="0" anchor="ctr">
             <a:noAutofit/>
           </a:bodyPr>
           <a:p>
-            <a:endParaRPr b="0" lang="en-US" sz="1400" spc="-1" strike="noStrike">
-              <a:solidFill>
-                <a:srgbClr val="000000"/>
-              </a:solidFill>
-              <a:latin typeface="Arial"/>
+            <a:endParaRPr lang="en-US" sz="1400" b="0" strike="noStrike" spc="-1">
+              <a:solidFill>
+                <a:srgbClr val="000000"/>
+              </a:solidFill>
+              <a:latin typeface="Arial" panose="020B0604020202020204"/>
             </a:endParaRPr>
           </a:p>
         </p:txBody>
@@ -521,15 +625,15 @@
           </a:ln>
         </p:spPr>
         <p:txBody>
-          <a:bodyPr lIns="0" rIns="0" tIns="0" bIns="0" anchor="t">
+          <a:bodyPr lIns="0" tIns="0" rIns="0" bIns="0" anchor="t">
             <a:normAutofit/>
           </a:bodyPr>
           <a:p>
-            <a:endParaRPr b="0" lang="en-US" sz="1400" spc="-1" strike="noStrike">
-              <a:solidFill>
-                <a:srgbClr val="000000"/>
-              </a:solidFill>
-              <a:latin typeface="Arial"/>
+            <a:endParaRPr lang="en-US" sz="1400" b="0" strike="noStrike" spc="-1">
+              <a:solidFill>
+                <a:srgbClr val="000000"/>
+              </a:solidFill>
+              <a:latin typeface="Arial" panose="020B0604020202020204"/>
             </a:endParaRPr>
           </a:p>
         </p:txBody>
@@ -558,15 +662,15 @@
           </a:ln>
         </p:spPr>
         <p:txBody>
-          <a:bodyPr lIns="0" rIns="0" tIns="0" bIns="0" anchor="t">
+          <a:bodyPr lIns="0" tIns="0" rIns="0" bIns="0" anchor="t">
             <a:normAutofit/>
           </a:bodyPr>
           <a:p>
-            <a:endParaRPr b="0" lang="en-US" sz="1400" spc="-1" strike="noStrike">
-              <a:solidFill>
-                <a:srgbClr val="000000"/>
-              </a:solidFill>
-              <a:latin typeface="Arial"/>
+            <a:endParaRPr lang="en-US" sz="1400" b="0" strike="noStrike" spc="-1">
+              <a:solidFill>
+                <a:srgbClr val="000000"/>
+              </a:solidFill>
+              <a:latin typeface="Arial" panose="020B0604020202020204"/>
             </a:endParaRPr>
           </a:p>
         </p:txBody>
@@ -595,15 +699,15 @@
           </a:ln>
         </p:spPr>
         <p:txBody>
-          <a:bodyPr lIns="0" rIns="0" tIns="0" bIns="0" anchor="t">
+          <a:bodyPr lIns="0" tIns="0" rIns="0" bIns="0" anchor="t">
             <a:normAutofit/>
           </a:bodyPr>
           <a:p>
-            <a:endParaRPr b="0" lang="en-US" sz="1400" spc="-1" strike="noStrike">
-              <a:solidFill>
-                <a:srgbClr val="000000"/>
-              </a:solidFill>
-              <a:latin typeface="Arial"/>
+            <a:endParaRPr lang="en-US" sz="1400" b="0" strike="noStrike" spc="-1">
+              <a:solidFill>
+                <a:srgbClr val="000000"/>
+              </a:solidFill>
+              <a:latin typeface="Arial" panose="020B0604020202020204"/>
             </a:endParaRPr>
           </a:p>
         </p:txBody>
@@ -632,15 +736,15 @@
           </a:ln>
         </p:spPr>
         <p:txBody>
-          <a:bodyPr lIns="0" rIns="0" tIns="0" bIns="0" anchor="t">
+          <a:bodyPr lIns="0" tIns="0" rIns="0" bIns="0" anchor="t">
             <a:normAutofit/>
           </a:bodyPr>
           <a:p>
-            <a:endParaRPr b="0" lang="en-US" sz="1400" spc="-1" strike="noStrike">
-              <a:solidFill>
-                <a:srgbClr val="000000"/>
-              </a:solidFill>
-              <a:latin typeface="Arial"/>
+            <a:endParaRPr lang="en-US" sz="1400" b="0" strike="noStrike" spc="-1">
+              <a:solidFill>
+                <a:srgbClr val="000000"/>
+              </a:solidFill>
+              <a:latin typeface="Arial" panose="020B0604020202020204"/>
             </a:endParaRPr>
           </a:p>
         </p:txBody>
@@ -669,15 +773,15 @@
           </a:ln>
         </p:spPr>
         <p:txBody>
-          <a:bodyPr lIns="0" rIns="0" tIns="0" bIns="0" anchor="t">
+          <a:bodyPr lIns="0" tIns="0" rIns="0" bIns="0" anchor="t">
             <a:normAutofit/>
           </a:bodyPr>
           <a:p>
-            <a:endParaRPr b="0" lang="en-US" sz="1400" spc="-1" strike="noStrike">
-              <a:solidFill>
-                <a:srgbClr val="000000"/>
-              </a:solidFill>
-              <a:latin typeface="Arial"/>
+            <a:endParaRPr lang="en-US" sz="1400" b="0" strike="noStrike" spc="-1">
+              <a:solidFill>
+                <a:srgbClr val="000000"/>
+              </a:solidFill>
+              <a:latin typeface="Arial" panose="020B0604020202020204"/>
             </a:endParaRPr>
           </a:p>
         </p:txBody>
@@ -706,15 +810,15 @@
           </a:ln>
         </p:spPr>
         <p:txBody>
-          <a:bodyPr lIns="0" rIns="0" tIns="0" bIns="0" anchor="t">
+          <a:bodyPr lIns="0" tIns="0" rIns="0" bIns="0" anchor="t">
             <a:normAutofit/>
           </a:bodyPr>
           <a:p>
-            <a:endParaRPr b="0" lang="en-US" sz="1400" spc="-1" strike="noStrike">
-              <a:solidFill>
-                <a:srgbClr val="000000"/>
-              </a:solidFill>
-              <a:latin typeface="Arial"/>
+            <a:endParaRPr lang="en-US" sz="1400" b="0" strike="noStrike" spc="-1">
+              <a:solidFill>
+                <a:srgbClr val="000000"/>
+              </a:solidFill>
+              <a:latin typeface="Arial" panose="020B0604020202020204"/>
             </a:endParaRPr>
           </a:p>
         </p:txBody>
@@ -734,18 +838,22 @@
           <a:bodyPr/>
           <a:p>
             <a:fld id="{7374C379-85B3-41FF-8616-4EEDBF0A607D}" type="slidenum">
-              <a:t>&lt;#&gt;</a:t>
+              <a:rPr/>
             </a:fld>
+            <a:endParaRPr/>
           </a:p>
         </p:txBody>
       </p:sp>
     </p:spTree>
   </p:cSld>
+  <p:clrMapOvr>
+    <a:masterClrMapping/>
+  </p:clrMapOvr>
 </p:sldLayout>
 </file>
 
 <file path=ppt/slideLayouts/slideLayout13.xml><?xml version="1.0" encoding="utf-8"?>
-<p:sldLayout xmlns:a="http://schemas.openxmlformats.org/drawingml/2006/main" xmlns:p="http://schemas.openxmlformats.org/presentationml/2006/main" xmlns:r="http://schemas.openxmlformats.org/officeDocument/2006/relationships" xmlns:p14="http://schemas.microsoft.com/office/powerpoint/2010/main" xmlns:p15="http://schemas.microsoft.com/office/powerpoint/2012/main" xmlns:mc="http://schemas.openxmlformats.org/markup-compatibility/2006" type="blank" preserve="1">
+<p:sldLayout xmlns:a="http://schemas.openxmlformats.org/drawingml/2006/main" xmlns:r="http://schemas.openxmlformats.org/officeDocument/2006/relationships" xmlns:p="http://schemas.openxmlformats.org/presentationml/2006/main" type="blank" preserve="1">
   <p:cSld name="Blank Slide">
     <p:spTree>
       <p:nvGrpSpPr>
@@ -796,8 +904,9 @@
           <a:bodyPr/>
           <a:p>
             <a:fld id="{180AEC4F-B234-4E3E-8D69-7901D2D84D6A}" type="slidenum">
-              <a:t>&lt;#&gt;</a:t>
+              <a:rPr/>
             </a:fld>
+            <a:endParaRPr/>
           </a:p>
         </p:txBody>
       </p:sp>
@@ -815,20 +924,20 @@
         <p:txBody>
           <a:bodyPr/>
           <a:p>
-            <a:r>
-              <a:rPr lang="en-US"/>
-              <a:t/>
-            </a:r>
+            <a:endParaRPr lang="en-US"/>
           </a:p>
         </p:txBody>
       </p:sp>
     </p:spTree>
   </p:cSld>
+  <p:clrMapOvr>
+    <a:masterClrMapping/>
+  </p:clrMapOvr>
 </p:sldLayout>
 </file>
 
 <file path=ppt/slideLayouts/slideLayout14.xml><?xml version="1.0" encoding="utf-8"?>
-<p:sldLayout xmlns:a="http://schemas.openxmlformats.org/drawingml/2006/main" xmlns:p="http://schemas.openxmlformats.org/presentationml/2006/main" xmlns:r="http://schemas.openxmlformats.org/officeDocument/2006/relationships" xmlns:p14="http://schemas.microsoft.com/office/powerpoint/2010/main" xmlns:p15="http://schemas.microsoft.com/office/powerpoint/2012/main" xmlns:mc="http://schemas.openxmlformats.org/markup-compatibility/2006" type="tx" preserve="1">
+<p:sldLayout xmlns:a="http://schemas.openxmlformats.org/drawingml/2006/main" xmlns:r="http://schemas.openxmlformats.org/officeDocument/2006/relationships" xmlns:p="http://schemas.openxmlformats.org/presentationml/2006/main" type="tx" preserve="1">
   <p:cSld name="Title Slide">
     <p:spTree>
       <p:nvGrpSpPr>
@@ -868,15 +977,15 @@
           </a:ln>
         </p:spPr>
         <p:txBody>
-          <a:bodyPr lIns="0" rIns="0" tIns="0" bIns="0" anchor="ctr">
+          <a:bodyPr lIns="0" tIns="0" rIns="0" bIns="0" anchor="ctr">
             <a:noAutofit/>
           </a:bodyPr>
           <a:p>
-            <a:endParaRPr b="0" lang="en-US" sz="1400" spc="-1" strike="noStrike">
-              <a:solidFill>
-                <a:srgbClr val="000000"/>
-              </a:solidFill>
-              <a:latin typeface="Arial"/>
+            <a:endParaRPr lang="en-US" sz="1400" b="0" strike="noStrike" spc="-1">
+              <a:solidFill>
+                <a:srgbClr val="000000"/>
+              </a:solidFill>
+              <a:latin typeface="Arial" panose="020B0604020202020204"/>
             </a:endParaRPr>
           </a:p>
         </p:txBody>
@@ -905,15 +1014,15 @@
           </a:ln>
         </p:spPr>
         <p:txBody>
-          <a:bodyPr lIns="0" rIns="0" tIns="0" bIns="0" anchor="ctr">
+          <a:bodyPr lIns="0" tIns="0" rIns="0" bIns="0" anchor="ctr">
             <a:noAutofit/>
           </a:bodyPr>
           <a:p>
             <a:pPr algn="ctr">
               <a:buNone/>
             </a:pPr>
-            <a:endParaRPr b="0" lang="en-US" sz="3200" spc="-1" strike="noStrike">
-              <a:latin typeface="Arial"/>
+            <a:endParaRPr lang="en-US" sz="3200" b="0" strike="noStrike" spc="-1">
+              <a:latin typeface="Arial" panose="020B0604020202020204"/>
             </a:endParaRPr>
           </a:p>
         </p:txBody>
@@ -953,8 +1062,9 @@
           <a:bodyPr/>
           <a:p>
             <a:fld id="{B8EC9F3A-1591-4E6F-AA47-794D30AF3C8D}" type="slidenum">
-              <a:t>&lt;#&gt;</a:t>
+              <a:rPr/>
             </a:fld>
+            <a:endParaRPr/>
           </a:p>
         </p:txBody>
       </p:sp>
@@ -972,20 +1082,20 @@
         <p:txBody>
           <a:bodyPr/>
           <a:p>
-            <a:r>
-              <a:rPr lang="en-US"/>
-              <a:t/>
-            </a:r>
+            <a:endParaRPr lang="en-US"/>
           </a:p>
         </p:txBody>
       </p:sp>
     </p:spTree>
   </p:cSld>
+  <p:clrMapOvr>
+    <a:masterClrMapping/>
+  </p:clrMapOvr>
 </p:sldLayout>
 </file>
 
 <file path=ppt/slideLayouts/slideLayout15.xml><?xml version="1.0" encoding="utf-8"?>
-<p:sldLayout xmlns:a="http://schemas.openxmlformats.org/drawingml/2006/main" xmlns:p="http://schemas.openxmlformats.org/presentationml/2006/main" xmlns:r="http://schemas.openxmlformats.org/officeDocument/2006/relationships" xmlns:p14="http://schemas.microsoft.com/office/powerpoint/2010/main" xmlns:p15="http://schemas.microsoft.com/office/powerpoint/2012/main" xmlns:mc="http://schemas.openxmlformats.org/markup-compatibility/2006" type="obj" preserve="1">
+<p:sldLayout xmlns:a="http://schemas.openxmlformats.org/drawingml/2006/main" xmlns:r="http://schemas.openxmlformats.org/officeDocument/2006/relationships" xmlns:p="http://schemas.openxmlformats.org/presentationml/2006/main" type="obj" preserve="1">
   <p:cSld name="Title, Content">
     <p:spTree>
       <p:nvGrpSpPr>
@@ -1025,15 +1135,15 @@
           </a:ln>
         </p:spPr>
         <p:txBody>
-          <a:bodyPr lIns="0" rIns="0" tIns="0" bIns="0" anchor="ctr">
+          <a:bodyPr lIns="0" tIns="0" rIns="0" bIns="0" anchor="ctr">
             <a:noAutofit/>
           </a:bodyPr>
           <a:p>
-            <a:endParaRPr b="0" lang="en-US" sz="1400" spc="-1" strike="noStrike">
-              <a:solidFill>
-                <a:srgbClr val="000000"/>
-              </a:solidFill>
-              <a:latin typeface="Arial"/>
+            <a:endParaRPr lang="en-US" sz="1400" b="0" strike="noStrike" spc="-1">
+              <a:solidFill>
+                <a:srgbClr val="000000"/>
+              </a:solidFill>
+              <a:latin typeface="Arial" panose="020B0604020202020204"/>
             </a:endParaRPr>
           </a:p>
         </p:txBody>
@@ -1062,15 +1172,15 @@
           </a:ln>
         </p:spPr>
         <p:txBody>
-          <a:bodyPr lIns="0" rIns="0" tIns="0" bIns="0" anchor="t">
+          <a:bodyPr lIns="0" tIns="0" rIns="0" bIns="0" anchor="t">
             <a:normAutofit/>
           </a:bodyPr>
           <a:p>
-            <a:endParaRPr b="0" lang="en-US" sz="1400" spc="-1" strike="noStrike">
-              <a:solidFill>
-                <a:srgbClr val="000000"/>
-              </a:solidFill>
-              <a:latin typeface="Arial"/>
+            <a:endParaRPr lang="en-US" sz="1400" b="0" strike="noStrike" spc="-1">
+              <a:solidFill>
+                <a:srgbClr val="000000"/>
+              </a:solidFill>
+              <a:latin typeface="Arial" panose="020B0604020202020204"/>
             </a:endParaRPr>
           </a:p>
         </p:txBody>
@@ -1110,8 +1220,9 @@
           <a:bodyPr/>
           <a:p>
             <a:fld id="{410A5B4F-F93A-450D-8B7E-1AF8952008C9}" type="slidenum">
-              <a:t>&lt;#&gt;</a:t>
+              <a:rPr/>
             </a:fld>
+            <a:endParaRPr/>
           </a:p>
         </p:txBody>
       </p:sp>
@@ -1129,20 +1240,20 @@
         <p:txBody>
           <a:bodyPr/>
           <a:p>
-            <a:r>
-              <a:rPr lang="en-US"/>
-              <a:t/>
-            </a:r>
+            <a:endParaRPr lang="en-US"/>
           </a:p>
         </p:txBody>
       </p:sp>
     </p:spTree>
   </p:cSld>
+  <p:clrMapOvr>
+    <a:masterClrMapping/>
+  </p:clrMapOvr>
 </p:sldLayout>
 </file>
 
 <file path=ppt/slideLayouts/slideLayout16.xml><?xml version="1.0" encoding="utf-8"?>
-<p:sldLayout xmlns:a="http://schemas.openxmlformats.org/drawingml/2006/main" xmlns:p="http://schemas.openxmlformats.org/presentationml/2006/main" xmlns:r="http://schemas.openxmlformats.org/officeDocument/2006/relationships" xmlns:p14="http://schemas.microsoft.com/office/powerpoint/2010/main" xmlns:p15="http://schemas.microsoft.com/office/powerpoint/2012/main" xmlns:mc="http://schemas.openxmlformats.org/markup-compatibility/2006" type="twoObj" preserve="1">
+<p:sldLayout xmlns:a="http://schemas.openxmlformats.org/drawingml/2006/main" xmlns:r="http://schemas.openxmlformats.org/officeDocument/2006/relationships" xmlns:p="http://schemas.openxmlformats.org/presentationml/2006/main" type="twoObj" preserve="1">
   <p:cSld name="Title, 2 Content">
     <p:spTree>
       <p:nvGrpSpPr>
@@ -1182,15 +1293,15 @@
           </a:ln>
         </p:spPr>
         <p:txBody>
-          <a:bodyPr lIns="0" rIns="0" tIns="0" bIns="0" anchor="ctr">
+          <a:bodyPr lIns="0" tIns="0" rIns="0" bIns="0" anchor="ctr">
             <a:noAutofit/>
           </a:bodyPr>
           <a:p>
-            <a:endParaRPr b="0" lang="en-US" sz="1400" spc="-1" strike="noStrike">
-              <a:solidFill>
-                <a:srgbClr val="000000"/>
-              </a:solidFill>
-              <a:latin typeface="Arial"/>
+            <a:endParaRPr lang="en-US" sz="1400" b="0" strike="noStrike" spc="-1">
+              <a:solidFill>
+                <a:srgbClr val="000000"/>
+              </a:solidFill>
+              <a:latin typeface="Arial" panose="020B0604020202020204"/>
             </a:endParaRPr>
           </a:p>
         </p:txBody>
@@ -1219,15 +1330,15 @@
           </a:ln>
         </p:spPr>
         <p:txBody>
-          <a:bodyPr lIns="0" rIns="0" tIns="0" bIns="0" anchor="t">
+          <a:bodyPr lIns="0" tIns="0" rIns="0" bIns="0" anchor="t">
             <a:normAutofit/>
           </a:bodyPr>
           <a:p>
-            <a:endParaRPr b="0" lang="en-US" sz="1400" spc="-1" strike="noStrike">
-              <a:solidFill>
-                <a:srgbClr val="000000"/>
-              </a:solidFill>
-              <a:latin typeface="Arial"/>
+            <a:endParaRPr lang="en-US" sz="1400" b="0" strike="noStrike" spc="-1">
+              <a:solidFill>
+                <a:srgbClr val="000000"/>
+              </a:solidFill>
+              <a:latin typeface="Arial" panose="020B0604020202020204"/>
             </a:endParaRPr>
           </a:p>
         </p:txBody>
@@ -1256,15 +1367,15 @@
           </a:ln>
         </p:spPr>
         <p:txBody>
-          <a:bodyPr lIns="0" rIns="0" tIns="0" bIns="0" anchor="t">
+          <a:bodyPr lIns="0" tIns="0" rIns="0" bIns="0" anchor="t">
             <a:normAutofit/>
           </a:bodyPr>
           <a:p>
-            <a:endParaRPr b="0" lang="en-US" sz="1400" spc="-1" strike="noStrike">
-              <a:solidFill>
-                <a:srgbClr val="000000"/>
-              </a:solidFill>
-              <a:latin typeface="Arial"/>
+            <a:endParaRPr lang="en-US" sz="1400" b="0" strike="noStrike" spc="-1">
+              <a:solidFill>
+                <a:srgbClr val="000000"/>
+              </a:solidFill>
+              <a:latin typeface="Arial" panose="020B0604020202020204"/>
             </a:endParaRPr>
           </a:p>
         </p:txBody>
@@ -1304,8 +1415,9 @@
           <a:bodyPr/>
           <a:p>
             <a:fld id="{52416923-A1EF-4BC6-AEC2-FFC7B12E209D}" type="slidenum">
-              <a:t>&lt;#&gt;</a:t>
+              <a:rPr/>
             </a:fld>
+            <a:endParaRPr/>
           </a:p>
         </p:txBody>
       </p:sp>
@@ -1323,20 +1435,20 @@
         <p:txBody>
           <a:bodyPr/>
           <a:p>
-            <a:r>
-              <a:rPr lang="en-US"/>
-              <a:t/>
-            </a:r>
+            <a:endParaRPr lang="en-US"/>
           </a:p>
         </p:txBody>
       </p:sp>
     </p:spTree>
   </p:cSld>
+  <p:clrMapOvr>
+    <a:masterClrMapping/>
+  </p:clrMapOvr>
 </p:sldLayout>
 </file>
 
 <file path=ppt/slideLayouts/slideLayout17.xml><?xml version="1.0" encoding="utf-8"?>
-<p:sldLayout xmlns:a="http://schemas.openxmlformats.org/drawingml/2006/main" xmlns:p="http://schemas.openxmlformats.org/presentationml/2006/main" xmlns:r="http://schemas.openxmlformats.org/officeDocument/2006/relationships" xmlns:p14="http://schemas.microsoft.com/office/powerpoint/2010/main" xmlns:p15="http://schemas.microsoft.com/office/powerpoint/2012/main" xmlns:mc="http://schemas.openxmlformats.org/markup-compatibility/2006" type="titleOnly" preserve="1">
+<p:sldLayout xmlns:a="http://schemas.openxmlformats.org/drawingml/2006/main" xmlns:r="http://schemas.openxmlformats.org/officeDocument/2006/relationships" xmlns:p="http://schemas.openxmlformats.org/presentationml/2006/main" type="titleOnly" preserve="1">
   <p:cSld name="Title Only">
     <p:spTree>
       <p:nvGrpSpPr>
@@ -1376,15 +1488,15 @@
           </a:ln>
         </p:spPr>
         <p:txBody>
-          <a:bodyPr lIns="0" rIns="0" tIns="0" bIns="0" anchor="ctr">
+          <a:bodyPr lIns="0" tIns="0" rIns="0" bIns="0" anchor="ctr">
             <a:noAutofit/>
           </a:bodyPr>
           <a:p>
-            <a:endParaRPr b="0" lang="en-US" sz="1400" spc="-1" strike="noStrike">
-              <a:solidFill>
-                <a:srgbClr val="000000"/>
-              </a:solidFill>
-              <a:latin typeface="Arial"/>
+            <a:endParaRPr lang="en-US" sz="1400" b="0" strike="noStrike" spc="-1">
+              <a:solidFill>
+                <a:srgbClr val="000000"/>
+              </a:solidFill>
+              <a:latin typeface="Arial" panose="020B0604020202020204"/>
             </a:endParaRPr>
           </a:p>
         </p:txBody>
@@ -1424,8 +1536,9 @@
           <a:bodyPr/>
           <a:p>
             <a:fld id="{E1E13A35-C3BF-4368-82C9-3552B4E4376D}" type="slidenum">
-              <a:t>&lt;#&gt;</a:t>
+              <a:rPr/>
             </a:fld>
+            <a:endParaRPr/>
           </a:p>
         </p:txBody>
       </p:sp>
@@ -1443,20 +1556,20 @@
         <p:txBody>
           <a:bodyPr/>
           <a:p>
-            <a:r>
-              <a:rPr lang="en-US"/>
-              <a:t/>
-            </a:r>
+            <a:endParaRPr lang="en-US"/>
           </a:p>
         </p:txBody>
       </p:sp>
     </p:spTree>
   </p:cSld>
+  <p:clrMapOvr>
+    <a:masterClrMapping/>
+  </p:clrMapOvr>
 </p:sldLayout>
 </file>
 
 <file path=ppt/slideLayouts/slideLayout18.xml><?xml version="1.0" encoding="utf-8"?>
-<p:sldLayout xmlns:a="http://schemas.openxmlformats.org/drawingml/2006/main" xmlns:p="http://schemas.openxmlformats.org/presentationml/2006/main" xmlns:r="http://schemas.openxmlformats.org/officeDocument/2006/relationships" xmlns:p14="http://schemas.microsoft.com/office/powerpoint/2010/main" xmlns:p15="http://schemas.microsoft.com/office/powerpoint/2012/main" xmlns:mc="http://schemas.openxmlformats.org/markup-compatibility/2006" type="objOnly" preserve="1">
+<p:sldLayout xmlns:a="http://schemas.openxmlformats.org/drawingml/2006/main" xmlns:r="http://schemas.openxmlformats.org/officeDocument/2006/relationships" xmlns:p="http://schemas.openxmlformats.org/presentationml/2006/main" type="objOnly" preserve="1">
   <p:cSld name="Centered Text">
     <p:spTree>
       <p:nvGrpSpPr>
@@ -1496,15 +1609,15 @@
           </a:ln>
         </p:spPr>
         <p:txBody>
-          <a:bodyPr lIns="0" rIns="0" tIns="0" bIns="0" anchor="ctr">
+          <a:bodyPr lIns="0" tIns="0" rIns="0" bIns="0" anchor="ctr">
             <a:noAutofit/>
           </a:bodyPr>
           <a:p>
             <a:pPr algn="ctr">
               <a:buNone/>
             </a:pPr>
-            <a:endParaRPr b="0" lang="en-US" sz="3200" spc="-1" strike="noStrike">
-              <a:latin typeface="Arial"/>
+            <a:endParaRPr lang="en-US" sz="3200" b="0" strike="noStrike" spc="-1">
+              <a:latin typeface="Arial" panose="020B0604020202020204"/>
             </a:endParaRPr>
           </a:p>
         </p:txBody>
@@ -1544,8 +1657,9 @@
           <a:bodyPr/>
           <a:p>
             <a:fld id="{0DB0E5DB-C121-4D58-A1F7-769807B7DB14}" type="slidenum">
-              <a:t>&lt;#&gt;</a:t>
+              <a:rPr/>
             </a:fld>
+            <a:endParaRPr/>
           </a:p>
         </p:txBody>
       </p:sp>
@@ -1563,20 +1677,20 @@
         <p:txBody>
           <a:bodyPr/>
           <a:p>
-            <a:r>
-              <a:rPr lang="en-US"/>
-              <a:t/>
-            </a:r>
+            <a:endParaRPr lang="en-US"/>
           </a:p>
         </p:txBody>
       </p:sp>
     </p:spTree>
   </p:cSld>
+  <p:clrMapOvr>
+    <a:masterClrMapping/>
+  </p:clrMapOvr>
 </p:sldLayout>
 </file>
 
 <file path=ppt/slideLayouts/slideLayout19.xml><?xml version="1.0" encoding="utf-8"?>
-<p:sldLayout xmlns:a="http://schemas.openxmlformats.org/drawingml/2006/main" xmlns:p="http://schemas.openxmlformats.org/presentationml/2006/main" xmlns:r="http://schemas.openxmlformats.org/officeDocument/2006/relationships" xmlns:p14="http://schemas.microsoft.com/office/powerpoint/2010/main" xmlns:p15="http://schemas.microsoft.com/office/powerpoint/2012/main" xmlns:mc="http://schemas.openxmlformats.org/markup-compatibility/2006" type="twoObjAndObj" preserve="1">
+<p:sldLayout xmlns:a="http://schemas.openxmlformats.org/drawingml/2006/main" xmlns:r="http://schemas.openxmlformats.org/officeDocument/2006/relationships" xmlns:p="http://schemas.openxmlformats.org/presentationml/2006/main" type="twoObjAndObj" preserve="1">
   <p:cSld name="Title, 2 Content and Content">
     <p:spTree>
       <p:nvGrpSpPr>
@@ -1616,15 +1730,15 @@
           </a:ln>
         </p:spPr>
         <p:txBody>
-          <a:bodyPr lIns="0" rIns="0" tIns="0" bIns="0" anchor="ctr">
+          <a:bodyPr lIns="0" tIns="0" rIns="0" bIns="0" anchor="ctr">
             <a:noAutofit/>
           </a:bodyPr>
           <a:p>
-            <a:endParaRPr b="0" lang="en-US" sz="1400" spc="-1" strike="noStrike">
-              <a:solidFill>
-                <a:srgbClr val="000000"/>
-              </a:solidFill>
-              <a:latin typeface="Arial"/>
+            <a:endParaRPr lang="en-US" sz="1400" b="0" strike="noStrike" spc="-1">
+              <a:solidFill>
+                <a:srgbClr val="000000"/>
+              </a:solidFill>
+              <a:latin typeface="Arial" panose="020B0604020202020204"/>
             </a:endParaRPr>
           </a:p>
         </p:txBody>
@@ -1653,15 +1767,15 @@
           </a:ln>
         </p:spPr>
         <p:txBody>
-          <a:bodyPr lIns="0" rIns="0" tIns="0" bIns="0" anchor="t">
+          <a:bodyPr lIns="0" tIns="0" rIns="0" bIns="0" anchor="t">
             <a:normAutofit/>
           </a:bodyPr>
           <a:p>
-            <a:endParaRPr b="0" lang="en-US" sz="1400" spc="-1" strike="noStrike">
-              <a:solidFill>
-                <a:srgbClr val="000000"/>
-              </a:solidFill>
-              <a:latin typeface="Arial"/>
+            <a:endParaRPr lang="en-US" sz="1400" b="0" strike="noStrike" spc="-1">
+              <a:solidFill>
+                <a:srgbClr val="000000"/>
+              </a:solidFill>
+              <a:latin typeface="Arial" panose="020B0604020202020204"/>
             </a:endParaRPr>
           </a:p>
         </p:txBody>
@@ -1690,15 +1804,15 @@
           </a:ln>
         </p:spPr>
         <p:txBody>
-          <a:bodyPr lIns="0" rIns="0" tIns="0" bIns="0" anchor="t">
+          <a:bodyPr lIns="0" tIns="0" rIns="0" bIns="0" anchor="t">
             <a:normAutofit/>
           </a:bodyPr>
           <a:p>
-            <a:endParaRPr b="0" lang="en-US" sz="1400" spc="-1" strike="noStrike">
-              <a:solidFill>
-                <a:srgbClr val="000000"/>
-              </a:solidFill>
-              <a:latin typeface="Arial"/>
+            <a:endParaRPr lang="en-US" sz="1400" b="0" strike="noStrike" spc="-1">
+              <a:solidFill>
+                <a:srgbClr val="000000"/>
+              </a:solidFill>
+              <a:latin typeface="Arial" panose="020B0604020202020204"/>
             </a:endParaRPr>
           </a:p>
         </p:txBody>
@@ -1727,15 +1841,15 @@
           </a:ln>
         </p:spPr>
         <p:txBody>
-          <a:bodyPr lIns="0" rIns="0" tIns="0" bIns="0" anchor="t">
+          <a:bodyPr lIns="0" tIns="0" rIns="0" bIns="0" anchor="t">
             <a:normAutofit/>
           </a:bodyPr>
           <a:p>
-            <a:endParaRPr b="0" lang="en-US" sz="1400" spc="-1" strike="noStrike">
-              <a:solidFill>
-                <a:srgbClr val="000000"/>
-              </a:solidFill>
-              <a:latin typeface="Arial"/>
+            <a:endParaRPr lang="en-US" sz="1400" b="0" strike="noStrike" spc="-1">
+              <a:solidFill>
+                <a:srgbClr val="000000"/>
+              </a:solidFill>
+              <a:latin typeface="Arial" panose="020B0604020202020204"/>
             </a:endParaRPr>
           </a:p>
         </p:txBody>
@@ -1775,8 +1889,9 @@
           <a:bodyPr/>
           <a:p>
             <a:fld id="{99C6024E-0A12-41F8-9A9C-A641025ED08E}" type="slidenum">
-              <a:t>&lt;#&gt;</a:t>
+              <a:rPr/>
             </a:fld>
+            <a:endParaRPr/>
           </a:p>
         </p:txBody>
       </p:sp>
@@ -1794,20 +1909,20 @@
         <p:txBody>
           <a:bodyPr/>
           <a:p>
-            <a:r>
-              <a:rPr lang="en-US"/>
-              <a:t/>
-            </a:r>
+            <a:endParaRPr lang="en-US"/>
           </a:p>
         </p:txBody>
       </p:sp>
     </p:spTree>
   </p:cSld>
+  <p:clrMapOvr>
+    <a:masterClrMapping/>
+  </p:clrMapOvr>
 </p:sldLayout>
 </file>
 
 <file path=ppt/slideLayouts/slideLayout2.xml><?xml version="1.0" encoding="utf-8"?>
-<p:sldLayout xmlns:a="http://schemas.openxmlformats.org/drawingml/2006/main" xmlns:p="http://schemas.openxmlformats.org/presentationml/2006/main" xmlns:r="http://schemas.openxmlformats.org/officeDocument/2006/relationships" xmlns:p14="http://schemas.microsoft.com/office/powerpoint/2010/main" xmlns:p15="http://schemas.microsoft.com/office/powerpoint/2012/main" xmlns:mc="http://schemas.openxmlformats.org/markup-compatibility/2006" type="tx" preserve="1">
+<p:sldLayout xmlns:a="http://schemas.openxmlformats.org/drawingml/2006/main" xmlns:r="http://schemas.openxmlformats.org/officeDocument/2006/relationships" xmlns:p="http://schemas.openxmlformats.org/presentationml/2006/main" type="tx" preserve="1">
   <p:cSld name="Title Slide">
     <p:spTree>
       <p:nvGrpSpPr>
@@ -1847,15 +1962,15 @@
           </a:ln>
         </p:spPr>
         <p:txBody>
-          <a:bodyPr lIns="0" rIns="0" tIns="0" bIns="0" anchor="ctr">
+          <a:bodyPr lIns="0" tIns="0" rIns="0" bIns="0" anchor="ctr">
             <a:noAutofit/>
           </a:bodyPr>
           <a:p>
-            <a:endParaRPr b="0" lang="en-US" sz="1400" spc="-1" strike="noStrike">
-              <a:solidFill>
-                <a:srgbClr val="000000"/>
-              </a:solidFill>
-              <a:latin typeface="Arial"/>
+            <a:endParaRPr lang="en-US" sz="1400" b="0" strike="noStrike" spc="-1">
+              <a:solidFill>
+                <a:srgbClr val="000000"/>
+              </a:solidFill>
+              <a:latin typeface="Arial" panose="020B0604020202020204"/>
             </a:endParaRPr>
           </a:p>
         </p:txBody>
@@ -1884,15 +1999,15 @@
           </a:ln>
         </p:spPr>
         <p:txBody>
-          <a:bodyPr lIns="0" rIns="0" tIns="0" bIns="0" anchor="ctr">
+          <a:bodyPr lIns="0" tIns="0" rIns="0" bIns="0" anchor="ctr">
             <a:noAutofit/>
           </a:bodyPr>
           <a:p>
             <a:pPr algn="ctr">
               <a:buNone/>
             </a:pPr>
-            <a:endParaRPr b="0" lang="en-US" sz="3200" spc="-1" strike="noStrike">
-              <a:latin typeface="Arial"/>
+            <a:endParaRPr lang="en-US" sz="3200" b="0" strike="noStrike" spc="-1">
+              <a:latin typeface="Arial" panose="020B0604020202020204"/>
             </a:endParaRPr>
           </a:p>
         </p:txBody>
@@ -1912,18 +2027,22 @@
           <a:bodyPr/>
           <a:p>
             <a:fld id="{AC1F54FF-618C-426E-BA0C-D943DD21D8AB}" type="slidenum">
-              <a:t>&lt;#&gt;</a:t>
+              <a:rPr/>
             </a:fld>
+            <a:endParaRPr/>
           </a:p>
         </p:txBody>
       </p:sp>
     </p:spTree>
   </p:cSld>
+  <p:clrMapOvr>
+    <a:masterClrMapping/>
+  </p:clrMapOvr>
 </p:sldLayout>
 </file>
 
 <file path=ppt/slideLayouts/slideLayout20.xml><?xml version="1.0" encoding="utf-8"?>
-<p:sldLayout xmlns:a="http://schemas.openxmlformats.org/drawingml/2006/main" xmlns:p="http://schemas.openxmlformats.org/presentationml/2006/main" xmlns:r="http://schemas.openxmlformats.org/officeDocument/2006/relationships" xmlns:p14="http://schemas.microsoft.com/office/powerpoint/2010/main" xmlns:p15="http://schemas.microsoft.com/office/powerpoint/2012/main" xmlns:mc="http://schemas.openxmlformats.org/markup-compatibility/2006" type="objAndTwoObj" preserve="1">
+<p:sldLayout xmlns:a="http://schemas.openxmlformats.org/drawingml/2006/main" xmlns:r="http://schemas.openxmlformats.org/officeDocument/2006/relationships" xmlns:p="http://schemas.openxmlformats.org/presentationml/2006/main" type="objAndTwoObj" preserve="1">
   <p:cSld name="Title Content and 2 Content">
     <p:spTree>
       <p:nvGrpSpPr>
@@ -1963,15 +2082,15 @@
           </a:ln>
         </p:spPr>
         <p:txBody>
-          <a:bodyPr lIns="0" rIns="0" tIns="0" bIns="0" anchor="ctr">
+          <a:bodyPr lIns="0" tIns="0" rIns="0" bIns="0" anchor="ctr">
             <a:noAutofit/>
           </a:bodyPr>
           <a:p>
-            <a:endParaRPr b="0" lang="en-US" sz="1400" spc="-1" strike="noStrike">
-              <a:solidFill>
-                <a:srgbClr val="000000"/>
-              </a:solidFill>
-              <a:latin typeface="Arial"/>
+            <a:endParaRPr lang="en-US" sz="1400" b="0" strike="noStrike" spc="-1">
+              <a:solidFill>
+                <a:srgbClr val="000000"/>
+              </a:solidFill>
+              <a:latin typeface="Arial" panose="020B0604020202020204"/>
             </a:endParaRPr>
           </a:p>
         </p:txBody>
@@ -2000,15 +2119,15 @@
           </a:ln>
         </p:spPr>
         <p:txBody>
-          <a:bodyPr lIns="0" rIns="0" tIns="0" bIns="0" anchor="t">
+          <a:bodyPr lIns="0" tIns="0" rIns="0" bIns="0" anchor="t">
             <a:normAutofit/>
           </a:bodyPr>
           <a:p>
-            <a:endParaRPr b="0" lang="en-US" sz="1400" spc="-1" strike="noStrike">
-              <a:solidFill>
-                <a:srgbClr val="000000"/>
-              </a:solidFill>
-              <a:latin typeface="Arial"/>
+            <a:endParaRPr lang="en-US" sz="1400" b="0" strike="noStrike" spc="-1">
+              <a:solidFill>
+                <a:srgbClr val="000000"/>
+              </a:solidFill>
+              <a:latin typeface="Arial" panose="020B0604020202020204"/>
             </a:endParaRPr>
           </a:p>
         </p:txBody>
@@ -2037,15 +2156,15 @@
           </a:ln>
         </p:spPr>
         <p:txBody>
-          <a:bodyPr lIns="0" rIns="0" tIns="0" bIns="0" anchor="t">
+          <a:bodyPr lIns="0" tIns="0" rIns="0" bIns="0" anchor="t">
             <a:normAutofit/>
           </a:bodyPr>
           <a:p>
-            <a:endParaRPr b="0" lang="en-US" sz="1400" spc="-1" strike="noStrike">
-              <a:solidFill>
-                <a:srgbClr val="000000"/>
-              </a:solidFill>
-              <a:latin typeface="Arial"/>
+            <a:endParaRPr lang="en-US" sz="1400" b="0" strike="noStrike" spc="-1">
+              <a:solidFill>
+                <a:srgbClr val="000000"/>
+              </a:solidFill>
+              <a:latin typeface="Arial" panose="020B0604020202020204"/>
             </a:endParaRPr>
           </a:p>
         </p:txBody>
@@ -2074,15 +2193,15 @@
           </a:ln>
         </p:spPr>
         <p:txBody>
-          <a:bodyPr lIns="0" rIns="0" tIns="0" bIns="0" anchor="t">
+          <a:bodyPr lIns="0" tIns="0" rIns="0" bIns="0" anchor="t">
             <a:normAutofit/>
           </a:bodyPr>
           <a:p>
-            <a:endParaRPr b="0" lang="en-US" sz="1400" spc="-1" strike="noStrike">
-              <a:solidFill>
-                <a:srgbClr val="000000"/>
-              </a:solidFill>
-              <a:latin typeface="Arial"/>
+            <a:endParaRPr lang="en-US" sz="1400" b="0" strike="noStrike" spc="-1">
+              <a:solidFill>
+                <a:srgbClr val="000000"/>
+              </a:solidFill>
+              <a:latin typeface="Arial" panose="020B0604020202020204"/>
             </a:endParaRPr>
           </a:p>
         </p:txBody>
@@ -2122,8 +2241,9 @@
           <a:bodyPr/>
           <a:p>
             <a:fld id="{72CF4241-E45F-49F3-8B45-56F98F06E247}" type="slidenum">
-              <a:t>&lt;#&gt;</a:t>
+              <a:rPr/>
             </a:fld>
+            <a:endParaRPr/>
           </a:p>
         </p:txBody>
       </p:sp>
@@ -2141,20 +2261,20 @@
         <p:txBody>
           <a:bodyPr/>
           <a:p>
-            <a:r>
-              <a:rPr lang="en-US"/>
-              <a:t/>
-            </a:r>
+            <a:endParaRPr lang="en-US"/>
           </a:p>
         </p:txBody>
       </p:sp>
     </p:spTree>
   </p:cSld>
+  <p:clrMapOvr>
+    <a:masterClrMapping/>
+  </p:clrMapOvr>
 </p:sldLayout>
 </file>
 
 <file path=ppt/slideLayouts/slideLayout21.xml><?xml version="1.0" encoding="utf-8"?>
-<p:sldLayout xmlns:a="http://schemas.openxmlformats.org/drawingml/2006/main" xmlns:p="http://schemas.openxmlformats.org/presentationml/2006/main" xmlns:r="http://schemas.openxmlformats.org/officeDocument/2006/relationships" xmlns:p14="http://schemas.microsoft.com/office/powerpoint/2010/main" xmlns:p15="http://schemas.microsoft.com/office/powerpoint/2012/main" xmlns:mc="http://schemas.openxmlformats.org/markup-compatibility/2006" type="twoObjOverTx" preserve="1">
+<p:sldLayout xmlns:a="http://schemas.openxmlformats.org/drawingml/2006/main" xmlns:r="http://schemas.openxmlformats.org/officeDocument/2006/relationships" xmlns:p="http://schemas.openxmlformats.org/presentationml/2006/main" type="twoObjOverTx" preserve="1">
   <p:cSld name="Title, 2 Content over Content">
     <p:spTree>
       <p:nvGrpSpPr>
@@ -2194,15 +2314,15 @@
           </a:ln>
         </p:spPr>
         <p:txBody>
-          <a:bodyPr lIns="0" rIns="0" tIns="0" bIns="0" anchor="ctr">
+          <a:bodyPr lIns="0" tIns="0" rIns="0" bIns="0" anchor="ctr">
             <a:noAutofit/>
           </a:bodyPr>
           <a:p>
-            <a:endParaRPr b="0" lang="en-US" sz="1400" spc="-1" strike="noStrike">
-              <a:solidFill>
-                <a:srgbClr val="000000"/>
-              </a:solidFill>
-              <a:latin typeface="Arial"/>
+            <a:endParaRPr lang="en-US" sz="1400" b="0" strike="noStrike" spc="-1">
+              <a:solidFill>
+                <a:srgbClr val="000000"/>
+              </a:solidFill>
+              <a:latin typeface="Arial" panose="020B0604020202020204"/>
             </a:endParaRPr>
           </a:p>
         </p:txBody>
@@ -2231,15 +2351,15 @@
           </a:ln>
         </p:spPr>
         <p:txBody>
-          <a:bodyPr lIns="0" rIns="0" tIns="0" bIns="0" anchor="t">
+          <a:bodyPr lIns="0" tIns="0" rIns="0" bIns="0" anchor="t">
             <a:normAutofit/>
           </a:bodyPr>
           <a:p>
-            <a:endParaRPr b="0" lang="en-US" sz="1400" spc="-1" strike="noStrike">
-              <a:solidFill>
-                <a:srgbClr val="000000"/>
-              </a:solidFill>
-              <a:latin typeface="Arial"/>
+            <a:endParaRPr lang="en-US" sz="1400" b="0" strike="noStrike" spc="-1">
+              <a:solidFill>
+                <a:srgbClr val="000000"/>
+              </a:solidFill>
+              <a:latin typeface="Arial" panose="020B0604020202020204"/>
             </a:endParaRPr>
           </a:p>
         </p:txBody>
@@ -2268,15 +2388,15 @@
           </a:ln>
         </p:spPr>
         <p:txBody>
-          <a:bodyPr lIns="0" rIns="0" tIns="0" bIns="0" anchor="t">
+          <a:bodyPr lIns="0" tIns="0" rIns="0" bIns="0" anchor="t">
             <a:normAutofit/>
           </a:bodyPr>
           <a:p>
-            <a:endParaRPr b="0" lang="en-US" sz="1400" spc="-1" strike="noStrike">
-              <a:solidFill>
-                <a:srgbClr val="000000"/>
-              </a:solidFill>
-              <a:latin typeface="Arial"/>
+            <a:endParaRPr lang="en-US" sz="1400" b="0" strike="noStrike" spc="-1">
+              <a:solidFill>
+                <a:srgbClr val="000000"/>
+              </a:solidFill>
+              <a:latin typeface="Arial" panose="020B0604020202020204"/>
             </a:endParaRPr>
           </a:p>
         </p:txBody>
@@ -2305,15 +2425,15 @@
           </a:ln>
         </p:spPr>
         <p:txBody>
-          <a:bodyPr lIns="0" rIns="0" tIns="0" bIns="0" anchor="t">
+          <a:bodyPr lIns="0" tIns="0" rIns="0" bIns="0" anchor="t">
             <a:normAutofit/>
           </a:bodyPr>
           <a:p>
-            <a:endParaRPr b="0" lang="en-US" sz="1400" spc="-1" strike="noStrike">
-              <a:solidFill>
-                <a:srgbClr val="000000"/>
-              </a:solidFill>
-              <a:latin typeface="Arial"/>
+            <a:endParaRPr lang="en-US" sz="1400" b="0" strike="noStrike" spc="-1">
+              <a:solidFill>
+                <a:srgbClr val="000000"/>
+              </a:solidFill>
+              <a:latin typeface="Arial" panose="020B0604020202020204"/>
             </a:endParaRPr>
           </a:p>
         </p:txBody>
@@ -2353,8 +2473,9 @@
           <a:bodyPr/>
           <a:p>
             <a:fld id="{34DE3BA9-CFF3-444E-8F17-AD8C1CA5B5D9}" type="slidenum">
-              <a:t>&lt;#&gt;</a:t>
+              <a:rPr/>
             </a:fld>
+            <a:endParaRPr/>
           </a:p>
         </p:txBody>
       </p:sp>
@@ -2372,20 +2493,20 @@
         <p:txBody>
           <a:bodyPr/>
           <a:p>
-            <a:r>
-              <a:rPr lang="en-US"/>
-              <a:t/>
-            </a:r>
+            <a:endParaRPr lang="en-US"/>
           </a:p>
         </p:txBody>
       </p:sp>
     </p:spTree>
   </p:cSld>
+  <p:clrMapOvr>
+    <a:masterClrMapping/>
+  </p:clrMapOvr>
 </p:sldLayout>
 </file>
 
 <file path=ppt/slideLayouts/slideLayout22.xml><?xml version="1.0" encoding="utf-8"?>
-<p:sldLayout xmlns:a="http://schemas.openxmlformats.org/drawingml/2006/main" xmlns:p="http://schemas.openxmlformats.org/presentationml/2006/main" xmlns:r="http://schemas.openxmlformats.org/officeDocument/2006/relationships" xmlns:p14="http://schemas.microsoft.com/office/powerpoint/2010/main" xmlns:p15="http://schemas.microsoft.com/office/powerpoint/2012/main" xmlns:mc="http://schemas.openxmlformats.org/markup-compatibility/2006" type="objOverTx" preserve="1">
+<p:sldLayout xmlns:a="http://schemas.openxmlformats.org/drawingml/2006/main" xmlns:r="http://schemas.openxmlformats.org/officeDocument/2006/relationships" xmlns:p="http://schemas.openxmlformats.org/presentationml/2006/main" type="objOverTx" preserve="1">
   <p:cSld name="Title, Content over Content">
     <p:spTree>
       <p:nvGrpSpPr>
@@ -2425,15 +2546,15 @@
           </a:ln>
         </p:spPr>
         <p:txBody>
-          <a:bodyPr lIns="0" rIns="0" tIns="0" bIns="0" anchor="ctr">
+          <a:bodyPr lIns="0" tIns="0" rIns="0" bIns="0" anchor="ctr">
             <a:noAutofit/>
           </a:bodyPr>
           <a:p>
-            <a:endParaRPr b="0" lang="en-US" sz="1400" spc="-1" strike="noStrike">
-              <a:solidFill>
-                <a:srgbClr val="000000"/>
-              </a:solidFill>
-              <a:latin typeface="Arial"/>
+            <a:endParaRPr lang="en-US" sz="1400" b="0" strike="noStrike" spc="-1">
+              <a:solidFill>
+                <a:srgbClr val="000000"/>
+              </a:solidFill>
+              <a:latin typeface="Arial" panose="020B0604020202020204"/>
             </a:endParaRPr>
           </a:p>
         </p:txBody>
@@ -2462,15 +2583,15 @@
           </a:ln>
         </p:spPr>
         <p:txBody>
-          <a:bodyPr lIns="0" rIns="0" tIns="0" bIns="0" anchor="t">
+          <a:bodyPr lIns="0" tIns="0" rIns="0" bIns="0" anchor="t">
             <a:normAutofit/>
           </a:bodyPr>
           <a:p>
-            <a:endParaRPr b="0" lang="en-US" sz="1400" spc="-1" strike="noStrike">
-              <a:solidFill>
-                <a:srgbClr val="000000"/>
-              </a:solidFill>
-              <a:latin typeface="Arial"/>
+            <a:endParaRPr lang="en-US" sz="1400" b="0" strike="noStrike" spc="-1">
+              <a:solidFill>
+                <a:srgbClr val="000000"/>
+              </a:solidFill>
+              <a:latin typeface="Arial" panose="020B0604020202020204"/>
             </a:endParaRPr>
           </a:p>
         </p:txBody>
@@ -2499,15 +2620,15 @@
           </a:ln>
         </p:spPr>
         <p:txBody>
-          <a:bodyPr lIns="0" rIns="0" tIns="0" bIns="0" anchor="t">
+          <a:bodyPr lIns="0" tIns="0" rIns="0" bIns="0" anchor="t">
             <a:normAutofit/>
           </a:bodyPr>
           <a:p>
-            <a:endParaRPr b="0" lang="en-US" sz="1400" spc="-1" strike="noStrike">
-              <a:solidFill>
-                <a:srgbClr val="000000"/>
-              </a:solidFill>
-              <a:latin typeface="Arial"/>
+            <a:endParaRPr lang="en-US" sz="1400" b="0" strike="noStrike" spc="-1">
+              <a:solidFill>
+                <a:srgbClr val="000000"/>
+              </a:solidFill>
+              <a:latin typeface="Arial" panose="020B0604020202020204"/>
             </a:endParaRPr>
           </a:p>
         </p:txBody>
@@ -2547,8 +2668,9 @@
           <a:bodyPr/>
           <a:p>
             <a:fld id="{E7065B95-0E83-4DEB-A6B4-FDE7E22469D1}" type="slidenum">
-              <a:t>&lt;#&gt;</a:t>
+              <a:rPr/>
             </a:fld>
+            <a:endParaRPr/>
           </a:p>
         </p:txBody>
       </p:sp>
@@ -2566,20 +2688,20 @@
         <p:txBody>
           <a:bodyPr/>
           <a:p>
-            <a:r>
-              <a:rPr lang="en-US"/>
-              <a:t/>
-            </a:r>
+            <a:endParaRPr lang="en-US"/>
           </a:p>
         </p:txBody>
       </p:sp>
     </p:spTree>
   </p:cSld>
+  <p:clrMapOvr>
+    <a:masterClrMapping/>
+  </p:clrMapOvr>
 </p:sldLayout>
 </file>
 
 <file path=ppt/slideLayouts/slideLayout23.xml><?xml version="1.0" encoding="utf-8"?>
-<p:sldLayout xmlns:a="http://schemas.openxmlformats.org/drawingml/2006/main" xmlns:p="http://schemas.openxmlformats.org/presentationml/2006/main" xmlns:r="http://schemas.openxmlformats.org/officeDocument/2006/relationships" xmlns:p14="http://schemas.microsoft.com/office/powerpoint/2010/main" xmlns:p15="http://schemas.microsoft.com/office/powerpoint/2012/main" xmlns:mc="http://schemas.openxmlformats.org/markup-compatibility/2006" type="fourObj" preserve="1">
+<p:sldLayout xmlns:a="http://schemas.openxmlformats.org/drawingml/2006/main" xmlns:r="http://schemas.openxmlformats.org/officeDocument/2006/relationships" xmlns:p="http://schemas.openxmlformats.org/presentationml/2006/main" type="fourObj" preserve="1">
   <p:cSld name="Title, 4 Content">
     <p:spTree>
       <p:nvGrpSpPr>
@@ -2619,15 +2741,15 @@
           </a:ln>
         </p:spPr>
         <p:txBody>
-          <a:bodyPr lIns="0" rIns="0" tIns="0" bIns="0" anchor="ctr">
+          <a:bodyPr lIns="0" tIns="0" rIns="0" bIns="0" anchor="ctr">
             <a:noAutofit/>
           </a:bodyPr>
           <a:p>
-            <a:endParaRPr b="0" lang="en-US" sz="1400" spc="-1" strike="noStrike">
-              <a:solidFill>
-                <a:srgbClr val="000000"/>
-              </a:solidFill>
-              <a:latin typeface="Arial"/>
+            <a:endParaRPr lang="en-US" sz="1400" b="0" strike="noStrike" spc="-1">
+              <a:solidFill>
+                <a:srgbClr val="000000"/>
+              </a:solidFill>
+              <a:latin typeface="Arial" panose="020B0604020202020204"/>
             </a:endParaRPr>
           </a:p>
         </p:txBody>
@@ -2656,15 +2778,15 @@
           </a:ln>
         </p:spPr>
         <p:txBody>
-          <a:bodyPr lIns="0" rIns="0" tIns="0" bIns="0" anchor="t">
+          <a:bodyPr lIns="0" tIns="0" rIns="0" bIns="0" anchor="t">
             <a:normAutofit/>
           </a:bodyPr>
           <a:p>
-            <a:endParaRPr b="0" lang="en-US" sz="1400" spc="-1" strike="noStrike">
-              <a:solidFill>
-                <a:srgbClr val="000000"/>
-              </a:solidFill>
-              <a:latin typeface="Arial"/>
+            <a:endParaRPr lang="en-US" sz="1400" b="0" strike="noStrike" spc="-1">
+              <a:solidFill>
+                <a:srgbClr val="000000"/>
+              </a:solidFill>
+              <a:latin typeface="Arial" panose="020B0604020202020204"/>
             </a:endParaRPr>
           </a:p>
         </p:txBody>
@@ -2693,15 +2815,15 @@
           </a:ln>
         </p:spPr>
         <p:txBody>
-          <a:bodyPr lIns="0" rIns="0" tIns="0" bIns="0" anchor="t">
+          <a:bodyPr lIns="0" tIns="0" rIns="0" bIns="0" anchor="t">
             <a:normAutofit/>
           </a:bodyPr>
           <a:p>
-            <a:endParaRPr b="0" lang="en-US" sz="1400" spc="-1" strike="noStrike">
-              <a:solidFill>
-                <a:srgbClr val="000000"/>
-              </a:solidFill>
-              <a:latin typeface="Arial"/>
+            <a:endParaRPr lang="en-US" sz="1400" b="0" strike="noStrike" spc="-1">
+              <a:solidFill>
+                <a:srgbClr val="000000"/>
+              </a:solidFill>
+              <a:latin typeface="Arial" panose="020B0604020202020204"/>
             </a:endParaRPr>
           </a:p>
         </p:txBody>
@@ -2730,15 +2852,15 @@
           </a:ln>
         </p:spPr>
         <p:txBody>
-          <a:bodyPr lIns="0" rIns="0" tIns="0" bIns="0" anchor="t">
+          <a:bodyPr lIns="0" tIns="0" rIns="0" bIns="0" anchor="t">
             <a:normAutofit/>
           </a:bodyPr>
           <a:p>
-            <a:endParaRPr b="0" lang="en-US" sz="1400" spc="-1" strike="noStrike">
-              <a:solidFill>
-                <a:srgbClr val="000000"/>
-              </a:solidFill>
-              <a:latin typeface="Arial"/>
+            <a:endParaRPr lang="en-US" sz="1400" b="0" strike="noStrike" spc="-1">
+              <a:solidFill>
+                <a:srgbClr val="000000"/>
+              </a:solidFill>
+              <a:latin typeface="Arial" panose="020B0604020202020204"/>
             </a:endParaRPr>
           </a:p>
         </p:txBody>
@@ -2767,15 +2889,15 @@
           </a:ln>
         </p:spPr>
         <p:txBody>
-          <a:bodyPr lIns="0" rIns="0" tIns="0" bIns="0" anchor="t">
+          <a:bodyPr lIns="0" tIns="0" rIns="0" bIns="0" anchor="t">
             <a:normAutofit/>
           </a:bodyPr>
           <a:p>
-            <a:endParaRPr b="0" lang="en-US" sz="1400" spc="-1" strike="noStrike">
-              <a:solidFill>
-                <a:srgbClr val="000000"/>
-              </a:solidFill>
-              <a:latin typeface="Arial"/>
+            <a:endParaRPr lang="en-US" sz="1400" b="0" strike="noStrike" spc="-1">
+              <a:solidFill>
+                <a:srgbClr val="000000"/>
+              </a:solidFill>
+              <a:latin typeface="Arial" panose="020B0604020202020204"/>
             </a:endParaRPr>
           </a:p>
         </p:txBody>
@@ -2815,8 +2937,9 @@
           <a:bodyPr/>
           <a:p>
             <a:fld id="{CAB0399D-7FE7-43D6-96A0-21C801E41B84}" type="slidenum">
-              <a:t>&lt;#&gt;</a:t>
+              <a:rPr/>
             </a:fld>
+            <a:endParaRPr/>
           </a:p>
         </p:txBody>
       </p:sp>
@@ -2834,20 +2957,20 @@
         <p:txBody>
           <a:bodyPr/>
           <a:p>
-            <a:r>
-              <a:rPr lang="en-US"/>
-              <a:t/>
-            </a:r>
+            <a:endParaRPr lang="en-US"/>
           </a:p>
         </p:txBody>
       </p:sp>
     </p:spTree>
   </p:cSld>
+  <p:clrMapOvr>
+    <a:masterClrMapping/>
+  </p:clrMapOvr>
 </p:sldLayout>
 </file>
 
 <file path=ppt/slideLayouts/slideLayout24.xml><?xml version="1.0" encoding="utf-8"?>
-<p:sldLayout xmlns:a="http://schemas.openxmlformats.org/drawingml/2006/main" xmlns:p="http://schemas.openxmlformats.org/presentationml/2006/main" xmlns:r="http://schemas.openxmlformats.org/officeDocument/2006/relationships" xmlns:p14="http://schemas.microsoft.com/office/powerpoint/2010/main" xmlns:p15="http://schemas.microsoft.com/office/powerpoint/2012/main" xmlns:mc="http://schemas.openxmlformats.org/markup-compatibility/2006" type="blank" preserve="1">
+<p:sldLayout xmlns:a="http://schemas.openxmlformats.org/drawingml/2006/main" xmlns:r="http://schemas.openxmlformats.org/officeDocument/2006/relationships" xmlns:p="http://schemas.openxmlformats.org/presentationml/2006/main" type="blank" preserve="1">
   <p:cSld name="Title, 6 Content">
     <p:spTree>
       <p:nvGrpSpPr>
@@ -2887,15 +3010,15 @@
           </a:ln>
         </p:spPr>
         <p:txBody>
-          <a:bodyPr lIns="0" rIns="0" tIns="0" bIns="0" anchor="ctr">
+          <a:bodyPr lIns="0" tIns="0" rIns="0" bIns="0" anchor="ctr">
             <a:noAutofit/>
           </a:bodyPr>
           <a:p>
-            <a:endParaRPr b="0" lang="en-US" sz="1400" spc="-1" strike="noStrike">
-              <a:solidFill>
-                <a:srgbClr val="000000"/>
-              </a:solidFill>
-              <a:latin typeface="Arial"/>
+            <a:endParaRPr lang="en-US" sz="1400" b="0" strike="noStrike" spc="-1">
+              <a:solidFill>
+                <a:srgbClr val="000000"/>
+              </a:solidFill>
+              <a:latin typeface="Arial" panose="020B0604020202020204"/>
             </a:endParaRPr>
           </a:p>
         </p:txBody>
@@ -2924,15 +3047,15 @@
           </a:ln>
         </p:spPr>
         <p:txBody>
-          <a:bodyPr lIns="0" rIns="0" tIns="0" bIns="0" anchor="t">
+          <a:bodyPr lIns="0" tIns="0" rIns="0" bIns="0" anchor="t">
             <a:normAutofit/>
           </a:bodyPr>
           <a:p>
-            <a:endParaRPr b="0" lang="en-US" sz="1400" spc="-1" strike="noStrike">
-              <a:solidFill>
-                <a:srgbClr val="000000"/>
-              </a:solidFill>
-              <a:latin typeface="Arial"/>
+            <a:endParaRPr lang="en-US" sz="1400" b="0" strike="noStrike" spc="-1">
+              <a:solidFill>
+                <a:srgbClr val="000000"/>
+              </a:solidFill>
+              <a:latin typeface="Arial" panose="020B0604020202020204"/>
             </a:endParaRPr>
           </a:p>
         </p:txBody>
@@ -2961,15 +3084,15 @@
           </a:ln>
         </p:spPr>
         <p:txBody>
-          <a:bodyPr lIns="0" rIns="0" tIns="0" bIns="0" anchor="t">
+          <a:bodyPr lIns="0" tIns="0" rIns="0" bIns="0" anchor="t">
             <a:normAutofit/>
           </a:bodyPr>
           <a:p>
-            <a:endParaRPr b="0" lang="en-US" sz="1400" spc="-1" strike="noStrike">
-              <a:solidFill>
-                <a:srgbClr val="000000"/>
-              </a:solidFill>
-              <a:latin typeface="Arial"/>
+            <a:endParaRPr lang="en-US" sz="1400" b="0" strike="noStrike" spc="-1">
+              <a:solidFill>
+                <a:srgbClr val="000000"/>
+              </a:solidFill>
+              <a:latin typeface="Arial" panose="020B0604020202020204"/>
             </a:endParaRPr>
           </a:p>
         </p:txBody>
@@ -2998,15 +3121,15 @@
           </a:ln>
         </p:spPr>
         <p:txBody>
-          <a:bodyPr lIns="0" rIns="0" tIns="0" bIns="0" anchor="t">
+          <a:bodyPr lIns="0" tIns="0" rIns="0" bIns="0" anchor="t">
             <a:normAutofit/>
           </a:bodyPr>
           <a:p>
-            <a:endParaRPr b="0" lang="en-US" sz="1400" spc="-1" strike="noStrike">
-              <a:solidFill>
-                <a:srgbClr val="000000"/>
-              </a:solidFill>
-              <a:latin typeface="Arial"/>
+            <a:endParaRPr lang="en-US" sz="1400" b="0" strike="noStrike" spc="-1">
+              <a:solidFill>
+                <a:srgbClr val="000000"/>
+              </a:solidFill>
+              <a:latin typeface="Arial" panose="020B0604020202020204"/>
             </a:endParaRPr>
           </a:p>
         </p:txBody>
@@ -3035,15 +3158,15 @@
           </a:ln>
         </p:spPr>
         <p:txBody>
-          <a:bodyPr lIns="0" rIns="0" tIns="0" bIns="0" anchor="t">
+          <a:bodyPr lIns="0" tIns="0" rIns="0" bIns="0" anchor="t">
             <a:normAutofit/>
           </a:bodyPr>
           <a:p>
-            <a:endParaRPr b="0" lang="en-US" sz="1400" spc="-1" strike="noStrike">
-              <a:solidFill>
-                <a:srgbClr val="000000"/>
-              </a:solidFill>
-              <a:latin typeface="Arial"/>
+            <a:endParaRPr lang="en-US" sz="1400" b="0" strike="noStrike" spc="-1">
+              <a:solidFill>
+                <a:srgbClr val="000000"/>
+              </a:solidFill>
+              <a:latin typeface="Arial" panose="020B0604020202020204"/>
             </a:endParaRPr>
           </a:p>
         </p:txBody>
@@ -3072,15 +3195,15 @@
           </a:ln>
         </p:spPr>
         <p:txBody>
-          <a:bodyPr lIns="0" rIns="0" tIns="0" bIns="0" anchor="t">
+          <a:bodyPr lIns="0" tIns="0" rIns="0" bIns="0" anchor="t">
             <a:normAutofit/>
           </a:bodyPr>
           <a:p>
-            <a:endParaRPr b="0" lang="en-US" sz="1400" spc="-1" strike="noStrike">
-              <a:solidFill>
-                <a:srgbClr val="000000"/>
-              </a:solidFill>
-              <a:latin typeface="Arial"/>
+            <a:endParaRPr lang="en-US" sz="1400" b="0" strike="noStrike" spc="-1">
+              <a:solidFill>
+                <a:srgbClr val="000000"/>
+              </a:solidFill>
+              <a:latin typeface="Arial" panose="020B0604020202020204"/>
             </a:endParaRPr>
           </a:p>
         </p:txBody>
@@ -3109,15 +3232,15 @@
           </a:ln>
         </p:spPr>
         <p:txBody>
-          <a:bodyPr lIns="0" rIns="0" tIns="0" bIns="0" anchor="t">
+          <a:bodyPr lIns="0" tIns="0" rIns="0" bIns="0" anchor="t">
             <a:normAutofit/>
           </a:bodyPr>
           <a:p>
-            <a:endParaRPr b="0" lang="en-US" sz="1400" spc="-1" strike="noStrike">
-              <a:solidFill>
-                <a:srgbClr val="000000"/>
-              </a:solidFill>
-              <a:latin typeface="Arial"/>
+            <a:endParaRPr lang="en-US" sz="1400" b="0" strike="noStrike" spc="-1">
+              <a:solidFill>
+                <a:srgbClr val="000000"/>
+              </a:solidFill>
+              <a:latin typeface="Arial" panose="020B0604020202020204"/>
             </a:endParaRPr>
           </a:p>
         </p:txBody>
@@ -3157,8 +3280,9 @@
           <a:bodyPr/>
           <a:p>
             <a:fld id="{CC12E825-1A48-4B64-9A77-796831C70BCA}" type="slidenum">
-              <a:t>&lt;#&gt;</a:t>
+              <a:rPr/>
             </a:fld>
+            <a:endParaRPr/>
           </a:p>
         </p:txBody>
       </p:sp>
@@ -3176,20 +3300,20 @@
         <p:txBody>
           <a:bodyPr/>
           <a:p>
-            <a:r>
-              <a:rPr lang="en-US"/>
-              <a:t/>
-            </a:r>
+            <a:endParaRPr lang="en-US"/>
           </a:p>
         </p:txBody>
       </p:sp>
     </p:spTree>
   </p:cSld>
+  <p:clrMapOvr>
+    <a:masterClrMapping/>
+  </p:clrMapOvr>
 </p:sldLayout>
 </file>
 
 <file path=ppt/slideLayouts/slideLayout25.xml><?xml version="1.0" encoding="utf-8"?>
-<p:sldLayout xmlns:a="http://schemas.openxmlformats.org/drawingml/2006/main" xmlns:p="http://schemas.openxmlformats.org/presentationml/2006/main" xmlns:r="http://schemas.openxmlformats.org/officeDocument/2006/relationships" xmlns:p14="http://schemas.microsoft.com/office/powerpoint/2010/main" xmlns:p15="http://schemas.microsoft.com/office/powerpoint/2012/main" xmlns:mc="http://schemas.openxmlformats.org/markup-compatibility/2006" type="blank" preserve="1">
+<p:sldLayout xmlns:a="http://schemas.openxmlformats.org/drawingml/2006/main" xmlns:r="http://schemas.openxmlformats.org/officeDocument/2006/relationships" xmlns:p="http://schemas.openxmlformats.org/presentationml/2006/main" type="blank" preserve="1">
   <p:cSld name="Blank Slide">
     <p:spTree>
       <p:nvGrpSpPr>
@@ -3220,18 +3344,22 @@
           <a:bodyPr/>
           <a:p>
             <a:fld id="{3AD2937A-C34B-4CC5-94D0-707EB55A56BE}" type="slidenum">
-              <a:t>&lt;#&gt;</a:t>
+              <a:rPr/>
             </a:fld>
+            <a:endParaRPr/>
           </a:p>
         </p:txBody>
       </p:sp>
     </p:spTree>
   </p:cSld>
+  <p:clrMapOvr>
+    <a:masterClrMapping/>
+  </p:clrMapOvr>
 </p:sldLayout>
 </file>
 
 <file path=ppt/slideLayouts/slideLayout26.xml><?xml version="1.0" encoding="utf-8"?>
-<p:sldLayout xmlns:a="http://schemas.openxmlformats.org/drawingml/2006/main" xmlns:p="http://schemas.openxmlformats.org/presentationml/2006/main" xmlns:r="http://schemas.openxmlformats.org/officeDocument/2006/relationships" xmlns:p14="http://schemas.microsoft.com/office/powerpoint/2010/main" xmlns:p15="http://schemas.microsoft.com/office/powerpoint/2012/main" xmlns:mc="http://schemas.openxmlformats.org/markup-compatibility/2006" type="tx" preserve="1">
+<p:sldLayout xmlns:a="http://schemas.openxmlformats.org/drawingml/2006/main" xmlns:r="http://schemas.openxmlformats.org/officeDocument/2006/relationships" xmlns:p="http://schemas.openxmlformats.org/presentationml/2006/main" type="tx" preserve="1">
   <p:cSld name="Title Slide">
     <p:spTree>
       <p:nvGrpSpPr>
@@ -3271,15 +3399,15 @@
           </a:ln>
         </p:spPr>
         <p:txBody>
-          <a:bodyPr lIns="0" rIns="0" tIns="0" bIns="0" anchor="ctr">
+          <a:bodyPr lIns="0" tIns="0" rIns="0" bIns="0" anchor="ctr">
             <a:noAutofit/>
           </a:bodyPr>
           <a:p>
-            <a:endParaRPr b="0" lang="en-US" sz="1400" spc="-1" strike="noStrike">
-              <a:solidFill>
-                <a:srgbClr val="000000"/>
-              </a:solidFill>
-              <a:latin typeface="Arial"/>
+            <a:endParaRPr lang="en-US" sz="1400" b="0" strike="noStrike" spc="-1">
+              <a:solidFill>
+                <a:srgbClr val="000000"/>
+              </a:solidFill>
+              <a:latin typeface="Arial" panose="020B0604020202020204"/>
             </a:endParaRPr>
           </a:p>
         </p:txBody>
@@ -3308,15 +3436,15 @@
           </a:ln>
         </p:spPr>
         <p:txBody>
-          <a:bodyPr lIns="0" rIns="0" tIns="0" bIns="0" anchor="ctr">
+          <a:bodyPr lIns="0" tIns="0" rIns="0" bIns="0" anchor="ctr">
             <a:noAutofit/>
           </a:bodyPr>
           <a:p>
             <a:pPr algn="ctr">
               <a:buNone/>
             </a:pPr>
-            <a:endParaRPr b="0" lang="en-US" sz="3200" spc="-1" strike="noStrike">
-              <a:latin typeface="Arial"/>
+            <a:endParaRPr lang="en-US" sz="3200" b="0" strike="noStrike" spc="-1">
+              <a:latin typeface="Arial" panose="020B0604020202020204"/>
             </a:endParaRPr>
           </a:p>
         </p:txBody>
@@ -3336,18 +3464,22 @@
           <a:bodyPr/>
           <a:p>
             <a:fld id="{1D7F9CA5-13C9-45C5-978E-75FC966D50A2}" type="slidenum">
-              <a:t>&lt;#&gt;</a:t>
+              <a:rPr/>
             </a:fld>
+            <a:endParaRPr/>
           </a:p>
         </p:txBody>
       </p:sp>
     </p:spTree>
   </p:cSld>
+  <p:clrMapOvr>
+    <a:masterClrMapping/>
+  </p:clrMapOvr>
 </p:sldLayout>
 </file>
 
 <file path=ppt/slideLayouts/slideLayout27.xml><?xml version="1.0" encoding="utf-8"?>
-<p:sldLayout xmlns:a="http://schemas.openxmlformats.org/drawingml/2006/main" xmlns:p="http://schemas.openxmlformats.org/presentationml/2006/main" xmlns:r="http://schemas.openxmlformats.org/officeDocument/2006/relationships" xmlns:p14="http://schemas.microsoft.com/office/powerpoint/2010/main" xmlns:p15="http://schemas.microsoft.com/office/powerpoint/2012/main" xmlns:mc="http://schemas.openxmlformats.org/markup-compatibility/2006" type="obj" preserve="1">
+<p:sldLayout xmlns:a="http://schemas.openxmlformats.org/drawingml/2006/main" xmlns:r="http://schemas.openxmlformats.org/officeDocument/2006/relationships" xmlns:p="http://schemas.openxmlformats.org/presentationml/2006/main" type="obj" preserve="1">
   <p:cSld name="Title, Content">
     <p:spTree>
       <p:nvGrpSpPr>
@@ -3387,15 +3519,15 @@
           </a:ln>
         </p:spPr>
         <p:txBody>
-          <a:bodyPr lIns="0" rIns="0" tIns="0" bIns="0" anchor="ctr">
+          <a:bodyPr lIns="0" tIns="0" rIns="0" bIns="0" anchor="ctr">
             <a:noAutofit/>
           </a:bodyPr>
           <a:p>
-            <a:endParaRPr b="0" lang="en-US" sz="1400" spc="-1" strike="noStrike">
-              <a:solidFill>
-                <a:srgbClr val="000000"/>
-              </a:solidFill>
-              <a:latin typeface="Arial"/>
+            <a:endParaRPr lang="en-US" sz="1400" b="0" strike="noStrike" spc="-1">
+              <a:solidFill>
+                <a:srgbClr val="000000"/>
+              </a:solidFill>
+              <a:latin typeface="Arial" panose="020B0604020202020204"/>
             </a:endParaRPr>
           </a:p>
         </p:txBody>
@@ -3424,15 +3556,15 @@
           </a:ln>
         </p:spPr>
         <p:txBody>
-          <a:bodyPr lIns="0" rIns="0" tIns="0" bIns="0" anchor="t">
+          <a:bodyPr lIns="0" tIns="0" rIns="0" bIns="0" anchor="t">
             <a:normAutofit/>
           </a:bodyPr>
           <a:p>
-            <a:endParaRPr b="0" lang="en-US" sz="1400" spc="-1" strike="noStrike">
-              <a:solidFill>
-                <a:srgbClr val="000000"/>
-              </a:solidFill>
-              <a:latin typeface="Arial"/>
+            <a:endParaRPr lang="en-US" sz="1400" b="0" strike="noStrike" spc="-1">
+              <a:solidFill>
+                <a:srgbClr val="000000"/>
+              </a:solidFill>
+              <a:latin typeface="Arial" panose="020B0604020202020204"/>
             </a:endParaRPr>
           </a:p>
         </p:txBody>
@@ -3452,18 +3584,22 @@
           <a:bodyPr/>
           <a:p>
             <a:fld id="{DF9D8074-9279-4909-A370-71D02D75BB80}" type="slidenum">
-              <a:t>&lt;#&gt;</a:t>
+              <a:rPr/>
             </a:fld>
+            <a:endParaRPr/>
           </a:p>
         </p:txBody>
       </p:sp>
     </p:spTree>
   </p:cSld>
+  <p:clrMapOvr>
+    <a:masterClrMapping/>
+  </p:clrMapOvr>
 </p:sldLayout>
 </file>
 
 <file path=ppt/slideLayouts/slideLayout28.xml><?xml version="1.0" encoding="utf-8"?>
-<p:sldLayout xmlns:a="http://schemas.openxmlformats.org/drawingml/2006/main" xmlns:p="http://schemas.openxmlformats.org/presentationml/2006/main" xmlns:r="http://schemas.openxmlformats.org/officeDocument/2006/relationships" xmlns:p14="http://schemas.microsoft.com/office/powerpoint/2010/main" xmlns:p15="http://schemas.microsoft.com/office/powerpoint/2012/main" xmlns:mc="http://schemas.openxmlformats.org/markup-compatibility/2006" type="twoObj" preserve="1">
+<p:sldLayout xmlns:a="http://schemas.openxmlformats.org/drawingml/2006/main" xmlns:r="http://schemas.openxmlformats.org/officeDocument/2006/relationships" xmlns:p="http://schemas.openxmlformats.org/presentationml/2006/main" type="twoObj" preserve="1">
   <p:cSld name="Title, 2 Content">
     <p:spTree>
       <p:nvGrpSpPr>
@@ -3503,15 +3639,15 @@
           </a:ln>
         </p:spPr>
         <p:txBody>
-          <a:bodyPr lIns="0" rIns="0" tIns="0" bIns="0" anchor="ctr">
+          <a:bodyPr lIns="0" tIns="0" rIns="0" bIns="0" anchor="ctr">
             <a:noAutofit/>
           </a:bodyPr>
           <a:p>
-            <a:endParaRPr b="0" lang="en-US" sz="1400" spc="-1" strike="noStrike">
-              <a:solidFill>
-                <a:srgbClr val="000000"/>
-              </a:solidFill>
-              <a:latin typeface="Arial"/>
+            <a:endParaRPr lang="en-US" sz="1400" b="0" strike="noStrike" spc="-1">
+              <a:solidFill>
+                <a:srgbClr val="000000"/>
+              </a:solidFill>
+              <a:latin typeface="Arial" panose="020B0604020202020204"/>
             </a:endParaRPr>
           </a:p>
         </p:txBody>
@@ -3540,15 +3676,15 @@
           </a:ln>
         </p:spPr>
         <p:txBody>
-          <a:bodyPr lIns="0" rIns="0" tIns="0" bIns="0" anchor="t">
+          <a:bodyPr lIns="0" tIns="0" rIns="0" bIns="0" anchor="t">
             <a:normAutofit/>
           </a:bodyPr>
           <a:p>
-            <a:endParaRPr b="0" lang="en-US" sz="1400" spc="-1" strike="noStrike">
-              <a:solidFill>
-                <a:srgbClr val="000000"/>
-              </a:solidFill>
-              <a:latin typeface="Arial"/>
+            <a:endParaRPr lang="en-US" sz="1400" b="0" strike="noStrike" spc="-1">
+              <a:solidFill>
+                <a:srgbClr val="000000"/>
+              </a:solidFill>
+              <a:latin typeface="Arial" panose="020B0604020202020204"/>
             </a:endParaRPr>
           </a:p>
         </p:txBody>
@@ -3577,15 +3713,15 @@
           </a:ln>
         </p:spPr>
         <p:txBody>
-          <a:bodyPr lIns="0" rIns="0" tIns="0" bIns="0" anchor="t">
+          <a:bodyPr lIns="0" tIns="0" rIns="0" bIns="0" anchor="t">
             <a:normAutofit/>
           </a:bodyPr>
           <a:p>
-            <a:endParaRPr b="0" lang="en-US" sz="1400" spc="-1" strike="noStrike">
-              <a:solidFill>
-                <a:srgbClr val="000000"/>
-              </a:solidFill>
-              <a:latin typeface="Arial"/>
+            <a:endParaRPr lang="en-US" sz="1400" b="0" strike="noStrike" spc="-1">
+              <a:solidFill>
+                <a:srgbClr val="000000"/>
+              </a:solidFill>
+              <a:latin typeface="Arial" panose="020B0604020202020204"/>
             </a:endParaRPr>
           </a:p>
         </p:txBody>
@@ -3605,18 +3741,22 @@
           <a:bodyPr/>
           <a:p>
             <a:fld id="{5A4E049E-2C6C-4B1E-9DBB-C02449075623}" type="slidenum">
-              <a:t>&lt;#&gt;</a:t>
+              <a:rPr/>
             </a:fld>
+            <a:endParaRPr/>
           </a:p>
         </p:txBody>
       </p:sp>
     </p:spTree>
   </p:cSld>
+  <p:clrMapOvr>
+    <a:masterClrMapping/>
+  </p:clrMapOvr>
 </p:sldLayout>
 </file>
 
 <file path=ppt/slideLayouts/slideLayout29.xml><?xml version="1.0" encoding="utf-8"?>
-<p:sldLayout xmlns:a="http://schemas.openxmlformats.org/drawingml/2006/main" xmlns:p="http://schemas.openxmlformats.org/presentationml/2006/main" xmlns:r="http://schemas.openxmlformats.org/officeDocument/2006/relationships" xmlns:p14="http://schemas.microsoft.com/office/powerpoint/2010/main" xmlns:p15="http://schemas.microsoft.com/office/powerpoint/2012/main" xmlns:mc="http://schemas.openxmlformats.org/markup-compatibility/2006" type="titleOnly" preserve="1">
+<p:sldLayout xmlns:a="http://schemas.openxmlformats.org/drawingml/2006/main" xmlns:r="http://schemas.openxmlformats.org/officeDocument/2006/relationships" xmlns:p="http://schemas.openxmlformats.org/presentationml/2006/main" type="titleOnly" preserve="1">
   <p:cSld name="Title Only">
     <p:spTree>
       <p:nvGrpSpPr>
@@ -3656,15 +3796,15 @@
           </a:ln>
         </p:spPr>
         <p:txBody>
-          <a:bodyPr lIns="0" rIns="0" tIns="0" bIns="0" anchor="ctr">
+          <a:bodyPr lIns="0" tIns="0" rIns="0" bIns="0" anchor="ctr">
             <a:noAutofit/>
           </a:bodyPr>
           <a:p>
-            <a:endParaRPr b="0" lang="en-US" sz="1400" spc="-1" strike="noStrike">
-              <a:solidFill>
-                <a:srgbClr val="000000"/>
-              </a:solidFill>
-              <a:latin typeface="Arial"/>
+            <a:endParaRPr lang="en-US" sz="1400" b="0" strike="noStrike" spc="-1">
+              <a:solidFill>
+                <a:srgbClr val="000000"/>
+              </a:solidFill>
+              <a:latin typeface="Arial" panose="020B0604020202020204"/>
             </a:endParaRPr>
           </a:p>
         </p:txBody>
@@ -3684,18 +3824,22 @@
           <a:bodyPr/>
           <a:p>
             <a:fld id="{42E54F4D-90FE-4061-BE23-89935408CC3A}" type="slidenum">
-              <a:t>&lt;#&gt;</a:t>
+              <a:rPr/>
             </a:fld>
+            <a:endParaRPr/>
           </a:p>
         </p:txBody>
       </p:sp>
     </p:spTree>
   </p:cSld>
+  <p:clrMapOvr>
+    <a:masterClrMapping/>
+  </p:clrMapOvr>
 </p:sldLayout>
 </file>
 
 <file path=ppt/slideLayouts/slideLayout3.xml><?xml version="1.0" encoding="utf-8"?>
-<p:sldLayout xmlns:a="http://schemas.openxmlformats.org/drawingml/2006/main" xmlns:p="http://schemas.openxmlformats.org/presentationml/2006/main" xmlns:r="http://schemas.openxmlformats.org/officeDocument/2006/relationships" xmlns:p14="http://schemas.microsoft.com/office/powerpoint/2010/main" xmlns:p15="http://schemas.microsoft.com/office/powerpoint/2012/main" xmlns:mc="http://schemas.openxmlformats.org/markup-compatibility/2006" type="obj" preserve="1">
+<p:sldLayout xmlns:a="http://schemas.openxmlformats.org/drawingml/2006/main" xmlns:r="http://schemas.openxmlformats.org/officeDocument/2006/relationships" xmlns:p="http://schemas.openxmlformats.org/presentationml/2006/main" type="obj" preserve="1">
   <p:cSld name="Title, Content">
     <p:spTree>
       <p:nvGrpSpPr>
@@ -3735,15 +3879,15 @@
           </a:ln>
         </p:spPr>
         <p:txBody>
-          <a:bodyPr lIns="0" rIns="0" tIns="0" bIns="0" anchor="ctr">
+          <a:bodyPr lIns="0" tIns="0" rIns="0" bIns="0" anchor="ctr">
             <a:noAutofit/>
           </a:bodyPr>
           <a:p>
-            <a:endParaRPr b="0" lang="en-US" sz="1400" spc="-1" strike="noStrike">
-              <a:solidFill>
-                <a:srgbClr val="000000"/>
-              </a:solidFill>
-              <a:latin typeface="Arial"/>
+            <a:endParaRPr lang="en-US" sz="1400" b="0" strike="noStrike" spc="-1">
+              <a:solidFill>
+                <a:srgbClr val="000000"/>
+              </a:solidFill>
+              <a:latin typeface="Arial" panose="020B0604020202020204"/>
             </a:endParaRPr>
           </a:p>
         </p:txBody>
@@ -3772,15 +3916,15 @@
           </a:ln>
         </p:spPr>
         <p:txBody>
-          <a:bodyPr lIns="0" rIns="0" tIns="0" bIns="0" anchor="t">
+          <a:bodyPr lIns="0" tIns="0" rIns="0" bIns="0" anchor="t">
             <a:normAutofit/>
           </a:bodyPr>
           <a:p>
-            <a:endParaRPr b="0" lang="en-US" sz="1400" spc="-1" strike="noStrike">
-              <a:solidFill>
-                <a:srgbClr val="000000"/>
-              </a:solidFill>
-              <a:latin typeface="Arial"/>
+            <a:endParaRPr lang="en-US" sz="1400" b="0" strike="noStrike" spc="-1">
+              <a:solidFill>
+                <a:srgbClr val="000000"/>
+              </a:solidFill>
+              <a:latin typeface="Arial" panose="020B0604020202020204"/>
             </a:endParaRPr>
           </a:p>
         </p:txBody>
@@ -3800,18 +3944,22 @@
           <a:bodyPr/>
           <a:p>
             <a:fld id="{5D657343-EABA-4007-A5D0-8E6F2108C332}" type="slidenum">
-              <a:t>&lt;#&gt;</a:t>
+              <a:rPr/>
             </a:fld>
+            <a:endParaRPr/>
           </a:p>
         </p:txBody>
       </p:sp>
     </p:spTree>
   </p:cSld>
+  <p:clrMapOvr>
+    <a:masterClrMapping/>
+  </p:clrMapOvr>
 </p:sldLayout>
 </file>
 
 <file path=ppt/slideLayouts/slideLayout30.xml><?xml version="1.0" encoding="utf-8"?>
-<p:sldLayout xmlns:a="http://schemas.openxmlformats.org/drawingml/2006/main" xmlns:p="http://schemas.openxmlformats.org/presentationml/2006/main" xmlns:r="http://schemas.openxmlformats.org/officeDocument/2006/relationships" xmlns:p14="http://schemas.microsoft.com/office/powerpoint/2010/main" xmlns:p15="http://schemas.microsoft.com/office/powerpoint/2012/main" xmlns:mc="http://schemas.openxmlformats.org/markup-compatibility/2006" type="objOnly" preserve="1">
+<p:sldLayout xmlns:a="http://schemas.openxmlformats.org/drawingml/2006/main" xmlns:r="http://schemas.openxmlformats.org/officeDocument/2006/relationships" xmlns:p="http://schemas.openxmlformats.org/presentationml/2006/main" type="objOnly" preserve="1">
   <p:cSld name="Centered Text">
     <p:spTree>
       <p:nvGrpSpPr>
@@ -3851,15 +3999,15 @@
           </a:ln>
         </p:spPr>
         <p:txBody>
-          <a:bodyPr lIns="0" rIns="0" tIns="0" bIns="0" anchor="ctr">
+          <a:bodyPr lIns="0" tIns="0" rIns="0" bIns="0" anchor="ctr">
             <a:noAutofit/>
           </a:bodyPr>
           <a:p>
             <a:pPr algn="ctr">
               <a:buNone/>
             </a:pPr>
-            <a:endParaRPr b="0" lang="en-US" sz="3200" spc="-1" strike="noStrike">
-              <a:latin typeface="Arial"/>
+            <a:endParaRPr lang="en-US" sz="3200" b="0" strike="noStrike" spc="-1">
+              <a:latin typeface="Arial" panose="020B0604020202020204"/>
             </a:endParaRPr>
           </a:p>
         </p:txBody>
@@ -3879,18 +4027,22 @@
           <a:bodyPr/>
           <a:p>
             <a:fld id="{85D4918C-E39C-4517-B123-0A2DF473BF82}" type="slidenum">
-              <a:t>&lt;#&gt;</a:t>
+              <a:rPr/>
             </a:fld>
+            <a:endParaRPr/>
           </a:p>
         </p:txBody>
       </p:sp>
     </p:spTree>
   </p:cSld>
+  <p:clrMapOvr>
+    <a:masterClrMapping/>
+  </p:clrMapOvr>
 </p:sldLayout>
 </file>
 
 <file path=ppt/slideLayouts/slideLayout31.xml><?xml version="1.0" encoding="utf-8"?>
-<p:sldLayout xmlns:a="http://schemas.openxmlformats.org/drawingml/2006/main" xmlns:p="http://schemas.openxmlformats.org/presentationml/2006/main" xmlns:r="http://schemas.openxmlformats.org/officeDocument/2006/relationships" xmlns:p14="http://schemas.microsoft.com/office/powerpoint/2010/main" xmlns:p15="http://schemas.microsoft.com/office/powerpoint/2012/main" xmlns:mc="http://schemas.openxmlformats.org/markup-compatibility/2006" type="twoObjAndObj" preserve="1">
+<p:sldLayout xmlns:a="http://schemas.openxmlformats.org/drawingml/2006/main" xmlns:r="http://schemas.openxmlformats.org/officeDocument/2006/relationships" xmlns:p="http://schemas.openxmlformats.org/presentationml/2006/main" type="twoObjAndObj" preserve="1">
   <p:cSld name="Title, 2 Content and Content">
     <p:spTree>
       <p:nvGrpSpPr>
@@ -3930,15 +4082,15 @@
           </a:ln>
         </p:spPr>
         <p:txBody>
-          <a:bodyPr lIns="0" rIns="0" tIns="0" bIns="0" anchor="ctr">
+          <a:bodyPr lIns="0" tIns="0" rIns="0" bIns="0" anchor="ctr">
             <a:noAutofit/>
           </a:bodyPr>
           <a:p>
-            <a:endParaRPr b="0" lang="en-US" sz="1400" spc="-1" strike="noStrike">
-              <a:solidFill>
-                <a:srgbClr val="000000"/>
-              </a:solidFill>
-              <a:latin typeface="Arial"/>
+            <a:endParaRPr lang="en-US" sz="1400" b="0" strike="noStrike" spc="-1">
+              <a:solidFill>
+                <a:srgbClr val="000000"/>
+              </a:solidFill>
+              <a:latin typeface="Arial" panose="020B0604020202020204"/>
             </a:endParaRPr>
           </a:p>
         </p:txBody>
@@ -3967,15 +4119,15 @@
           </a:ln>
         </p:spPr>
         <p:txBody>
-          <a:bodyPr lIns="0" rIns="0" tIns="0" bIns="0" anchor="t">
+          <a:bodyPr lIns="0" tIns="0" rIns="0" bIns="0" anchor="t">
             <a:normAutofit/>
           </a:bodyPr>
           <a:p>
-            <a:endParaRPr b="0" lang="en-US" sz="1400" spc="-1" strike="noStrike">
-              <a:solidFill>
-                <a:srgbClr val="000000"/>
-              </a:solidFill>
-              <a:latin typeface="Arial"/>
+            <a:endParaRPr lang="en-US" sz="1400" b="0" strike="noStrike" spc="-1">
+              <a:solidFill>
+                <a:srgbClr val="000000"/>
+              </a:solidFill>
+              <a:latin typeface="Arial" panose="020B0604020202020204"/>
             </a:endParaRPr>
           </a:p>
         </p:txBody>
@@ -4004,15 +4156,15 @@
           </a:ln>
         </p:spPr>
         <p:txBody>
-          <a:bodyPr lIns="0" rIns="0" tIns="0" bIns="0" anchor="t">
+          <a:bodyPr lIns="0" tIns="0" rIns="0" bIns="0" anchor="t">
             <a:normAutofit/>
           </a:bodyPr>
           <a:p>
-            <a:endParaRPr b="0" lang="en-US" sz="1400" spc="-1" strike="noStrike">
-              <a:solidFill>
-                <a:srgbClr val="000000"/>
-              </a:solidFill>
-              <a:latin typeface="Arial"/>
+            <a:endParaRPr lang="en-US" sz="1400" b="0" strike="noStrike" spc="-1">
+              <a:solidFill>
+                <a:srgbClr val="000000"/>
+              </a:solidFill>
+              <a:latin typeface="Arial" panose="020B0604020202020204"/>
             </a:endParaRPr>
           </a:p>
         </p:txBody>
@@ -4041,15 +4193,15 @@
           </a:ln>
         </p:spPr>
         <p:txBody>
-          <a:bodyPr lIns="0" rIns="0" tIns="0" bIns="0" anchor="t">
+          <a:bodyPr lIns="0" tIns="0" rIns="0" bIns="0" anchor="t">
             <a:normAutofit/>
           </a:bodyPr>
           <a:p>
-            <a:endParaRPr b="0" lang="en-US" sz="1400" spc="-1" strike="noStrike">
-              <a:solidFill>
-                <a:srgbClr val="000000"/>
-              </a:solidFill>
-              <a:latin typeface="Arial"/>
+            <a:endParaRPr lang="en-US" sz="1400" b="0" strike="noStrike" spc="-1">
+              <a:solidFill>
+                <a:srgbClr val="000000"/>
+              </a:solidFill>
+              <a:latin typeface="Arial" panose="020B0604020202020204"/>
             </a:endParaRPr>
           </a:p>
         </p:txBody>
@@ -4069,18 +4221,22 @@
           <a:bodyPr/>
           <a:p>
             <a:fld id="{CAF41CBC-A1FE-4033-8EDD-956120251678}" type="slidenum">
-              <a:t>&lt;#&gt;</a:t>
+              <a:rPr/>
             </a:fld>
+            <a:endParaRPr/>
           </a:p>
         </p:txBody>
       </p:sp>
     </p:spTree>
   </p:cSld>
+  <p:clrMapOvr>
+    <a:masterClrMapping/>
+  </p:clrMapOvr>
 </p:sldLayout>
 </file>
 
 <file path=ppt/slideLayouts/slideLayout32.xml><?xml version="1.0" encoding="utf-8"?>
-<p:sldLayout xmlns:a="http://schemas.openxmlformats.org/drawingml/2006/main" xmlns:p="http://schemas.openxmlformats.org/presentationml/2006/main" xmlns:r="http://schemas.openxmlformats.org/officeDocument/2006/relationships" xmlns:p14="http://schemas.microsoft.com/office/powerpoint/2010/main" xmlns:p15="http://schemas.microsoft.com/office/powerpoint/2012/main" xmlns:mc="http://schemas.openxmlformats.org/markup-compatibility/2006" type="objAndTwoObj" preserve="1">
+<p:sldLayout xmlns:a="http://schemas.openxmlformats.org/drawingml/2006/main" xmlns:r="http://schemas.openxmlformats.org/officeDocument/2006/relationships" xmlns:p="http://schemas.openxmlformats.org/presentationml/2006/main" type="objAndTwoObj" preserve="1">
   <p:cSld name="Title Content and 2 Content">
     <p:spTree>
       <p:nvGrpSpPr>
@@ -4120,15 +4276,15 @@
           </a:ln>
         </p:spPr>
         <p:txBody>
-          <a:bodyPr lIns="0" rIns="0" tIns="0" bIns="0" anchor="ctr">
+          <a:bodyPr lIns="0" tIns="0" rIns="0" bIns="0" anchor="ctr">
             <a:noAutofit/>
           </a:bodyPr>
           <a:p>
-            <a:endParaRPr b="0" lang="en-US" sz="1400" spc="-1" strike="noStrike">
-              <a:solidFill>
-                <a:srgbClr val="000000"/>
-              </a:solidFill>
-              <a:latin typeface="Arial"/>
+            <a:endParaRPr lang="en-US" sz="1400" b="0" strike="noStrike" spc="-1">
+              <a:solidFill>
+                <a:srgbClr val="000000"/>
+              </a:solidFill>
+              <a:latin typeface="Arial" panose="020B0604020202020204"/>
             </a:endParaRPr>
           </a:p>
         </p:txBody>
@@ -4157,15 +4313,15 @@
           </a:ln>
         </p:spPr>
         <p:txBody>
-          <a:bodyPr lIns="0" rIns="0" tIns="0" bIns="0" anchor="t">
+          <a:bodyPr lIns="0" tIns="0" rIns="0" bIns="0" anchor="t">
             <a:normAutofit/>
           </a:bodyPr>
           <a:p>
-            <a:endParaRPr b="0" lang="en-US" sz="1400" spc="-1" strike="noStrike">
-              <a:solidFill>
-                <a:srgbClr val="000000"/>
-              </a:solidFill>
-              <a:latin typeface="Arial"/>
+            <a:endParaRPr lang="en-US" sz="1400" b="0" strike="noStrike" spc="-1">
+              <a:solidFill>
+                <a:srgbClr val="000000"/>
+              </a:solidFill>
+              <a:latin typeface="Arial" panose="020B0604020202020204"/>
             </a:endParaRPr>
           </a:p>
         </p:txBody>
@@ -4194,15 +4350,15 @@
           </a:ln>
         </p:spPr>
         <p:txBody>
-          <a:bodyPr lIns="0" rIns="0" tIns="0" bIns="0" anchor="t">
+          <a:bodyPr lIns="0" tIns="0" rIns="0" bIns="0" anchor="t">
             <a:normAutofit/>
           </a:bodyPr>
           <a:p>
-            <a:endParaRPr b="0" lang="en-US" sz="1400" spc="-1" strike="noStrike">
-              <a:solidFill>
-                <a:srgbClr val="000000"/>
-              </a:solidFill>
-              <a:latin typeface="Arial"/>
+            <a:endParaRPr lang="en-US" sz="1400" b="0" strike="noStrike" spc="-1">
+              <a:solidFill>
+                <a:srgbClr val="000000"/>
+              </a:solidFill>
+              <a:latin typeface="Arial" panose="020B0604020202020204"/>
             </a:endParaRPr>
           </a:p>
         </p:txBody>
@@ -4231,15 +4387,15 @@
           </a:ln>
         </p:spPr>
         <p:txBody>
-          <a:bodyPr lIns="0" rIns="0" tIns="0" bIns="0" anchor="t">
+          <a:bodyPr lIns="0" tIns="0" rIns="0" bIns="0" anchor="t">
             <a:normAutofit/>
           </a:bodyPr>
           <a:p>
-            <a:endParaRPr b="0" lang="en-US" sz="1400" spc="-1" strike="noStrike">
-              <a:solidFill>
-                <a:srgbClr val="000000"/>
-              </a:solidFill>
-              <a:latin typeface="Arial"/>
+            <a:endParaRPr lang="en-US" sz="1400" b="0" strike="noStrike" spc="-1">
+              <a:solidFill>
+                <a:srgbClr val="000000"/>
+              </a:solidFill>
+              <a:latin typeface="Arial" panose="020B0604020202020204"/>
             </a:endParaRPr>
           </a:p>
         </p:txBody>
@@ -4259,18 +4415,22 @@
           <a:bodyPr/>
           <a:p>
             <a:fld id="{9EC8B62D-E721-4524-8983-2C16EDB9A3C2}" type="slidenum">
-              <a:t>&lt;#&gt;</a:t>
+              <a:rPr/>
             </a:fld>
+            <a:endParaRPr/>
           </a:p>
         </p:txBody>
       </p:sp>
     </p:spTree>
   </p:cSld>
+  <p:clrMapOvr>
+    <a:masterClrMapping/>
+  </p:clrMapOvr>
 </p:sldLayout>
 </file>
 
 <file path=ppt/slideLayouts/slideLayout33.xml><?xml version="1.0" encoding="utf-8"?>
-<p:sldLayout xmlns:a="http://schemas.openxmlformats.org/drawingml/2006/main" xmlns:p="http://schemas.openxmlformats.org/presentationml/2006/main" xmlns:r="http://schemas.openxmlformats.org/officeDocument/2006/relationships" xmlns:p14="http://schemas.microsoft.com/office/powerpoint/2010/main" xmlns:p15="http://schemas.microsoft.com/office/powerpoint/2012/main" xmlns:mc="http://schemas.openxmlformats.org/markup-compatibility/2006" type="twoObjOverTx" preserve="1">
+<p:sldLayout xmlns:a="http://schemas.openxmlformats.org/drawingml/2006/main" xmlns:r="http://schemas.openxmlformats.org/officeDocument/2006/relationships" xmlns:p="http://schemas.openxmlformats.org/presentationml/2006/main" type="twoObjOverTx" preserve="1">
   <p:cSld name="Title, 2 Content over Content">
     <p:spTree>
       <p:nvGrpSpPr>
@@ -4310,15 +4470,15 @@
           </a:ln>
         </p:spPr>
         <p:txBody>
-          <a:bodyPr lIns="0" rIns="0" tIns="0" bIns="0" anchor="ctr">
+          <a:bodyPr lIns="0" tIns="0" rIns="0" bIns="0" anchor="ctr">
             <a:noAutofit/>
           </a:bodyPr>
           <a:p>
-            <a:endParaRPr b="0" lang="en-US" sz="1400" spc="-1" strike="noStrike">
-              <a:solidFill>
-                <a:srgbClr val="000000"/>
-              </a:solidFill>
-              <a:latin typeface="Arial"/>
+            <a:endParaRPr lang="en-US" sz="1400" b="0" strike="noStrike" spc="-1">
+              <a:solidFill>
+                <a:srgbClr val="000000"/>
+              </a:solidFill>
+              <a:latin typeface="Arial" panose="020B0604020202020204"/>
             </a:endParaRPr>
           </a:p>
         </p:txBody>
@@ -4347,15 +4507,15 @@
           </a:ln>
         </p:spPr>
         <p:txBody>
-          <a:bodyPr lIns="0" rIns="0" tIns="0" bIns="0" anchor="t">
+          <a:bodyPr lIns="0" tIns="0" rIns="0" bIns="0" anchor="t">
             <a:normAutofit/>
           </a:bodyPr>
           <a:p>
-            <a:endParaRPr b="0" lang="en-US" sz="1400" spc="-1" strike="noStrike">
-              <a:solidFill>
-                <a:srgbClr val="000000"/>
-              </a:solidFill>
-              <a:latin typeface="Arial"/>
+            <a:endParaRPr lang="en-US" sz="1400" b="0" strike="noStrike" spc="-1">
+              <a:solidFill>
+                <a:srgbClr val="000000"/>
+              </a:solidFill>
+              <a:latin typeface="Arial" panose="020B0604020202020204"/>
             </a:endParaRPr>
           </a:p>
         </p:txBody>
@@ -4384,15 +4544,15 @@
           </a:ln>
         </p:spPr>
         <p:txBody>
-          <a:bodyPr lIns="0" rIns="0" tIns="0" bIns="0" anchor="t">
+          <a:bodyPr lIns="0" tIns="0" rIns="0" bIns="0" anchor="t">
             <a:normAutofit/>
           </a:bodyPr>
           <a:p>
-            <a:endParaRPr b="0" lang="en-US" sz="1400" spc="-1" strike="noStrike">
-              <a:solidFill>
-                <a:srgbClr val="000000"/>
-              </a:solidFill>
-              <a:latin typeface="Arial"/>
+            <a:endParaRPr lang="en-US" sz="1400" b="0" strike="noStrike" spc="-1">
+              <a:solidFill>
+                <a:srgbClr val="000000"/>
+              </a:solidFill>
+              <a:latin typeface="Arial" panose="020B0604020202020204"/>
             </a:endParaRPr>
           </a:p>
         </p:txBody>
@@ -4421,15 +4581,15 @@
           </a:ln>
         </p:spPr>
         <p:txBody>
-          <a:bodyPr lIns="0" rIns="0" tIns="0" bIns="0" anchor="t">
+          <a:bodyPr lIns="0" tIns="0" rIns="0" bIns="0" anchor="t">
             <a:normAutofit/>
           </a:bodyPr>
           <a:p>
-            <a:endParaRPr b="0" lang="en-US" sz="1400" spc="-1" strike="noStrike">
-              <a:solidFill>
-                <a:srgbClr val="000000"/>
-              </a:solidFill>
-              <a:latin typeface="Arial"/>
+            <a:endParaRPr lang="en-US" sz="1400" b="0" strike="noStrike" spc="-1">
+              <a:solidFill>
+                <a:srgbClr val="000000"/>
+              </a:solidFill>
+              <a:latin typeface="Arial" panose="020B0604020202020204"/>
             </a:endParaRPr>
           </a:p>
         </p:txBody>
@@ -4449,18 +4609,22 @@
           <a:bodyPr/>
           <a:p>
             <a:fld id="{5B9B3202-6BB7-4CE5-ACCF-12AA5DFADAAD}" type="slidenum">
-              <a:t>&lt;#&gt;</a:t>
+              <a:rPr/>
             </a:fld>
+            <a:endParaRPr/>
           </a:p>
         </p:txBody>
       </p:sp>
     </p:spTree>
   </p:cSld>
+  <p:clrMapOvr>
+    <a:masterClrMapping/>
+  </p:clrMapOvr>
 </p:sldLayout>
 </file>
 
 <file path=ppt/slideLayouts/slideLayout34.xml><?xml version="1.0" encoding="utf-8"?>
-<p:sldLayout xmlns:a="http://schemas.openxmlformats.org/drawingml/2006/main" xmlns:p="http://schemas.openxmlformats.org/presentationml/2006/main" xmlns:r="http://schemas.openxmlformats.org/officeDocument/2006/relationships" xmlns:p14="http://schemas.microsoft.com/office/powerpoint/2010/main" xmlns:p15="http://schemas.microsoft.com/office/powerpoint/2012/main" xmlns:mc="http://schemas.openxmlformats.org/markup-compatibility/2006" type="objOverTx" preserve="1">
+<p:sldLayout xmlns:a="http://schemas.openxmlformats.org/drawingml/2006/main" xmlns:r="http://schemas.openxmlformats.org/officeDocument/2006/relationships" xmlns:p="http://schemas.openxmlformats.org/presentationml/2006/main" type="objOverTx" preserve="1">
   <p:cSld name="Title, Content over Content">
     <p:spTree>
       <p:nvGrpSpPr>
@@ -4500,15 +4664,15 @@
           </a:ln>
         </p:spPr>
         <p:txBody>
-          <a:bodyPr lIns="0" rIns="0" tIns="0" bIns="0" anchor="ctr">
+          <a:bodyPr lIns="0" tIns="0" rIns="0" bIns="0" anchor="ctr">
             <a:noAutofit/>
           </a:bodyPr>
           <a:p>
-            <a:endParaRPr b="0" lang="en-US" sz="1400" spc="-1" strike="noStrike">
-              <a:solidFill>
-                <a:srgbClr val="000000"/>
-              </a:solidFill>
-              <a:latin typeface="Arial"/>
+            <a:endParaRPr lang="en-US" sz="1400" b="0" strike="noStrike" spc="-1">
+              <a:solidFill>
+                <a:srgbClr val="000000"/>
+              </a:solidFill>
+              <a:latin typeface="Arial" panose="020B0604020202020204"/>
             </a:endParaRPr>
           </a:p>
         </p:txBody>
@@ -4537,15 +4701,15 @@
           </a:ln>
         </p:spPr>
         <p:txBody>
-          <a:bodyPr lIns="0" rIns="0" tIns="0" bIns="0" anchor="t">
+          <a:bodyPr lIns="0" tIns="0" rIns="0" bIns="0" anchor="t">
             <a:normAutofit/>
           </a:bodyPr>
           <a:p>
-            <a:endParaRPr b="0" lang="en-US" sz="1400" spc="-1" strike="noStrike">
-              <a:solidFill>
-                <a:srgbClr val="000000"/>
-              </a:solidFill>
-              <a:latin typeface="Arial"/>
+            <a:endParaRPr lang="en-US" sz="1400" b="0" strike="noStrike" spc="-1">
+              <a:solidFill>
+                <a:srgbClr val="000000"/>
+              </a:solidFill>
+              <a:latin typeface="Arial" panose="020B0604020202020204"/>
             </a:endParaRPr>
           </a:p>
         </p:txBody>
@@ -4574,15 +4738,15 @@
           </a:ln>
         </p:spPr>
         <p:txBody>
-          <a:bodyPr lIns="0" rIns="0" tIns="0" bIns="0" anchor="t">
+          <a:bodyPr lIns="0" tIns="0" rIns="0" bIns="0" anchor="t">
             <a:normAutofit/>
           </a:bodyPr>
           <a:p>
-            <a:endParaRPr b="0" lang="en-US" sz="1400" spc="-1" strike="noStrike">
-              <a:solidFill>
-                <a:srgbClr val="000000"/>
-              </a:solidFill>
-              <a:latin typeface="Arial"/>
+            <a:endParaRPr lang="en-US" sz="1400" b="0" strike="noStrike" spc="-1">
+              <a:solidFill>
+                <a:srgbClr val="000000"/>
+              </a:solidFill>
+              <a:latin typeface="Arial" panose="020B0604020202020204"/>
             </a:endParaRPr>
           </a:p>
         </p:txBody>
@@ -4602,18 +4766,22 @@
           <a:bodyPr/>
           <a:p>
             <a:fld id="{31F036FB-DCA6-4A8E-A952-C02E530286AA}" type="slidenum">
-              <a:t>&lt;#&gt;</a:t>
+              <a:rPr/>
             </a:fld>
+            <a:endParaRPr/>
           </a:p>
         </p:txBody>
       </p:sp>
     </p:spTree>
   </p:cSld>
+  <p:clrMapOvr>
+    <a:masterClrMapping/>
+  </p:clrMapOvr>
 </p:sldLayout>
 </file>
 
 <file path=ppt/slideLayouts/slideLayout35.xml><?xml version="1.0" encoding="utf-8"?>
-<p:sldLayout xmlns:a="http://schemas.openxmlformats.org/drawingml/2006/main" xmlns:p="http://schemas.openxmlformats.org/presentationml/2006/main" xmlns:r="http://schemas.openxmlformats.org/officeDocument/2006/relationships" xmlns:p14="http://schemas.microsoft.com/office/powerpoint/2010/main" xmlns:p15="http://schemas.microsoft.com/office/powerpoint/2012/main" xmlns:mc="http://schemas.openxmlformats.org/markup-compatibility/2006" type="fourObj" preserve="1">
+<p:sldLayout xmlns:a="http://schemas.openxmlformats.org/drawingml/2006/main" xmlns:r="http://schemas.openxmlformats.org/officeDocument/2006/relationships" xmlns:p="http://schemas.openxmlformats.org/presentationml/2006/main" type="fourObj" preserve="1">
   <p:cSld name="Title, 4 Content">
     <p:spTree>
       <p:nvGrpSpPr>
@@ -4653,15 +4821,15 @@
           </a:ln>
         </p:spPr>
         <p:txBody>
-          <a:bodyPr lIns="0" rIns="0" tIns="0" bIns="0" anchor="ctr">
+          <a:bodyPr lIns="0" tIns="0" rIns="0" bIns="0" anchor="ctr">
             <a:noAutofit/>
           </a:bodyPr>
           <a:p>
-            <a:endParaRPr b="0" lang="en-US" sz="1400" spc="-1" strike="noStrike">
-              <a:solidFill>
-                <a:srgbClr val="000000"/>
-              </a:solidFill>
-              <a:latin typeface="Arial"/>
+            <a:endParaRPr lang="en-US" sz="1400" b="0" strike="noStrike" spc="-1">
+              <a:solidFill>
+                <a:srgbClr val="000000"/>
+              </a:solidFill>
+              <a:latin typeface="Arial" panose="020B0604020202020204"/>
             </a:endParaRPr>
           </a:p>
         </p:txBody>
@@ -4690,15 +4858,15 @@
           </a:ln>
         </p:spPr>
         <p:txBody>
-          <a:bodyPr lIns="0" rIns="0" tIns="0" bIns="0" anchor="t">
+          <a:bodyPr lIns="0" tIns="0" rIns="0" bIns="0" anchor="t">
             <a:normAutofit/>
           </a:bodyPr>
           <a:p>
-            <a:endParaRPr b="0" lang="en-US" sz="1400" spc="-1" strike="noStrike">
-              <a:solidFill>
-                <a:srgbClr val="000000"/>
-              </a:solidFill>
-              <a:latin typeface="Arial"/>
+            <a:endParaRPr lang="en-US" sz="1400" b="0" strike="noStrike" spc="-1">
+              <a:solidFill>
+                <a:srgbClr val="000000"/>
+              </a:solidFill>
+              <a:latin typeface="Arial" panose="020B0604020202020204"/>
             </a:endParaRPr>
           </a:p>
         </p:txBody>
@@ -4727,15 +4895,15 @@
           </a:ln>
         </p:spPr>
         <p:txBody>
-          <a:bodyPr lIns="0" rIns="0" tIns="0" bIns="0" anchor="t">
+          <a:bodyPr lIns="0" tIns="0" rIns="0" bIns="0" anchor="t">
             <a:normAutofit/>
           </a:bodyPr>
           <a:p>
-            <a:endParaRPr b="0" lang="en-US" sz="1400" spc="-1" strike="noStrike">
-              <a:solidFill>
-                <a:srgbClr val="000000"/>
-              </a:solidFill>
-              <a:latin typeface="Arial"/>
+            <a:endParaRPr lang="en-US" sz="1400" b="0" strike="noStrike" spc="-1">
+              <a:solidFill>
+                <a:srgbClr val="000000"/>
+              </a:solidFill>
+              <a:latin typeface="Arial" panose="020B0604020202020204"/>
             </a:endParaRPr>
           </a:p>
         </p:txBody>
@@ -4764,15 +4932,15 @@
           </a:ln>
         </p:spPr>
         <p:txBody>
-          <a:bodyPr lIns="0" rIns="0" tIns="0" bIns="0" anchor="t">
+          <a:bodyPr lIns="0" tIns="0" rIns="0" bIns="0" anchor="t">
             <a:normAutofit/>
           </a:bodyPr>
           <a:p>
-            <a:endParaRPr b="0" lang="en-US" sz="1400" spc="-1" strike="noStrike">
-              <a:solidFill>
-                <a:srgbClr val="000000"/>
-              </a:solidFill>
-              <a:latin typeface="Arial"/>
+            <a:endParaRPr lang="en-US" sz="1400" b="0" strike="noStrike" spc="-1">
+              <a:solidFill>
+                <a:srgbClr val="000000"/>
+              </a:solidFill>
+              <a:latin typeface="Arial" panose="020B0604020202020204"/>
             </a:endParaRPr>
           </a:p>
         </p:txBody>
@@ -4801,15 +4969,15 @@
           </a:ln>
         </p:spPr>
         <p:txBody>
-          <a:bodyPr lIns="0" rIns="0" tIns="0" bIns="0" anchor="t">
+          <a:bodyPr lIns="0" tIns="0" rIns="0" bIns="0" anchor="t">
             <a:normAutofit/>
           </a:bodyPr>
           <a:p>
-            <a:endParaRPr b="0" lang="en-US" sz="1400" spc="-1" strike="noStrike">
-              <a:solidFill>
-                <a:srgbClr val="000000"/>
-              </a:solidFill>
-              <a:latin typeface="Arial"/>
+            <a:endParaRPr lang="en-US" sz="1400" b="0" strike="noStrike" spc="-1">
+              <a:solidFill>
+                <a:srgbClr val="000000"/>
+              </a:solidFill>
+              <a:latin typeface="Arial" panose="020B0604020202020204"/>
             </a:endParaRPr>
           </a:p>
         </p:txBody>
@@ -4829,18 +4997,22 @@
           <a:bodyPr/>
           <a:p>
             <a:fld id="{AE15C6DD-B074-447F-B8EC-ACB5135FF91F}" type="slidenum">
-              <a:t>&lt;#&gt;</a:t>
+              <a:rPr/>
             </a:fld>
+            <a:endParaRPr/>
           </a:p>
         </p:txBody>
       </p:sp>
     </p:spTree>
   </p:cSld>
+  <p:clrMapOvr>
+    <a:masterClrMapping/>
+  </p:clrMapOvr>
 </p:sldLayout>
 </file>
 
 <file path=ppt/slideLayouts/slideLayout36.xml><?xml version="1.0" encoding="utf-8"?>
-<p:sldLayout xmlns:a="http://schemas.openxmlformats.org/drawingml/2006/main" xmlns:p="http://schemas.openxmlformats.org/presentationml/2006/main" xmlns:r="http://schemas.openxmlformats.org/officeDocument/2006/relationships" xmlns:p14="http://schemas.microsoft.com/office/powerpoint/2010/main" xmlns:p15="http://schemas.microsoft.com/office/powerpoint/2012/main" xmlns:mc="http://schemas.openxmlformats.org/markup-compatibility/2006" type="blank" preserve="1">
+<p:sldLayout xmlns:a="http://schemas.openxmlformats.org/drawingml/2006/main" xmlns:r="http://schemas.openxmlformats.org/officeDocument/2006/relationships" xmlns:p="http://schemas.openxmlformats.org/presentationml/2006/main" type="blank" preserve="1">
   <p:cSld name="Title, 6 Content">
     <p:spTree>
       <p:nvGrpSpPr>
@@ -4880,15 +5052,15 @@
           </a:ln>
         </p:spPr>
         <p:txBody>
-          <a:bodyPr lIns="0" rIns="0" tIns="0" bIns="0" anchor="ctr">
+          <a:bodyPr lIns="0" tIns="0" rIns="0" bIns="0" anchor="ctr">
             <a:noAutofit/>
           </a:bodyPr>
           <a:p>
-            <a:endParaRPr b="0" lang="en-US" sz="1400" spc="-1" strike="noStrike">
-              <a:solidFill>
-                <a:srgbClr val="000000"/>
-              </a:solidFill>
-              <a:latin typeface="Arial"/>
+            <a:endParaRPr lang="en-US" sz="1400" b="0" strike="noStrike" spc="-1">
+              <a:solidFill>
+                <a:srgbClr val="000000"/>
+              </a:solidFill>
+              <a:latin typeface="Arial" panose="020B0604020202020204"/>
             </a:endParaRPr>
           </a:p>
         </p:txBody>
@@ -4917,15 +5089,15 @@
           </a:ln>
         </p:spPr>
         <p:txBody>
-          <a:bodyPr lIns="0" rIns="0" tIns="0" bIns="0" anchor="t">
+          <a:bodyPr lIns="0" tIns="0" rIns="0" bIns="0" anchor="t">
             <a:normAutofit/>
           </a:bodyPr>
           <a:p>
-            <a:endParaRPr b="0" lang="en-US" sz="1400" spc="-1" strike="noStrike">
-              <a:solidFill>
-                <a:srgbClr val="000000"/>
-              </a:solidFill>
-              <a:latin typeface="Arial"/>
+            <a:endParaRPr lang="en-US" sz="1400" b="0" strike="noStrike" spc="-1">
+              <a:solidFill>
+                <a:srgbClr val="000000"/>
+              </a:solidFill>
+              <a:latin typeface="Arial" panose="020B0604020202020204"/>
             </a:endParaRPr>
           </a:p>
         </p:txBody>
@@ -4954,15 +5126,15 @@
           </a:ln>
         </p:spPr>
         <p:txBody>
-          <a:bodyPr lIns="0" rIns="0" tIns="0" bIns="0" anchor="t">
+          <a:bodyPr lIns="0" tIns="0" rIns="0" bIns="0" anchor="t">
             <a:normAutofit/>
           </a:bodyPr>
           <a:p>
-            <a:endParaRPr b="0" lang="en-US" sz="1400" spc="-1" strike="noStrike">
-              <a:solidFill>
-                <a:srgbClr val="000000"/>
-              </a:solidFill>
-              <a:latin typeface="Arial"/>
+            <a:endParaRPr lang="en-US" sz="1400" b="0" strike="noStrike" spc="-1">
+              <a:solidFill>
+                <a:srgbClr val="000000"/>
+              </a:solidFill>
+              <a:latin typeface="Arial" panose="020B0604020202020204"/>
             </a:endParaRPr>
           </a:p>
         </p:txBody>
@@ -4991,15 +5163,15 @@
           </a:ln>
         </p:spPr>
         <p:txBody>
-          <a:bodyPr lIns="0" rIns="0" tIns="0" bIns="0" anchor="t">
+          <a:bodyPr lIns="0" tIns="0" rIns="0" bIns="0" anchor="t">
             <a:normAutofit/>
           </a:bodyPr>
           <a:p>
-            <a:endParaRPr b="0" lang="en-US" sz="1400" spc="-1" strike="noStrike">
-              <a:solidFill>
-                <a:srgbClr val="000000"/>
-              </a:solidFill>
-              <a:latin typeface="Arial"/>
+            <a:endParaRPr lang="en-US" sz="1400" b="0" strike="noStrike" spc="-1">
+              <a:solidFill>
+                <a:srgbClr val="000000"/>
+              </a:solidFill>
+              <a:latin typeface="Arial" panose="020B0604020202020204"/>
             </a:endParaRPr>
           </a:p>
         </p:txBody>
@@ -5028,15 +5200,15 @@
           </a:ln>
         </p:spPr>
         <p:txBody>
-          <a:bodyPr lIns="0" rIns="0" tIns="0" bIns="0" anchor="t">
+          <a:bodyPr lIns="0" tIns="0" rIns="0" bIns="0" anchor="t">
             <a:normAutofit/>
           </a:bodyPr>
           <a:p>
-            <a:endParaRPr b="0" lang="en-US" sz="1400" spc="-1" strike="noStrike">
-              <a:solidFill>
-                <a:srgbClr val="000000"/>
-              </a:solidFill>
-              <a:latin typeface="Arial"/>
+            <a:endParaRPr lang="en-US" sz="1400" b="0" strike="noStrike" spc="-1">
+              <a:solidFill>
+                <a:srgbClr val="000000"/>
+              </a:solidFill>
+              <a:latin typeface="Arial" panose="020B0604020202020204"/>
             </a:endParaRPr>
           </a:p>
         </p:txBody>
@@ -5065,15 +5237,15 @@
           </a:ln>
         </p:spPr>
         <p:txBody>
-          <a:bodyPr lIns="0" rIns="0" tIns="0" bIns="0" anchor="t">
+          <a:bodyPr lIns="0" tIns="0" rIns="0" bIns="0" anchor="t">
             <a:normAutofit/>
           </a:bodyPr>
           <a:p>
-            <a:endParaRPr b="0" lang="en-US" sz="1400" spc="-1" strike="noStrike">
-              <a:solidFill>
-                <a:srgbClr val="000000"/>
-              </a:solidFill>
-              <a:latin typeface="Arial"/>
+            <a:endParaRPr lang="en-US" sz="1400" b="0" strike="noStrike" spc="-1">
+              <a:solidFill>
+                <a:srgbClr val="000000"/>
+              </a:solidFill>
+              <a:latin typeface="Arial" panose="020B0604020202020204"/>
             </a:endParaRPr>
           </a:p>
         </p:txBody>
@@ -5102,15 +5274,15 @@
           </a:ln>
         </p:spPr>
         <p:txBody>
-          <a:bodyPr lIns="0" rIns="0" tIns="0" bIns="0" anchor="t">
+          <a:bodyPr lIns="0" tIns="0" rIns="0" bIns="0" anchor="t">
             <a:normAutofit/>
           </a:bodyPr>
           <a:p>
-            <a:endParaRPr b="0" lang="en-US" sz="1400" spc="-1" strike="noStrike">
-              <a:solidFill>
-                <a:srgbClr val="000000"/>
-              </a:solidFill>
-              <a:latin typeface="Arial"/>
+            <a:endParaRPr lang="en-US" sz="1400" b="0" strike="noStrike" spc="-1">
+              <a:solidFill>
+                <a:srgbClr val="000000"/>
+              </a:solidFill>
+              <a:latin typeface="Arial" panose="020B0604020202020204"/>
             </a:endParaRPr>
           </a:p>
         </p:txBody>
@@ -5130,18 +5302,22 @@
           <a:bodyPr/>
           <a:p>
             <a:fld id="{858A35D0-DD6A-4BCD-8AB8-311F417ACBEC}" type="slidenum">
-              <a:t>&lt;#&gt;</a:t>
+              <a:rPr/>
             </a:fld>
+            <a:endParaRPr/>
           </a:p>
         </p:txBody>
       </p:sp>
     </p:spTree>
   </p:cSld>
+  <p:clrMapOvr>
+    <a:masterClrMapping/>
+  </p:clrMapOvr>
 </p:sldLayout>
 </file>
 
 <file path=ppt/slideLayouts/slideLayout4.xml><?xml version="1.0" encoding="utf-8"?>
-<p:sldLayout xmlns:a="http://schemas.openxmlformats.org/drawingml/2006/main" xmlns:p="http://schemas.openxmlformats.org/presentationml/2006/main" xmlns:r="http://schemas.openxmlformats.org/officeDocument/2006/relationships" xmlns:p14="http://schemas.microsoft.com/office/powerpoint/2010/main" xmlns:p15="http://schemas.microsoft.com/office/powerpoint/2012/main" xmlns:mc="http://schemas.openxmlformats.org/markup-compatibility/2006" type="twoObj" preserve="1">
+<p:sldLayout xmlns:a="http://schemas.openxmlformats.org/drawingml/2006/main" xmlns:r="http://schemas.openxmlformats.org/officeDocument/2006/relationships" xmlns:p="http://schemas.openxmlformats.org/presentationml/2006/main" type="twoObj" preserve="1">
   <p:cSld name="Title, 2 Content">
     <p:spTree>
       <p:nvGrpSpPr>
@@ -5181,15 +5357,15 @@
           </a:ln>
         </p:spPr>
         <p:txBody>
-          <a:bodyPr lIns="0" rIns="0" tIns="0" bIns="0" anchor="ctr">
+          <a:bodyPr lIns="0" tIns="0" rIns="0" bIns="0" anchor="ctr">
             <a:noAutofit/>
           </a:bodyPr>
           <a:p>
-            <a:endParaRPr b="0" lang="en-US" sz="1400" spc="-1" strike="noStrike">
-              <a:solidFill>
-                <a:srgbClr val="000000"/>
-              </a:solidFill>
-              <a:latin typeface="Arial"/>
+            <a:endParaRPr lang="en-US" sz="1400" b="0" strike="noStrike" spc="-1">
+              <a:solidFill>
+                <a:srgbClr val="000000"/>
+              </a:solidFill>
+              <a:latin typeface="Arial" panose="020B0604020202020204"/>
             </a:endParaRPr>
           </a:p>
         </p:txBody>
@@ -5218,15 +5394,15 @@
           </a:ln>
         </p:spPr>
         <p:txBody>
-          <a:bodyPr lIns="0" rIns="0" tIns="0" bIns="0" anchor="t">
+          <a:bodyPr lIns="0" tIns="0" rIns="0" bIns="0" anchor="t">
             <a:normAutofit/>
           </a:bodyPr>
           <a:p>
-            <a:endParaRPr b="0" lang="en-US" sz="1400" spc="-1" strike="noStrike">
-              <a:solidFill>
-                <a:srgbClr val="000000"/>
-              </a:solidFill>
-              <a:latin typeface="Arial"/>
+            <a:endParaRPr lang="en-US" sz="1400" b="0" strike="noStrike" spc="-1">
+              <a:solidFill>
+                <a:srgbClr val="000000"/>
+              </a:solidFill>
+              <a:latin typeface="Arial" panose="020B0604020202020204"/>
             </a:endParaRPr>
           </a:p>
         </p:txBody>
@@ -5255,15 +5431,15 @@
           </a:ln>
         </p:spPr>
         <p:txBody>
-          <a:bodyPr lIns="0" rIns="0" tIns="0" bIns="0" anchor="t">
+          <a:bodyPr lIns="0" tIns="0" rIns="0" bIns="0" anchor="t">
             <a:normAutofit/>
           </a:bodyPr>
           <a:p>
-            <a:endParaRPr b="0" lang="en-US" sz="1400" spc="-1" strike="noStrike">
-              <a:solidFill>
-                <a:srgbClr val="000000"/>
-              </a:solidFill>
-              <a:latin typeface="Arial"/>
+            <a:endParaRPr lang="en-US" sz="1400" b="0" strike="noStrike" spc="-1">
+              <a:solidFill>
+                <a:srgbClr val="000000"/>
+              </a:solidFill>
+              <a:latin typeface="Arial" panose="020B0604020202020204"/>
             </a:endParaRPr>
           </a:p>
         </p:txBody>
@@ -5283,18 +5459,22 @@
           <a:bodyPr/>
           <a:p>
             <a:fld id="{07C9B8E9-8837-4D1D-9137-CD3D9A736179}" type="slidenum">
-              <a:t>&lt;#&gt;</a:t>
+              <a:rPr/>
             </a:fld>
+            <a:endParaRPr/>
           </a:p>
         </p:txBody>
       </p:sp>
     </p:spTree>
   </p:cSld>
+  <p:clrMapOvr>
+    <a:masterClrMapping/>
+  </p:clrMapOvr>
 </p:sldLayout>
 </file>
 
 <file path=ppt/slideLayouts/slideLayout5.xml><?xml version="1.0" encoding="utf-8"?>
-<p:sldLayout xmlns:a="http://schemas.openxmlformats.org/drawingml/2006/main" xmlns:p="http://schemas.openxmlformats.org/presentationml/2006/main" xmlns:r="http://schemas.openxmlformats.org/officeDocument/2006/relationships" xmlns:p14="http://schemas.microsoft.com/office/powerpoint/2010/main" xmlns:p15="http://schemas.microsoft.com/office/powerpoint/2012/main" xmlns:mc="http://schemas.openxmlformats.org/markup-compatibility/2006" type="titleOnly" preserve="1">
+<p:sldLayout xmlns:a="http://schemas.openxmlformats.org/drawingml/2006/main" xmlns:r="http://schemas.openxmlformats.org/officeDocument/2006/relationships" xmlns:p="http://schemas.openxmlformats.org/presentationml/2006/main" type="titleOnly" preserve="1">
   <p:cSld name="Title Only">
     <p:spTree>
       <p:nvGrpSpPr>
@@ -5334,15 +5514,15 @@
           </a:ln>
         </p:spPr>
         <p:txBody>
-          <a:bodyPr lIns="0" rIns="0" tIns="0" bIns="0" anchor="ctr">
+          <a:bodyPr lIns="0" tIns="0" rIns="0" bIns="0" anchor="ctr">
             <a:noAutofit/>
           </a:bodyPr>
           <a:p>
-            <a:endParaRPr b="0" lang="en-US" sz="1400" spc="-1" strike="noStrike">
-              <a:solidFill>
-                <a:srgbClr val="000000"/>
-              </a:solidFill>
-              <a:latin typeface="Arial"/>
+            <a:endParaRPr lang="en-US" sz="1400" b="0" strike="noStrike" spc="-1">
+              <a:solidFill>
+                <a:srgbClr val="000000"/>
+              </a:solidFill>
+              <a:latin typeface="Arial" panose="020B0604020202020204"/>
             </a:endParaRPr>
           </a:p>
         </p:txBody>
@@ -5362,18 +5542,22 @@
           <a:bodyPr/>
           <a:p>
             <a:fld id="{8783D3A2-6E9B-4DE8-8F84-58B9882FE2B2}" type="slidenum">
-              <a:t>&lt;#&gt;</a:t>
+              <a:rPr/>
             </a:fld>
+            <a:endParaRPr/>
           </a:p>
         </p:txBody>
       </p:sp>
     </p:spTree>
   </p:cSld>
+  <p:clrMapOvr>
+    <a:masterClrMapping/>
+  </p:clrMapOvr>
 </p:sldLayout>
 </file>
 
 <file path=ppt/slideLayouts/slideLayout6.xml><?xml version="1.0" encoding="utf-8"?>
-<p:sldLayout xmlns:a="http://schemas.openxmlformats.org/drawingml/2006/main" xmlns:p="http://schemas.openxmlformats.org/presentationml/2006/main" xmlns:r="http://schemas.openxmlformats.org/officeDocument/2006/relationships" xmlns:p14="http://schemas.microsoft.com/office/powerpoint/2010/main" xmlns:p15="http://schemas.microsoft.com/office/powerpoint/2012/main" xmlns:mc="http://schemas.openxmlformats.org/markup-compatibility/2006" type="objOnly" preserve="1">
+<p:sldLayout xmlns:a="http://schemas.openxmlformats.org/drawingml/2006/main" xmlns:r="http://schemas.openxmlformats.org/officeDocument/2006/relationships" xmlns:p="http://schemas.openxmlformats.org/presentationml/2006/main" type="objOnly" preserve="1">
   <p:cSld name="Centered Text">
     <p:spTree>
       <p:nvGrpSpPr>
@@ -5413,15 +5597,15 @@
           </a:ln>
         </p:spPr>
         <p:txBody>
-          <a:bodyPr lIns="0" rIns="0" tIns="0" bIns="0" anchor="ctr">
+          <a:bodyPr lIns="0" tIns="0" rIns="0" bIns="0" anchor="ctr">
             <a:noAutofit/>
           </a:bodyPr>
           <a:p>
             <a:pPr algn="ctr">
               <a:buNone/>
             </a:pPr>
-            <a:endParaRPr b="0" lang="en-US" sz="3200" spc="-1" strike="noStrike">
-              <a:latin typeface="Arial"/>
+            <a:endParaRPr lang="en-US" sz="3200" b="0" strike="noStrike" spc="-1">
+              <a:latin typeface="Arial" panose="020B0604020202020204"/>
             </a:endParaRPr>
           </a:p>
         </p:txBody>
@@ -5441,18 +5625,22 @@
           <a:bodyPr/>
           <a:p>
             <a:fld id="{6D09CA5B-1FF9-4CA2-8E3A-32711608FE38}" type="slidenum">
-              <a:t>&lt;#&gt;</a:t>
+              <a:rPr/>
             </a:fld>
+            <a:endParaRPr/>
           </a:p>
         </p:txBody>
       </p:sp>
     </p:spTree>
   </p:cSld>
+  <p:clrMapOvr>
+    <a:masterClrMapping/>
+  </p:clrMapOvr>
 </p:sldLayout>
 </file>
 
 <file path=ppt/slideLayouts/slideLayout7.xml><?xml version="1.0" encoding="utf-8"?>
-<p:sldLayout xmlns:a="http://schemas.openxmlformats.org/drawingml/2006/main" xmlns:p="http://schemas.openxmlformats.org/presentationml/2006/main" xmlns:r="http://schemas.openxmlformats.org/officeDocument/2006/relationships" xmlns:p14="http://schemas.microsoft.com/office/powerpoint/2010/main" xmlns:p15="http://schemas.microsoft.com/office/powerpoint/2012/main" xmlns:mc="http://schemas.openxmlformats.org/markup-compatibility/2006" type="twoObjAndObj" preserve="1">
+<p:sldLayout xmlns:a="http://schemas.openxmlformats.org/drawingml/2006/main" xmlns:r="http://schemas.openxmlformats.org/officeDocument/2006/relationships" xmlns:p="http://schemas.openxmlformats.org/presentationml/2006/main" type="twoObjAndObj" preserve="1">
   <p:cSld name="Title, 2 Content and Content">
     <p:spTree>
       <p:nvGrpSpPr>
@@ -5492,15 +5680,15 @@
           </a:ln>
         </p:spPr>
         <p:txBody>
-          <a:bodyPr lIns="0" rIns="0" tIns="0" bIns="0" anchor="ctr">
+          <a:bodyPr lIns="0" tIns="0" rIns="0" bIns="0" anchor="ctr">
             <a:noAutofit/>
           </a:bodyPr>
           <a:p>
-            <a:endParaRPr b="0" lang="en-US" sz="1400" spc="-1" strike="noStrike">
-              <a:solidFill>
-                <a:srgbClr val="000000"/>
-              </a:solidFill>
-              <a:latin typeface="Arial"/>
+            <a:endParaRPr lang="en-US" sz="1400" b="0" strike="noStrike" spc="-1">
+              <a:solidFill>
+                <a:srgbClr val="000000"/>
+              </a:solidFill>
+              <a:latin typeface="Arial" panose="020B0604020202020204"/>
             </a:endParaRPr>
           </a:p>
         </p:txBody>
@@ -5529,15 +5717,15 @@
           </a:ln>
         </p:spPr>
         <p:txBody>
-          <a:bodyPr lIns="0" rIns="0" tIns="0" bIns="0" anchor="t">
+          <a:bodyPr lIns="0" tIns="0" rIns="0" bIns="0" anchor="t">
             <a:normAutofit/>
           </a:bodyPr>
           <a:p>
-            <a:endParaRPr b="0" lang="en-US" sz="1400" spc="-1" strike="noStrike">
-              <a:solidFill>
-                <a:srgbClr val="000000"/>
-              </a:solidFill>
-              <a:latin typeface="Arial"/>
+            <a:endParaRPr lang="en-US" sz="1400" b="0" strike="noStrike" spc="-1">
+              <a:solidFill>
+                <a:srgbClr val="000000"/>
+              </a:solidFill>
+              <a:latin typeface="Arial" panose="020B0604020202020204"/>
             </a:endParaRPr>
           </a:p>
         </p:txBody>
@@ -5566,15 +5754,15 @@
           </a:ln>
         </p:spPr>
         <p:txBody>
-          <a:bodyPr lIns="0" rIns="0" tIns="0" bIns="0" anchor="t">
+          <a:bodyPr lIns="0" tIns="0" rIns="0" bIns="0" anchor="t">
             <a:normAutofit/>
           </a:bodyPr>
           <a:p>
-            <a:endParaRPr b="0" lang="en-US" sz="1400" spc="-1" strike="noStrike">
-              <a:solidFill>
-                <a:srgbClr val="000000"/>
-              </a:solidFill>
-              <a:latin typeface="Arial"/>
+            <a:endParaRPr lang="en-US" sz="1400" b="0" strike="noStrike" spc="-1">
+              <a:solidFill>
+                <a:srgbClr val="000000"/>
+              </a:solidFill>
+              <a:latin typeface="Arial" panose="020B0604020202020204"/>
             </a:endParaRPr>
           </a:p>
         </p:txBody>
@@ -5603,15 +5791,15 @@
           </a:ln>
         </p:spPr>
         <p:txBody>
-          <a:bodyPr lIns="0" rIns="0" tIns="0" bIns="0" anchor="t">
+          <a:bodyPr lIns="0" tIns="0" rIns="0" bIns="0" anchor="t">
             <a:normAutofit/>
           </a:bodyPr>
           <a:p>
-            <a:endParaRPr b="0" lang="en-US" sz="1400" spc="-1" strike="noStrike">
-              <a:solidFill>
-                <a:srgbClr val="000000"/>
-              </a:solidFill>
-              <a:latin typeface="Arial"/>
+            <a:endParaRPr lang="en-US" sz="1400" b="0" strike="noStrike" spc="-1">
+              <a:solidFill>
+                <a:srgbClr val="000000"/>
+              </a:solidFill>
+              <a:latin typeface="Arial" panose="020B0604020202020204"/>
             </a:endParaRPr>
           </a:p>
         </p:txBody>
@@ -5631,18 +5819,22 @@
           <a:bodyPr/>
           <a:p>
             <a:fld id="{4594B20E-E919-4192-B739-64B47782EB47}" type="slidenum">
-              <a:t>&lt;#&gt;</a:t>
+              <a:rPr/>
             </a:fld>
+            <a:endParaRPr/>
           </a:p>
         </p:txBody>
       </p:sp>
     </p:spTree>
   </p:cSld>
+  <p:clrMapOvr>
+    <a:masterClrMapping/>
+  </p:clrMapOvr>
 </p:sldLayout>
 </file>
 
 <file path=ppt/slideLayouts/slideLayout8.xml><?xml version="1.0" encoding="utf-8"?>
-<p:sldLayout xmlns:a="http://schemas.openxmlformats.org/drawingml/2006/main" xmlns:p="http://schemas.openxmlformats.org/presentationml/2006/main" xmlns:r="http://schemas.openxmlformats.org/officeDocument/2006/relationships" xmlns:p14="http://schemas.microsoft.com/office/powerpoint/2010/main" xmlns:p15="http://schemas.microsoft.com/office/powerpoint/2012/main" xmlns:mc="http://schemas.openxmlformats.org/markup-compatibility/2006" type="objAndTwoObj" preserve="1">
+<p:sldLayout xmlns:a="http://schemas.openxmlformats.org/drawingml/2006/main" xmlns:r="http://schemas.openxmlformats.org/officeDocument/2006/relationships" xmlns:p="http://schemas.openxmlformats.org/presentationml/2006/main" type="objAndTwoObj" preserve="1">
   <p:cSld name="Title Content and 2 Content">
     <p:spTree>
       <p:nvGrpSpPr>
@@ -5682,15 +5874,15 @@
           </a:ln>
         </p:spPr>
         <p:txBody>
-          <a:bodyPr lIns="0" rIns="0" tIns="0" bIns="0" anchor="ctr">
+          <a:bodyPr lIns="0" tIns="0" rIns="0" bIns="0" anchor="ctr">
             <a:noAutofit/>
           </a:bodyPr>
           <a:p>
-            <a:endParaRPr b="0" lang="en-US" sz="1400" spc="-1" strike="noStrike">
-              <a:solidFill>
-                <a:srgbClr val="000000"/>
-              </a:solidFill>
-              <a:latin typeface="Arial"/>
+            <a:endParaRPr lang="en-US" sz="1400" b="0" strike="noStrike" spc="-1">
+              <a:solidFill>
+                <a:srgbClr val="000000"/>
+              </a:solidFill>
+              <a:latin typeface="Arial" panose="020B0604020202020204"/>
             </a:endParaRPr>
           </a:p>
         </p:txBody>
@@ -5719,15 +5911,15 @@
           </a:ln>
         </p:spPr>
         <p:txBody>
-          <a:bodyPr lIns="0" rIns="0" tIns="0" bIns="0" anchor="t">
+          <a:bodyPr lIns="0" tIns="0" rIns="0" bIns="0" anchor="t">
             <a:normAutofit/>
           </a:bodyPr>
           <a:p>
-            <a:endParaRPr b="0" lang="en-US" sz="1400" spc="-1" strike="noStrike">
-              <a:solidFill>
-                <a:srgbClr val="000000"/>
-              </a:solidFill>
-              <a:latin typeface="Arial"/>
+            <a:endParaRPr lang="en-US" sz="1400" b="0" strike="noStrike" spc="-1">
+              <a:solidFill>
+                <a:srgbClr val="000000"/>
+              </a:solidFill>
+              <a:latin typeface="Arial" panose="020B0604020202020204"/>
             </a:endParaRPr>
           </a:p>
         </p:txBody>
@@ -5756,15 +5948,15 @@
           </a:ln>
         </p:spPr>
         <p:txBody>
-          <a:bodyPr lIns="0" rIns="0" tIns="0" bIns="0" anchor="t">
+          <a:bodyPr lIns="0" tIns="0" rIns="0" bIns="0" anchor="t">
             <a:normAutofit/>
           </a:bodyPr>
           <a:p>
-            <a:endParaRPr b="0" lang="en-US" sz="1400" spc="-1" strike="noStrike">
-              <a:solidFill>
-                <a:srgbClr val="000000"/>
-              </a:solidFill>
-              <a:latin typeface="Arial"/>
+            <a:endParaRPr lang="en-US" sz="1400" b="0" strike="noStrike" spc="-1">
+              <a:solidFill>
+                <a:srgbClr val="000000"/>
+              </a:solidFill>
+              <a:latin typeface="Arial" panose="020B0604020202020204"/>
             </a:endParaRPr>
           </a:p>
         </p:txBody>
@@ -5793,15 +5985,15 @@
           </a:ln>
         </p:spPr>
         <p:txBody>
-          <a:bodyPr lIns="0" rIns="0" tIns="0" bIns="0" anchor="t">
+          <a:bodyPr lIns="0" tIns="0" rIns="0" bIns="0" anchor="t">
             <a:normAutofit/>
           </a:bodyPr>
           <a:p>
-            <a:endParaRPr b="0" lang="en-US" sz="1400" spc="-1" strike="noStrike">
-              <a:solidFill>
-                <a:srgbClr val="000000"/>
-              </a:solidFill>
-              <a:latin typeface="Arial"/>
+            <a:endParaRPr lang="en-US" sz="1400" b="0" strike="noStrike" spc="-1">
+              <a:solidFill>
+                <a:srgbClr val="000000"/>
+              </a:solidFill>
+              <a:latin typeface="Arial" panose="020B0604020202020204"/>
             </a:endParaRPr>
           </a:p>
         </p:txBody>
@@ -5821,18 +6013,22 @@
           <a:bodyPr/>
           <a:p>
             <a:fld id="{3210A189-D7F7-4059-92B8-265DDC03F51F}" type="slidenum">
-              <a:t>&lt;#&gt;</a:t>
+              <a:rPr/>
             </a:fld>
+            <a:endParaRPr/>
           </a:p>
         </p:txBody>
       </p:sp>
     </p:spTree>
   </p:cSld>
+  <p:clrMapOvr>
+    <a:masterClrMapping/>
+  </p:clrMapOvr>
 </p:sldLayout>
 </file>
 
 <file path=ppt/slideLayouts/slideLayout9.xml><?xml version="1.0" encoding="utf-8"?>
-<p:sldLayout xmlns:a="http://schemas.openxmlformats.org/drawingml/2006/main" xmlns:p="http://schemas.openxmlformats.org/presentationml/2006/main" xmlns:r="http://schemas.openxmlformats.org/officeDocument/2006/relationships" xmlns:p14="http://schemas.microsoft.com/office/powerpoint/2010/main" xmlns:p15="http://schemas.microsoft.com/office/powerpoint/2012/main" xmlns:mc="http://schemas.openxmlformats.org/markup-compatibility/2006" type="twoObjOverTx" preserve="1">
+<p:sldLayout xmlns:a="http://schemas.openxmlformats.org/drawingml/2006/main" xmlns:r="http://schemas.openxmlformats.org/officeDocument/2006/relationships" xmlns:p="http://schemas.openxmlformats.org/presentationml/2006/main" type="twoObjOverTx" preserve="1">
   <p:cSld name="Title, 2 Content over Content">
     <p:spTree>
       <p:nvGrpSpPr>
@@ -5872,15 +6068,15 @@
           </a:ln>
         </p:spPr>
         <p:txBody>
-          <a:bodyPr lIns="0" rIns="0" tIns="0" bIns="0" anchor="ctr">
+          <a:bodyPr lIns="0" tIns="0" rIns="0" bIns="0" anchor="ctr">
             <a:noAutofit/>
           </a:bodyPr>
           <a:p>
-            <a:endParaRPr b="0" lang="en-US" sz="1400" spc="-1" strike="noStrike">
-              <a:solidFill>
-                <a:srgbClr val="000000"/>
-              </a:solidFill>
-              <a:latin typeface="Arial"/>
+            <a:endParaRPr lang="en-US" sz="1400" b="0" strike="noStrike" spc="-1">
+              <a:solidFill>
+                <a:srgbClr val="000000"/>
+              </a:solidFill>
+              <a:latin typeface="Arial" panose="020B0604020202020204"/>
             </a:endParaRPr>
           </a:p>
         </p:txBody>
@@ -5909,15 +6105,15 @@
           </a:ln>
         </p:spPr>
         <p:txBody>
-          <a:bodyPr lIns="0" rIns="0" tIns="0" bIns="0" anchor="t">
+          <a:bodyPr lIns="0" tIns="0" rIns="0" bIns="0" anchor="t">
             <a:normAutofit/>
           </a:bodyPr>
           <a:p>
-            <a:endParaRPr b="0" lang="en-US" sz="1400" spc="-1" strike="noStrike">
-              <a:solidFill>
-                <a:srgbClr val="000000"/>
-              </a:solidFill>
-              <a:latin typeface="Arial"/>
+            <a:endParaRPr lang="en-US" sz="1400" b="0" strike="noStrike" spc="-1">
+              <a:solidFill>
+                <a:srgbClr val="000000"/>
+              </a:solidFill>
+              <a:latin typeface="Arial" panose="020B0604020202020204"/>
             </a:endParaRPr>
           </a:p>
         </p:txBody>
@@ -5946,15 +6142,15 @@
           </a:ln>
         </p:spPr>
         <p:txBody>
-          <a:bodyPr lIns="0" rIns="0" tIns="0" bIns="0" anchor="t">
+          <a:bodyPr lIns="0" tIns="0" rIns="0" bIns="0" anchor="t">
             <a:normAutofit/>
           </a:bodyPr>
           <a:p>
-            <a:endParaRPr b="0" lang="en-US" sz="1400" spc="-1" strike="noStrike">
-              <a:solidFill>
-                <a:srgbClr val="000000"/>
-              </a:solidFill>
-              <a:latin typeface="Arial"/>
+            <a:endParaRPr lang="en-US" sz="1400" b="0" strike="noStrike" spc="-1">
+              <a:solidFill>
+                <a:srgbClr val="000000"/>
+              </a:solidFill>
+              <a:latin typeface="Arial" panose="020B0604020202020204"/>
             </a:endParaRPr>
           </a:p>
         </p:txBody>
@@ -5983,15 +6179,15 @@
           </a:ln>
         </p:spPr>
         <p:txBody>
-          <a:bodyPr lIns="0" rIns="0" tIns="0" bIns="0" anchor="t">
+          <a:bodyPr lIns="0" tIns="0" rIns="0" bIns="0" anchor="t">
             <a:normAutofit/>
           </a:bodyPr>
           <a:p>
-            <a:endParaRPr b="0" lang="en-US" sz="1400" spc="-1" strike="noStrike">
-              <a:solidFill>
-                <a:srgbClr val="000000"/>
-              </a:solidFill>
-              <a:latin typeface="Arial"/>
+            <a:endParaRPr lang="en-US" sz="1400" b="0" strike="noStrike" spc="-1">
+              <a:solidFill>
+                <a:srgbClr val="000000"/>
+              </a:solidFill>
+              <a:latin typeface="Arial" panose="020B0604020202020204"/>
             </a:endParaRPr>
           </a:p>
         </p:txBody>
@@ -6011,24 +6207,29 @@
           <a:bodyPr/>
           <a:p>
             <a:fld id="{66C939BF-5C52-4607-91C1-0C5D0C7D2F82}" type="slidenum">
-              <a:t>&lt;#&gt;</a:t>
+              <a:rPr/>
             </a:fld>
+            <a:endParaRPr/>
           </a:p>
         </p:txBody>
       </p:sp>
     </p:spTree>
   </p:cSld>
+  <p:clrMapOvr>
+    <a:masterClrMapping/>
+  </p:clrMapOvr>
 </p:sldLayout>
 </file>
 
 <file path=ppt/slideMasters/slideMaster1.xml><?xml version="1.0" encoding="utf-8"?>
-<p:sldMaster xmlns:a="http://schemas.openxmlformats.org/drawingml/2006/main" xmlns:p="http://schemas.openxmlformats.org/presentationml/2006/main" xmlns:r="http://schemas.openxmlformats.org/officeDocument/2006/relationships" xmlns:p14="http://schemas.microsoft.com/office/powerpoint/2010/main" xmlns:p15="http://schemas.microsoft.com/office/powerpoint/2012/main" xmlns:mc="http://schemas.openxmlformats.org/markup-compatibility/2006">
+<p:sldMaster xmlns:a="http://schemas.openxmlformats.org/drawingml/2006/main" xmlns:r="http://schemas.openxmlformats.org/officeDocument/2006/relationships" xmlns:p="http://schemas.openxmlformats.org/presentationml/2006/main">
   <p:cSld>
     <p:bg>
       <p:bgPr>
         <a:solidFill>
-          <a:srgbClr val="ffffff"/>
+          <a:srgbClr val="FFFFFF"/>
         </a:solidFill>
+        <a:effectLst/>
       </p:bgPr>
     </p:bg>
     <p:spTree>
@@ -6067,15 +6268,21 @@
           </a:ln>
         </p:spPr>
         <p:style>
-          <a:lnRef idx="0"/>
-          <a:fillRef idx="0"/>
-          <a:effectRef idx="0"/>
+          <a:lnRef idx="0">
+            <a:srgbClr val="FFFFFF"/>
+          </a:lnRef>
+          <a:fillRef idx="0">
+            <a:srgbClr val="FFFFFF"/>
+          </a:fillRef>
+          <a:effectRef idx="0">
+            <a:srgbClr val="FFFFFF"/>
+          </a:effectRef>
           <a:fontRef idx="minor"/>
         </p:style>
       </p:sp>
       <p:sp>
         <p:nvSpPr>
-          <p:cNvPr id="1" name="Google Shape;11;p15"/>
+          <p:cNvPr id="2" name="Google Shape;11;p15"/>
           <p:cNvSpPr/>
           <p:nvPr/>
         </p:nvSpPr>
@@ -6088,6 +6295,7 @@
             <a:avLst/>
             <a:gdLst/>
             <a:ahLst/>
+            <a:cxnLst/>
             <a:rect l="l" t="t" r="r" b="b"/>
             <a:pathLst>
               <a:path w="172545" h="175975">
@@ -6115,15 +6323,21 @@
           </a:ln>
         </p:spPr>
         <p:style>
-          <a:lnRef idx="0"/>
-          <a:fillRef idx="0"/>
-          <a:effectRef idx="0"/>
+          <a:lnRef idx="0">
+            <a:srgbClr val="FFFFFF"/>
+          </a:lnRef>
+          <a:fillRef idx="0">
+            <a:srgbClr val="FFFFFF"/>
+          </a:fillRef>
+          <a:effectRef idx="0">
+            <a:srgbClr val="FFFFFF"/>
+          </a:effectRef>
           <a:fontRef idx="minor"/>
         </p:style>
       </p:sp>
       <p:sp>
         <p:nvSpPr>
-          <p:cNvPr id="2" name="Google Shape;12;p15"/>
+          <p:cNvPr id="3" name="Google Shape;12;p15"/>
           <p:cNvSpPr/>
           <p:nvPr/>
         </p:nvSpPr>
@@ -6136,6 +6350,7 @@
             <a:avLst/>
             <a:gdLst/>
             <a:ahLst/>
+            <a:cxnLst/>
             <a:rect l="l" t="t" r="r" b="b"/>
             <a:pathLst>
               <a:path w="172676" h="175824">
@@ -6163,15 +6378,21 @@
           </a:ln>
         </p:spPr>
         <p:style>
-          <a:lnRef idx="0"/>
-          <a:fillRef idx="0"/>
-          <a:effectRef idx="0"/>
+          <a:lnRef idx="0">
+            <a:srgbClr val="FFFFFF"/>
+          </a:lnRef>
+          <a:fillRef idx="0">
+            <a:srgbClr val="FFFFFF"/>
+          </a:fillRef>
+          <a:effectRef idx="0">
+            <a:srgbClr val="FFFFFF"/>
+          </a:effectRef>
           <a:fontRef idx="minor"/>
         </p:style>
       </p:sp>
       <p:sp>
         <p:nvSpPr>
-          <p:cNvPr id="3" name="PlaceHolder 1"/>
+          <p:cNvPr id="4" name="PlaceHolder 1"/>
           <p:cNvSpPr>
             <a:spLocks noGrp="1"/>
           </p:cNvSpPr>
@@ -6198,26 +6419,26 @@
           </a:bodyPr>
           <a:p>
             <a:r>
-              <a:rPr b="0" lang="en-US" sz="2800" spc="-1" strike="noStrike">
+              <a:rPr lang="en-US" sz="2800" b="0" strike="noStrike" spc="-1">
                 <a:solidFill>
                   <a:srgbClr val="000000"/>
                 </a:solidFill>
-                <a:latin typeface="Arial"/>
+                <a:latin typeface="Arial" panose="020B0604020202020204"/>
               </a:rPr>
               <a:t>Click to edit the title text format</a:t>
             </a:r>
-            <a:endParaRPr b="0" lang="en-US" sz="2800" spc="-1" strike="noStrike">
-              <a:solidFill>
-                <a:srgbClr val="000000"/>
-              </a:solidFill>
-              <a:latin typeface="Arial"/>
-            </a:endParaRPr>
-          </a:p>
-        </p:txBody>
-      </p:sp>
-      <p:sp>
-        <p:nvSpPr>
-          <p:cNvPr id="4" name="PlaceHolder 2"/>
+            <a:endParaRPr lang="en-US" sz="2800" b="0" strike="noStrike" spc="-1">
+              <a:solidFill>
+                <a:srgbClr val="000000"/>
+              </a:solidFill>
+              <a:latin typeface="Arial" panose="020B0604020202020204"/>
+            </a:endParaRPr>
+          </a:p>
+        </p:txBody>
+      </p:sp>
+      <p:sp>
+        <p:nvSpPr>
+          <p:cNvPr id="5" name="PlaceHolder 2"/>
           <p:cNvSpPr>
             <a:spLocks noGrp="1"/>
           </p:cNvSpPr>
@@ -6243,63 +6464,63 @@
             <a:noAutofit/>
           </a:bodyPr>
           <a:p>
-            <a:pPr marL="432000" indent="-324000">
+            <a:pPr marL="431800" indent="-323850">
               <a:spcBef>
-                <a:spcPts val="1417"/>
+                <a:spcPts val="1415"/>
               </a:spcBef>
               <a:buClr>
                 <a:srgbClr val="000000"/>
               </a:buClr>
               <a:buSzPct val="45000"/>
-              <a:buFont typeface="Wingdings" charset="2"/>
+              <a:buFont typeface="Wingdings" panose="05000000000000000000" pitchFamily="2" charset="2"/>
               <a:buChar char=""/>
             </a:pPr>
             <a:r>
-              <a:rPr b="0" lang="en-US" sz="1300" spc="-1" strike="noStrike">
+              <a:rPr lang="en-US" sz="1300" b="0" strike="noStrike" spc="-1">
                 <a:solidFill>
                   <a:srgbClr val="000000"/>
                 </a:solidFill>
-                <a:latin typeface="Arial"/>
+                <a:latin typeface="Arial" panose="020B0604020202020204"/>
               </a:rPr>
               <a:t>Click to edit the outline text format</a:t>
             </a:r>
-            <a:endParaRPr b="0" lang="en-US" sz="1300" spc="-1" strike="noStrike">
-              <a:solidFill>
-                <a:srgbClr val="000000"/>
-              </a:solidFill>
-              <a:latin typeface="Arial"/>
-            </a:endParaRPr>
-          </a:p>
-          <a:p>
-            <a:pPr lvl="1" marL="864000" indent="-324000">
+            <a:endParaRPr lang="en-US" sz="1300" b="0" strike="noStrike" spc="-1">
+              <a:solidFill>
+                <a:srgbClr val="000000"/>
+              </a:solidFill>
+              <a:latin typeface="Arial" panose="020B0604020202020204"/>
+            </a:endParaRPr>
+          </a:p>
+          <a:p>
+            <a:pPr marL="864235" lvl="1" indent="-323850">
               <a:spcBef>
-                <a:spcPts val="1134"/>
+                <a:spcPts val="1135"/>
               </a:spcBef>
               <a:buClr>
                 <a:srgbClr val="000000"/>
               </a:buClr>
               <a:buSzPct val="75000"/>
-              <a:buFont typeface="Symbol" charset="2"/>
+              <a:buFont typeface="Symbol" panose="05050102010706020507" charset="2"/>
               <a:buChar char=""/>
             </a:pPr>
             <a:r>
-              <a:rPr b="0" lang="en-US" sz="1300" spc="-1" strike="noStrike">
+              <a:rPr lang="en-US" sz="1300" b="0" strike="noStrike" spc="-1">
                 <a:solidFill>
                   <a:srgbClr val="000000"/>
                 </a:solidFill>
-                <a:latin typeface="Arial"/>
+                <a:latin typeface="Arial" panose="020B0604020202020204"/>
               </a:rPr>
               <a:t>Second Outline Level</a:t>
             </a:r>
-            <a:endParaRPr b="0" lang="en-US" sz="1300" spc="-1" strike="noStrike">
-              <a:solidFill>
-                <a:srgbClr val="000000"/>
-              </a:solidFill>
-              <a:latin typeface="Arial"/>
-            </a:endParaRPr>
-          </a:p>
-          <a:p>
-            <a:pPr lvl="2" marL="1296000" indent="-288000">
+            <a:endParaRPr lang="en-US" sz="1300" b="0" strike="noStrike" spc="-1">
+              <a:solidFill>
+                <a:srgbClr val="000000"/>
+              </a:solidFill>
+              <a:latin typeface="Arial" panose="020B0604020202020204"/>
+            </a:endParaRPr>
+          </a:p>
+          <a:p>
+            <a:pPr marL="1296035" lvl="2" indent="-288290">
               <a:spcBef>
                 <a:spcPts val="850"/>
               </a:spcBef>
@@ -6307,142 +6528,142 @@
                 <a:srgbClr val="000000"/>
               </a:buClr>
               <a:buSzPct val="45000"/>
-              <a:buFont typeface="Wingdings" charset="2"/>
+              <a:buFont typeface="Wingdings" panose="05000000000000000000" pitchFamily="2" charset="2"/>
               <a:buChar char=""/>
             </a:pPr>
             <a:r>
-              <a:rPr b="0" lang="en-US" sz="1300" spc="-1" strike="noStrike">
+              <a:rPr lang="en-US" sz="1300" b="0" strike="noStrike" spc="-1">
                 <a:solidFill>
                   <a:srgbClr val="000000"/>
                 </a:solidFill>
-                <a:latin typeface="Arial"/>
+                <a:latin typeface="Arial" panose="020B0604020202020204"/>
               </a:rPr>
               <a:t>Third Outline Level</a:t>
             </a:r>
-            <a:endParaRPr b="0" lang="en-US" sz="1300" spc="-1" strike="noStrike">
-              <a:solidFill>
-                <a:srgbClr val="000000"/>
-              </a:solidFill>
-              <a:latin typeface="Arial"/>
-            </a:endParaRPr>
-          </a:p>
-          <a:p>
-            <a:pPr lvl="3" marL="1728000" indent="-216000">
+            <a:endParaRPr lang="en-US" sz="1300" b="0" strike="noStrike" spc="-1">
+              <a:solidFill>
+                <a:srgbClr val="000000"/>
+              </a:solidFill>
+              <a:latin typeface="Arial" panose="020B0604020202020204"/>
+            </a:endParaRPr>
+          </a:p>
+          <a:p>
+            <a:pPr marL="1727835" lvl="3" indent="-215900">
               <a:spcBef>
-                <a:spcPts val="567"/>
+                <a:spcPts val="565"/>
               </a:spcBef>
               <a:buClr>
                 <a:srgbClr val="000000"/>
               </a:buClr>
               <a:buSzPct val="75000"/>
-              <a:buFont typeface="Symbol" charset="2"/>
+              <a:buFont typeface="Symbol" panose="05050102010706020507" charset="2"/>
               <a:buChar char=""/>
             </a:pPr>
             <a:r>
-              <a:rPr b="0" lang="en-US" sz="1300" spc="-1" strike="noStrike">
+              <a:rPr lang="en-US" sz="1300" b="0" strike="noStrike" spc="-1">
                 <a:solidFill>
                   <a:srgbClr val="000000"/>
                 </a:solidFill>
-                <a:latin typeface="Arial"/>
+                <a:latin typeface="Arial" panose="020B0604020202020204"/>
               </a:rPr>
               <a:t>Fourth Outline Level</a:t>
             </a:r>
-            <a:endParaRPr b="0" lang="en-US" sz="1300" spc="-1" strike="noStrike">
-              <a:solidFill>
-                <a:srgbClr val="000000"/>
-              </a:solidFill>
-              <a:latin typeface="Arial"/>
-            </a:endParaRPr>
-          </a:p>
-          <a:p>
-            <a:pPr lvl="4" marL="2160000" indent="-216000">
+            <a:endParaRPr lang="en-US" sz="1300" b="0" strike="noStrike" spc="-1">
+              <a:solidFill>
+                <a:srgbClr val="000000"/>
+              </a:solidFill>
+              <a:latin typeface="Arial" panose="020B0604020202020204"/>
+            </a:endParaRPr>
+          </a:p>
+          <a:p>
+            <a:pPr marL="2160270" lvl="4" indent="-215900">
               <a:spcBef>
-                <a:spcPts val="283"/>
+                <a:spcPts val="285"/>
               </a:spcBef>
               <a:buClr>
                 <a:srgbClr val="000000"/>
               </a:buClr>
               <a:buSzPct val="45000"/>
-              <a:buFont typeface="Wingdings" charset="2"/>
+              <a:buFont typeface="Wingdings" panose="05000000000000000000" pitchFamily="2" charset="2"/>
               <a:buChar char=""/>
             </a:pPr>
             <a:r>
-              <a:rPr b="0" lang="en-US" sz="1300" spc="-1" strike="noStrike">
+              <a:rPr lang="en-US" sz="1300" b="0" strike="noStrike" spc="-1">
                 <a:solidFill>
                   <a:srgbClr val="000000"/>
                 </a:solidFill>
-                <a:latin typeface="Arial"/>
+                <a:latin typeface="Arial" panose="020B0604020202020204"/>
               </a:rPr>
               <a:t>Fifth Outline Level</a:t>
             </a:r>
-            <a:endParaRPr b="0" lang="en-US" sz="1300" spc="-1" strike="noStrike">
-              <a:solidFill>
-                <a:srgbClr val="000000"/>
-              </a:solidFill>
-              <a:latin typeface="Arial"/>
-            </a:endParaRPr>
-          </a:p>
-          <a:p>
-            <a:pPr lvl="5" marL="2592000" indent="-216000">
+            <a:endParaRPr lang="en-US" sz="1300" b="0" strike="noStrike" spc="-1">
+              <a:solidFill>
+                <a:srgbClr val="000000"/>
+              </a:solidFill>
+              <a:latin typeface="Arial" panose="020B0604020202020204"/>
+            </a:endParaRPr>
+          </a:p>
+          <a:p>
+            <a:pPr marL="2592070" lvl="5" indent="-215900">
               <a:spcBef>
-                <a:spcPts val="283"/>
+                <a:spcPts val="285"/>
               </a:spcBef>
               <a:buClr>
                 <a:srgbClr val="000000"/>
               </a:buClr>
               <a:buSzPct val="45000"/>
-              <a:buFont typeface="Wingdings" charset="2"/>
+              <a:buFont typeface="Wingdings" panose="05000000000000000000" pitchFamily="2" charset="2"/>
               <a:buChar char=""/>
             </a:pPr>
             <a:r>
-              <a:rPr b="0" lang="en-US" sz="1300" spc="-1" strike="noStrike">
+              <a:rPr lang="en-US" sz="1300" b="0" strike="noStrike" spc="-1">
                 <a:solidFill>
                   <a:srgbClr val="000000"/>
                 </a:solidFill>
-                <a:latin typeface="Arial"/>
+                <a:latin typeface="Arial" panose="020B0604020202020204"/>
               </a:rPr>
               <a:t>Sixth Outline Level</a:t>
             </a:r>
-            <a:endParaRPr b="0" lang="en-US" sz="1300" spc="-1" strike="noStrike">
-              <a:solidFill>
-                <a:srgbClr val="000000"/>
-              </a:solidFill>
-              <a:latin typeface="Arial"/>
-            </a:endParaRPr>
-          </a:p>
-          <a:p>
-            <a:pPr lvl="6" marL="3024000" indent="-216000">
+            <a:endParaRPr lang="en-US" sz="1300" b="0" strike="noStrike" spc="-1">
+              <a:solidFill>
+                <a:srgbClr val="000000"/>
+              </a:solidFill>
+              <a:latin typeface="Arial" panose="020B0604020202020204"/>
+            </a:endParaRPr>
+          </a:p>
+          <a:p>
+            <a:pPr marL="3023870" lvl="6" indent="-215900">
               <a:spcBef>
-                <a:spcPts val="283"/>
+                <a:spcPts val="285"/>
               </a:spcBef>
               <a:buClr>
                 <a:srgbClr val="000000"/>
               </a:buClr>
               <a:buSzPct val="45000"/>
-              <a:buFont typeface="Wingdings" charset="2"/>
+              <a:buFont typeface="Wingdings" panose="05000000000000000000" pitchFamily="2" charset="2"/>
               <a:buChar char=""/>
             </a:pPr>
             <a:r>
-              <a:rPr b="0" lang="en-US" sz="1300" spc="-1" strike="noStrike">
+              <a:rPr lang="en-US" sz="1300" b="0" strike="noStrike" spc="-1">
                 <a:solidFill>
                   <a:srgbClr val="000000"/>
                 </a:solidFill>
-                <a:latin typeface="Arial"/>
+                <a:latin typeface="Arial" panose="020B0604020202020204"/>
               </a:rPr>
               <a:t>Seventh Outline Level</a:t>
             </a:r>
-            <a:endParaRPr b="0" lang="en-US" sz="1300" spc="-1" strike="noStrike">
-              <a:solidFill>
-                <a:srgbClr val="000000"/>
-              </a:solidFill>
-              <a:latin typeface="Arial"/>
-            </a:endParaRPr>
-          </a:p>
-        </p:txBody>
-      </p:sp>
-      <p:sp>
-        <p:nvSpPr>
-          <p:cNvPr id="5" name="PlaceHolder 3"/>
+            <a:endParaRPr lang="en-US" sz="1300" b="0" strike="noStrike" spc="-1">
+              <a:solidFill>
+                <a:srgbClr val="000000"/>
+              </a:solidFill>
+              <a:latin typeface="Arial" panose="020B0604020202020204"/>
+            </a:endParaRPr>
+          </a:p>
+        </p:txBody>
+      </p:sp>
+      <p:sp>
+        <p:nvSpPr>
+          <p:cNvPr id="6" name="PlaceHolder 3"/>
           <p:cNvSpPr>
             <a:spLocks noGrp="1"/>
           </p:cNvSpPr>
@@ -6474,11 +6695,11 @@
               </a:lnSpc>
               <a:buNone/>
               <a:tabLst>
-                <a:tab algn="l" pos="0"/>
+                <a:tab pos="0" algn="l"/>
               </a:tabLst>
-              <a:defRPr b="0" lang="en-US" sz="1340" spc="-1" strike="noStrike">
+              <a:defRPr lang="en-US" sz="1340" b="0" strike="noStrike" spc="-1">
                 <a:solidFill>
-                  <a:srgbClr val="6b038b"/>
+                  <a:srgbClr val="6B038B"/>
                 </a:solidFill>
                 <a:latin typeface="Roboto"/>
                 <a:ea typeface="Roboto"/>
@@ -6492,53 +6713,58 @@
               </a:lnSpc>
               <a:buNone/>
               <a:tabLst>
-                <a:tab algn="l" pos="0"/>
+                <a:tab pos="0" algn="l"/>
               </a:tabLst>
             </a:pPr>
             <a:fld id="{E31EEE25-F82A-4EE9-88CA-6B5F902CF0BB}" type="slidenum">
-              <a:rPr b="0" lang="en-US" sz="1340" spc="-1" strike="noStrike">
+              <a:rPr lang="en-US" sz="1340" b="0" strike="noStrike" spc="-1">
                 <a:solidFill>
-                  <a:srgbClr val="6b038b"/>
+                  <a:srgbClr val="6B038B"/>
                 </a:solidFill>
                 <a:latin typeface="Roboto"/>
                 <a:ea typeface="Roboto"/>
               </a:rPr>
-              <a:t>&lt;number&gt;</a:t>
             </a:fld>
-            <a:endParaRPr b="0" lang="en-US" sz="1340" spc="-1" strike="noStrike">
-              <a:latin typeface="Times New Roman"/>
+            <a:endParaRPr lang="en-US" sz="1340" b="0" strike="noStrike" spc="-1">
+              <a:latin typeface="Times New Roman" panose="02020603050405020304"/>
             </a:endParaRPr>
           </a:p>
         </p:txBody>
       </p:sp>
     </p:spTree>
   </p:cSld>
-  <p:clrMap bg1="lt1" bg2="lt2" tx1="dk1" tx2="dk2" accent1="accent1" accent2="accent2" accent3="accent3" accent4="accent4" accent5="accent5" accent6="accent6" hlink="hlink" folHlink="folHlink"/>
+  <p:clrMap bg1="lt1" tx1="dk1" bg2="lt2" tx2="dk2" accent1="accent1" accent2="accent2" accent3="accent3" accent4="accent4" accent5="accent5" accent6="accent6" hlink="hlink" folHlink="folHlink"/>
   <p:sldLayoutIdLst>
-    <p:sldLayoutId id="2147483649" r:id="rId2"/>
-    <p:sldLayoutId id="2147483650" r:id="rId3"/>
-    <p:sldLayoutId id="2147483651" r:id="rId4"/>
-    <p:sldLayoutId id="2147483652" r:id="rId5"/>
-    <p:sldLayoutId id="2147483653" r:id="rId6"/>
-    <p:sldLayoutId id="2147483654" r:id="rId7"/>
-    <p:sldLayoutId id="2147483655" r:id="rId8"/>
-    <p:sldLayoutId id="2147483656" r:id="rId9"/>
-    <p:sldLayoutId id="2147483657" r:id="rId10"/>
-    <p:sldLayoutId id="2147483658" r:id="rId11"/>
-    <p:sldLayoutId id="2147483659" r:id="rId12"/>
-    <p:sldLayoutId id="2147483660" r:id="rId13"/>
+    <p:sldLayoutId id="2147483649" r:id="rId1"/>
+    <p:sldLayoutId id="2147483650" r:id="rId2"/>
+    <p:sldLayoutId id="2147483651" r:id="rId3"/>
+    <p:sldLayoutId id="2147483652" r:id="rId4"/>
+    <p:sldLayoutId id="2147483653" r:id="rId5"/>
+    <p:sldLayoutId id="2147483654" r:id="rId6"/>
+    <p:sldLayoutId id="2147483655" r:id="rId7"/>
+    <p:sldLayoutId id="2147483656" r:id="rId8"/>
+    <p:sldLayoutId id="2147483657" r:id="rId9"/>
+    <p:sldLayoutId id="2147483658" r:id="rId10"/>
+    <p:sldLayoutId id="2147483659" r:id="rId11"/>
+    <p:sldLayoutId id="2147483660" r:id="rId12"/>
   </p:sldLayoutIdLst>
+  <p:txStyles>
+    <p:titleStyle/>
+    <p:bodyStyle/>
+    <p:otherStyle/>
+  </p:txStyles>
 </p:sldMaster>
 </file>
 
 <file path=ppt/slideMasters/slideMaster2.xml><?xml version="1.0" encoding="utf-8"?>
-<p:sldMaster xmlns:a="http://schemas.openxmlformats.org/drawingml/2006/main" xmlns:p="http://schemas.openxmlformats.org/presentationml/2006/main" xmlns:r="http://schemas.openxmlformats.org/officeDocument/2006/relationships" xmlns:p14="http://schemas.microsoft.com/office/powerpoint/2010/main" xmlns:p15="http://schemas.microsoft.com/office/powerpoint/2012/main" xmlns:mc="http://schemas.openxmlformats.org/markup-compatibility/2006">
+<p:sldMaster xmlns:a="http://schemas.openxmlformats.org/drawingml/2006/main" xmlns:r="http://schemas.openxmlformats.org/officeDocument/2006/relationships" xmlns:p="http://schemas.openxmlformats.org/presentationml/2006/main">
   <p:cSld>
     <p:bg>
       <p:bgPr>
         <a:solidFill>
-          <a:srgbClr val="ffffff"/>
+          <a:srgbClr val="FFFFFF"/>
         </a:solidFill>
+        <a:effectLst/>
       </p:bgPr>
     </p:bg>
     <p:spTree>
@@ -6584,19 +6810,19 @@
           </a:bodyPr>
           <a:p>
             <a:r>
-              <a:rPr b="0" lang="en-US" sz="2800" spc="-1" strike="noStrike">
+              <a:rPr lang="en-US" sz="2800" b="0" strike="noStrike" spc="-1">
                 <a:solidFill>
                   <a:srgbClr val="000000"/>
                 </a:solidFill>
-                <a:latin typeface="Arial"/>
+                <a:latin typeface="Arial" panose="020B0604020202020204"/>
               </a:rPr>
               <a:t>Click to edit the title text format</a:t>
             </a:r>
-            <a:endParaRPr b="0" lang="en-US" sz="2800" spc="-1" strike="noStrike">
-              <a:solidFill>
-                <a:srgbClr val="000000"/>
-              </a:solidFill>
-              <a:latin typeface="Arial"/>
+            <a:endParaRPr lang="en-US" sz="2800" b="0" strike="noStrike" spc="-1">
+              <a:solidFill>
+                <a:srgbClr val="000000"/>
+              </a:solidFill>
+              <a:latin typeface="Arial" panose="020B0604020202020204"/>
             </a:endParaRPr>
           </a:p>
         </p:txBody>
@@ -6629,63 +6855,63 @@
             <a:noAutofit/>
           </a:bodyPr>
           <a:p>
-            <a:pPr marL="432000" indent="-324000">
+            <a:pPr marL="431800" indent="-323850">
               <a:spcBef>
-                <a:spcPts val="1417"/>
+                <a:spcPts val="1415"/>
               </a:spcBef>
               <a:buClr>
                 <a:srgbClr val="000000"/>
               </a:buClr>
               <a:buSzPct val="45000"/>
-              <a:buFont typeface="Wingdings" charset="2"/>
+              <a:buFont typeface="Wingdings" panose="05000000000000000000" pitchFamily="2" charset="2"/>
               <a:buChar char=""/>
             </a:pPr>
             <a:r>
-              <a:rPr b="0" lang="en-US" sz="1300" spc="-1" strike="noStrike">
+              <a:rPr lang="en-US" sz="1300" b="0" strike="noStrike" spc="-1">
                 <a:solidFill>
                   <a:srgbClr val="000000"/>
                 </a:solidFill>
-                <a:latin typeface="Arial"/>
+                <a:latin typeface="Arial" panose="020B0604020202020204"/>
               </a:rPr>
               <a:t>Click to edit the outline text format</a:t>
             </a:r>
-            <a:endParaRPr b="0" lang="en-US" sz="1300" spc="-1" strike="noStrike">
-              <a:solidFill>
-                <a:srgbClr val="000000"/>
-              </a:solidFill>
-              <a:latin typeface="Arial"/>
-            </a:endParaRPr>
-          </a:p>
-          <a:p>
-            <a:pPr lvl="1" marL="864000" indent="-324000">
+            <a:endParaRPr lang="en-US" sz="1300" b="0" strike="noStrike" spc="-1">
+              <a:solidFill>
+                <a:srgbClr val="000000"/>
+              </a:solidFill>
+              <a:latin typeface="Arial" panose="020B0604020202020204"/>
+            </a:endParaRPr>
+          </a:p>
+          <a:p>
+            <a:pPr marL="864235" lvl="1" indent="-323850">
               <a:spcBef>
-                <a:spcPts val="1134"/>
+                <a:spcPts val="1135"/>
               </a:spcBef>
               <a:buClr>
                 <a:srgbClr val="000000"/>
               </a:buClr>
               <a:buSzPct val="75000"/>
-              <a:buFont typeface="Symbol" charset="2"/>
+              <a:buFont typeface="Symbol" panose="05050102010706020507" charset="2"/>
               <a:buChar char=""/>
             </a:pPr>
             <a:r>
-              <a:rPr b="0" lang="en-US" sz="1300" spc="-1" strike="noStrike">
+              <a:rPr lang="en-US" sz="1300" b="0" strike="noStrike" spc="-1">
                 <a:solidFill>
                   <a:srgbClr val="000000"/>
                 </a:solidFill>
-                <a:latin typeface="Arial"/>
+                <a:latin typeface="Arial" panose="020B0604020202020204"/>
               </a:rPr>
               <a:t>Second Outline Level</a:t>
             </a:r>
-            <a:endParaRPr b="0" lang="en-US" sz="1300" spc="-1" strike="noStrike">
-              <a:solidFill>
-                <a:srgbClr val="000000"/>
-              </a:solidFill>
-              <a:latin typeface="Arial"/>
-            </a:endParaRPr>
-          </a:p>
-          <a:p>
-            <a:pPr lvl="2" marL="1296000" indent="-288000">
+            <a:endParaRPr lang="en-US" sz="1300" b="0" strike="noStrike" spc="-1">
+              <a:solidFill>
+                <a:srgbClr val="000000"/>
+              </a:solidFill>
+              <a:latin typeface="Arial" panose="020B0604020202020204"/>
+            </a:endParaRPr>
+          </a:p>
+          <a:p>
+            <a:pPr marL="1296035" lvl="2" indent="-288290">
               <a:spcBef>
                 <a:spcPts val="850"/>
               </a:spcBef>
@@ -6693,135 +6919,135 @@
                 <a:srgbClr val="000000"/>
               </a:buClr>
               <a:buSzPct val="45000"/>
-              <a:buFont typeface="Wingdings" charset="2"/>
+              <a:buFont typeface="Wingdings" panose="05000000000000000000" pitchFamily="2" charset="2"/>
               <a:buChar char=""/>
             </a:pPr>
             <a:r>
-              <a:rPr b="0" lang="en-US" sz="1300" spc="-1" strike="noStrike">
+              <a:rPr lang="en-US" sz="1300" b="0" strike="noStrike" spc="-1">
                 <a:solidFill>
                   <a:srgbClr val="000000"/>
                 </a:solidFill>
-                <a:latin typeface="Arial"/>
+                <a:latin typeface="Arial" panose="020B0604020202020204"/>
               </a:rPr>
               <a:t>Third Outline Level</a:t>
             </a:r>
-            <a:endParaRPr b="0" lang="en-US" sz="1300" spc="-1" strike="noStrike">
-              <a:solidFill>
-                <a:srgbClr val="000000"/>
-              </a:solidFill>
-              <a:latin typeface="Arial"/>
-            </a:endParaRPr>
-          </a:p>
-          <a:p>
-            <a:pPr lvl="3" marL="1728000" indent="-216000">
+            <a:endParaRPr lang="en-US" sz="1300" b="0" strike="noStrike" spc="-1">
+              <a:solidFill>
+                <a:srgbClr val="000000"/>
+              </a:solidFill>
+              <a:latin typeface="Arial" panose="020B0604020202020204"/>
+            </a:endParaRPr>
+          </a:p>
+          <a:p>
+            <a:pPr marL="1727835" lvl="3" indent="-215900">
               <a:spcBef>
-                <a:spcPts val="567"/>
+                <a:spcPts val="565"/>
               </a:spcBef>
               <a:buClr>
                 <a:srgbClr val="000000"/>
               </a:buClr>
               <a:buSzPct val="75000"/>
-              <a:buFont typeface="Symbol" charset="2"/>
+              <a:buFont typeface="Symbol" panose="05050102010706020507" charset="2"/>
               <a:buChar char=""/>
             </a:pPr>
             <a:r>
-              <a:rPr b="0" lang="en-US" sz="1300" spc="-1" strike="noStrike">
+              <a:rPr lang="en-US" sz="1300" b="0" strike="noStrike" spc="-1">
                 <a:solidFill>
                   <a:srgbClr val="000000"/>
                 </a:solidFill>
-                <a:latin typeface="Arial"/>
+                <a:latin typeface="Arial" panose="020B0604020202020204"/>
               </a:rPr>
               <a:t>Fourth Outline Level</a:t>
             </a:r>
-            <a:endParaRPr b="0" lang="en-US" sz="1300" spc="-1" strike="noStrike">
-              <a:solidFill>
-                <a:srgbClr val="000000"/>
-              </a:solidFill>
-              <a:latin typeface="Arial"/>
-            </a:endParaRPr>
-          </a:p>
-          <a:p>
-            <a:pPr lvl="4" marL="2160000" indent="-216000">
+            <a:endParaRPr lang="en-US" sz="1300" b="0" strike="noStrike" spc="-1">
+              <a:solidFill>
+                <a:srgbClr val="000000"/>
+              </a:solidFill>
+              <a:latin typeface="Arial" panose="020B0604020202020204"/>
+            </a:endParaRPr>
+          </a:p>
+          <a:p>
+            <a:pPr marL="2160270" lvl="4" indent="-215900">
               <a:spcBef>
-                <a:spcPts val="283"/>
+                <a:spcPts val="285"/>
               </a:spcBef>
               <a:buClr>
                 <a:srgbClr val="000000"/>
               </a:buClr>
               <a:buSzPct val="45000"/>
-              <a:buFont typeface="Wingdings" charset="2"/>
+              <a:buFont typeface="Wingdings" panose="05000000000000000000" pitchFamily="2" charset="2"/>
               <a:buChar char=""/>
             </a:pPr>
             <a:r>
-              <a:rPr b="0" lang="en-US" sz="1300" spc="-1" strike="noStrike">
+              <a:rPr lang="en-US" sz="1300" b="0" strike="noStrike" spc="-1">
                 <a:solidFill>
                   <a:srgbClr val="000000"/>
                 </a:solidFill>
-                <a:latin typeface="Arial"/>
+                <a:latin typeface="Arial" panose="020B0604020202020204"/>
               </a:rPr>
               <a:t>Fifth Outline Level</a:t>
             </a:r>
-            <a:endParaRPr b="0" lang="en-US" sz="1300" spc="-1" strike="noStrike">
-              <a:solidFill>
-                <a:srgbClr val="000000"/>
-              </a:solidFill>
-              <a:latin typeface="Arial"/>
-            </a:endParaRPr>
-          </a:p>
-          <a:p>
-            <a:pPr lvl="5" marL="2592000" indent="-216000">
+            <a:endParaRPr lang="en-US" sz="1300" b="0" strike="noStrike" spc="-1">
+              <a:solidFill>
+                <a:srgbClr val="000000"/>
+              </a:solidFill>
+              <a:latin typeface="Arial" panose="020B0604020202020204"/>
+            </a:endParaRPr>
+          </a:p>
+          <a:p>
+            <a:pPr marL="2592070" lvl="5" indent="-215900">
               <a:spcBef>
-                <a:spcPts val="283"/>
+                <a:spcPts val="285"/>
               </a:spcBef>
               <a:buClr>
                 <a:srgbClr val="000000"/>
               </a:buClr>
               <a:buSzPct val="45000"/>
-              <a:buFont typeface="Wingdings" charset="2"/>
+              <a:buFont typeface="Wingdings" panose="05000000000000000000" pitchFamily="2" charset="2"/>
               <a:buChar char=""/>
             </a:pPr>
             <a:r>
-              <a:rPr b="0" lang="en-US" sz="1300" spc="-1" strike="noStrike">
+              <a:rPr lang="en-US" sz="1300" b="0" strike="noStrike" spc="-1">
                 <a:solidFill>
                   <a:srgbClr val="000000"/>
                 </a:solidFill>
-                <a:latin typeface="Arial"/>
+                <a:latin typeface="Arial" panose="020B0604020202020204"/>
               </a:rPr>
               <a:t>Sixth Outline Level</a:t>
             </a:r>
-            <a:endParaRPr b="0" lang="en-US" sz="1300" spc="-1" strike="noStrike">
-              <a:solidFill>
-                <a:srgbClr val="000000"/>
-              </a:solidFill>
-              <a:latin typeface="Arial"/>
-            </a:endParaRPr>
-          </a:p>
-          <a:p>
-            <a:pPr lvl="6" marL="3024000" indent="-216000">
+            <a:endParaRPr lang="en-US" sz="1300" b="0" strike="noStrike" spc="-1">
+              <a:solidFill>
+                <a:srgbClr val="000000"/>
+              </a:solidFill>
+              <a:latin typeface="Arial" panose="020B0604020202020204"/>
+            </a:endParaRPr>
+          </a:p>
+          <a:p>
+            <a:pPr marL="3023870" lvl="6" indent="-215900">
               <a:spcBef>
-                <a:spcPts val="283"/>
+                <a:spcPts val="285"/>
               </a:spcBef>
               <a:buClr>
                 <a:srgbClr val="000000"/>
               </a:buClr>
               <a:buSzPct val="45000"/>
-              <a:buFont typeface="Wingdings" charset="2"/>
+              <a:buFont typeface="Wingdings" panose="05000000000000000000" pitchFamily="2" charset="2"/>
               <a:buChar char=""/>
             </a:pPr>
             <a:r>
-              <a:rPr b="0" lang="en-US" sz="1300" spc="-1" strike="noStrike">
+              <a:rPr lang="en-US" sz="1300" b="0" strike="noStrike" spc="-1">
                 <a:solidFill>
                   <a:srgbClr val="000000"/>
                 </a:solidFill>
-                <a:latin typeface="Arial"/>
+                <a:latin typeface="Arial" panose="020B0604020202020204"/>
               </a:rPr>
               <a:t>Seventh Outline Level</a:t>
             </a:r>
-            <a:endParaRPr b="0" lang="en-US" sz="1300" spc="-1" strike="noStrike">
-              <a:solidFill>
-                <a:srgbClr val="000000"/>
-              </a:solidFill>
-              <a:latin typeface="Arial"/>
+            <a:endParaRPr lang="en-US" sz="1300" b="0" strike="noStrike" spc="-1">
+              <a:solidFill>
+                <a:srgbClr val="000000"/>
+              </a:solidFill>
+              <a:latin typeface="Arial" panose="020B0604020202020204"/>
             </a:endParaRPr>
           </a:p>
         </p:txBody>
@@ -6855,20 +7081,20 @@
           </a:bodyPr>
           <a:lstStyle>
             <a:lvl1pPr>
-              <a:defRPr b="0" lang="en-US" sz="1400" spc="-1" strike="noStrike">
-                <a:latin typeface="Times New Roman"/>
+              <a:defRPr lang="en-US" sz="1400" b="0" strike="noStrike" spc="-1">
+                <a:latin typeface="Times New Roman" panose="02020603050405020304"/>
               </a:defRPr>
             </a:lvl1pPr>
           </a:lstStyle>
           <a:p>
             <a:r>
-              <a:rPr b="0" lang="en-US" sz="1400" spc="-1" strike="noStrike">
-                <a:latin typeface="Times New Roman"/>
+              <a:rPr lang="en-US" sz="1400" b="0" strike="noStrike" spc="-1">
+                <a:latin typeface="Times New Roman" panose="02020603050405020304"/>
               </a:rPr>
               <a:t>&lt;date/time&gt;</a:t>
             </a:r>
-            <a:endParaRPr b="0" lang="en-US" sz="1400" spc="-1" strike="noStrike">
-              <a:latin typeface="Times New Roman"/>
+            <a:endParaRPr lang="en-US" sz="1400" b="0" strike="noStrike" spc="-1">
+              <a:latin typeface="Times New Roman" panose="02020603050405020304"/>
             </a:endParaRPr>
           </a:p>
         </p:txBody>
@@ -6903,8 +7129,8 @@
           <a:lstStyle>
             <a:lvl1pPr algn="ctr">
               <a:buNone/>
-              <a:defRPr b="0" lang="en-US" sz="1400" spc="-1" strike="noStrike">
-                <a:latin typeface="Times New Roman"/>
+              <a:defRPr lang="en-US" sz="1400" b="0" strike="noStrike" spc="-1">
+                <a:latin typeface="Times New Roman" panose="02020603050405020304"/>
               </a:defRPr>
             </a:lvl1pPr>
           </a:lstStyle>
@@ -6913,13 +7139,13 @@
               <a:buNone/>
             </a:pPr>
             <a:r>
-              <a:rPr b="0" lang="en-US" sz="1400" spc="-1" strike="noStrike">
-                <a:latin typeface="Times New Roman"/>
+              <a:rPr lang="en-US" sz="1400" b="0" strike="noStrike" spc="-1">
+                <a:latin typeface="Times New Roman" panose="02020603050405020304"/>
               </a:rPr>
               <a:t>&lt;footer&gt;</a:t>
             </a:r>
-            <a:endParaRPr b="0" lang="en-US" sz="1400" spc="-1" strike="noStrike">
-              <a:latin typeface="Times New Roman"/>
+            <a:endParaRPr lang="en-US" sz="1400" b="0" strike="noStrike" spc="-1">
+              <a:latin typeface="Times New Roman" panose="02020603050405020304"/>
             </a:endParaRPr>
           </a:p>
         </p:txBody>
@@ -6958,11 +7184,11 @@
               </a:lnSpc>
               <a:buNone/>
               <a:tabLst>
-                <a:tab algn="l" pos="0"/>
+                <a:tab pos="0" algn="l"/>
               </a:tabLst>
-              <a:defRPr b="0" lang="en-US" sz="1340" spc="-1" strike="noStrike">
+              <a:defRPr lang="en-US" sz="1340" b="0" strike="noStrike" spc="-1">
                 <a:solidFill>
-                  <a:srgbClr val="6b038b"/>
+                  <a:srgbClr val="6B038B"/>
                 </a:solidFill>
                 <a:latin typeface="Roboto"/>
                 <a:ea typeface="Roboto"/>
@@ -6976,53 +7202,58 @@
               </a:lnSpc>
               <a:buNone/>
               <a:tabLst>
-                <a:tab algn="l" pos="0"/>
+                <a:tab pos="0" algn="l"/>
               </a:tabLst>
             </a:pPr>
             <a:fld id="{02D3B240-5139-4B41-8401-E0528728E819}" type="slidenum">
-              <a:rPr b="0" lang="en-US" sz="1340" spc="-1" strike="noStrike">
+              <a:rPr lang="en-US" sz="1340" b="0" strike="noStrike" spc="-1">
                 <a:solidFill>
-                  <a:srgbClr val="6b038b"/>
+                  <a:srgbClr val="6B038B"/>
                 </a:solidFill>
                 <a:latin typeface="Roboto"/>
                 <a:ea typeface="Roboto"/>
               </a:rPr>
-              <a:t>&lt;number&gt;</a:t>
             </a:fld>
-            <a:endParaRPr b="0" lang="en-US" sz="1340" spc="-1" strike="noStrike">
-              <a:latin typeface="Times New Roman"/>
+            <a:endParaRPr lang="en-US" sz="1340" b="0" strike="noStrike" spc="-1">
+              <a:latin typeface="Times New Roman" panose="02020603050405020304"/>
             </a:endParaRPr>
           </a:p>
         </p:txBody>
       </p:sp>
     </p:spTree>
   </p:cSld>
-  <p:clrMap bg1="lt1" bg2="lt2" tx1="dk1" tx2="dk2" accent1="accent1" accent2="accent2" accent3="accent3" accent4="accent4" accent5="accent5" accent6="accent6" hlink="hlink" folHlink="folHlink"/>
+  <p:clrMap bg1="lt1" tx1="dk1" bg2="lt2" tx2="dk2" accent1="accent1" accent2="accent2" accent3="accent3" accent4="accent4" accent5="accent5" accent6="accent6" hlink="hlink" folHlink="folHlink"/>
   <p:sldLayoutIdLst>
-    <p:sldLayoutId id="2147483662" r:id="rId2"/>
-    <p:sldLayoutId id="2147483663" r:id="rId3"/>
-    <p:sldLayoutId id="2147483664" r:id="rId4"/>
-    <p:sldLayoutId id="2147483665" r:id="rId5"/>
-    <p:sldLayoutId id="2147483666" r:id="rId6"/>
-    <p:sldLayoutId id="2147483667" r:id="rId7"/>
-    <p:sldLayoutId id="2147483668" r:id="rId8"/>
-    <p:sldLayoutId id="2147483669" r:id="rId9"/>
-    <p:sldLayoutId id="2147483670" r:id="rId10"/>
-    <p:sldLayoutId id="2147483671" r:id="rId11"/>
-    <p:sldLayoutId id="2147483672" r:id="rId12"/>
-    <p:sldLayoutId id="2147483673" r:id="rId13"/>
+    <p:sldLayoutId id="2147483662" r:id="rId1"/>
+    <p:sldLayoutId id="2147483663" r:id="rId2"/>
+    <p:sldLayoutId id="2147483664" r:id="rId3"/>
+    <p:sldLayoutId id="2147483665" r:id="rId4"/>
+    <p:sldLayoutId id="2147483666" r:id="rId5"/>
+    <p:sldLayoutId id="2147483667" r:id="rId6"/>
+    <p:sldLayoutId id="2147483668" r:id="rId7"/>
+    <p:sldLayoutId id="2147483669" r:id="rId8"/>
+    <p:sldLayoutId id="2147483670" r:id="rId9"/>
+    <p:sldLayoutId id="2147483671" r:id="rId10"/>
+    <p:sldLayoutId id="2147483672" r:id="rId11"/>
+    <p:sldLayoutId id="2147483673" r:id="rId12"/>
   </p:sldLayoutIdLst>
+  <p:txStyles>
+    <p:titleStyle/>
+    <p:bodyStyle/>
+    <p:otherStyle/>
+  </p:txStyles>
 </p:sldMaster>
 </file>
 
 <file path=ppt/slideMasters/slideMaster3.xml><?xml version="1.0" encoding="utf-8"?>
-<p:sldMaster xmlns:a="http://schemas.openxmlformats.org/drawingml/2006/main" xmlns:p="http://schemas.openxmlformats.org/presentationml/2006/main" xmlns:r="http://schemas.openxmlformats.org/officeDocument/2006/relationships" xmlns:p14="http://schemas.microsoft.com/office/powerpoint/2010/main" xmlns:p15="http://schemas.microsoft.com/office/powerpoint/2012/main" xmlns:mc="http://schemas.openxmlformats.org/markup-compatibility/2006">
+<p:sldMaster xmlns:a="http://schemas.openxmlformats.org/drawingml/2006/main" xmlns:r="http://schemas.openxmlformats.org/officeDocument/2006/relationships" xmlns:p="http://schemas.openxmlformats.org/presentationml/2006/main">
   <p:cSld>
     <p:bg>
       <p:bgPr>
         <a:solidFill>
           <a:srgbClr val="525252"/>
         </a:solidFill>
+        <a:effectLst/>
       </p:bgPr>
     </p:bg>
     <p:spTree>
@@ -7054,6 +7285,7 @@
             <a:avLst/>
             <a:gdLst/>
             <a:ahLst/>
+            <a:cxnLst/>
             <a:rect l="l" t="t" r="r" b="b"/>
             <a:pathLst>
               <a:path w="365770" h="175924">
@@ -7081,9 +7313,15 @@
           </a:ln>
         </p:spPr>
         <p:style>
-          <a:lnRef idx="0"/>
-          <a:fillRef idx="0"/>
-          <a:effectRef idx="0"/>
+          <a:lnRef idx="0">
+            <a:srgbClr val="FFFFFF"/>
+          </a:lnRef>
+          <a:fillRef idx="0">
+            <a:srgbClr val="FFFFFF"/>
+          </a:fillRef>
+          <a:effectRef idx="0">
+            <a:srgbClr val="FFFFFF"/>
+          </a:effectRef>
           <a:fontRef idx="minor"/>
         </p:style>
       </p:sp>
@@ -7111,24 +7349,24 @@
           </a:ln>
         </p:spPr>
         <p:txBody>
-          <a:bodyPr lIns="122040" rIns="122040" tIns="122040" bIns="122040" anchor="t">
+          <a:bodyPr lIns="122040" tIns="122040" rIns="122040" bIns="122040" anchor="t">
             <a:noAutofit/>
           </a:bodyPr>
           <a:p>
             <a:r>
-              <a:rPr b="0" lang="en-US" sz="4800" spc="-1" strike="noStrike">
+              <a:rPr lang="en-US" sz="4800" b="0" strike="noStrike" spc="-1">
                 <a:solidFill>
                   <a:srgbClr val="000000"/>
                 </a:solidFill>
-                <a:latin typeface="Arial"/>
+                <a:latin typeface="Arial" panose="020B0604020202020204"/>
               </a:rPr>
               <a:t>Click to edit the title text format</a:t>
             </a:r>
-            <a:endParaRPr b="0" lang="en-US" sz="4800" spc="-1" strike="noStrike">
-              <a:solidFill>
-                <a:srgbClr val="000000"/>
-              </a:solidFill>
-              <a:latin typeface="Arial"/>
+            <a:endParaRPr lang="en-US" sz="4800" b="0" strike="noStrike" spc="-1">
+              <a:solidFill>
+                <a:srgbClr val="000000"/>
+              </a:solidFill>
+              <a:latin typeface="Arial" panose="020B0604020202020204"/>
             </a:endParaRPr>
           </a:p>
         </p:txBody>
@@ -7157,7 +7395,7 @@
           </a:ln>
         </p:spPr>
         <p:txBody>
-          <a:bodyPr lIns="122040" rIns="122040" tIns="122040" bIns="122040" anchor="ctr">
+          <a:bodyPr lIns="122040" tIns="122040" rIns="122040" bIns="122040" anchor="ctr">
             <a:noAutofit/>
           </a:bodyPr>
           <a:lstStyle>
@@ -7167,11 +7405,11 @@
               </a:lnSpc>
               <a:buNone/>
               <a:tabLst>
-                <a:tab algn="l" pos="0"/>
+                <a:tab pos="0" algn="l"/>
               </a:tabLst>
-              <a:defRPr b="0" lang="en-US" sz="1300" spc="-1" strike="noStrike">
+              <a:defRPr lang="en-US" sz="1300" b="0" strike="noStrike" spc="-1">
                 <a:solidFill>
-                  <a:srgbClr val="ffffff"/>
+                  <a:srgbClr val="FFFFFF"/>
                 </a:solidFill>
                 <a:latin typeface="Roboto"/>
                 <a:ea typeface="Roboto"/>
@@ -7185,21 +7423,20 @@
               </a:lnSpc>
               <a:buNone/>
               <a:tabLst>
-                <a:tab algn="l" pos="0"/>
+                <a:tab pos="0" algn="l"/>
               </a:tabLst>
             </a:pPr>
             <a:fld id="{C7A3E884-D21E-42BE-B413-97ED638C837D}" type="slidenum">
-              <a:rPr b="0" lang="en-US" sz="1300" spc="-1" strike="noStrike">
+              <a:rPr lang="en-US" sz="1300" b="0" strike="noStrike" spc="-1">
                 <a:solidFill>
-                  <a:srgbClr val="ffffff"/>
+                  <a:srgbClr val="FFFFFF"/>
                 </a:solidFill>
                 <a:latin typeface="Roboto"/>
                 <a:ea typeface="Roboto"/>
               </a:rPr>
-              <a:t>&lt;number&gt;</a:t>
             </a:fld>
-            <a:endParaRPr b="0" lang="en-US" sz="1300" spc="-1" strike="noStrike">
-              <a:latin typeface="Times New Roman"/>
+            <a:endParaRPr lang="en-US" sz="1300" b="0" strike="noStrike" spc="-1">
+              <a:latin typeface="Times New Roman" panose="02020603050405020304"/>
             </a:endParaRPr>
           </a:p>
         </p:txBody>
@@ -7228,67 +7465,67 @@
           </a:ln>
         </p:spPr>
         <p:txBody>
-          <a:bodyPr lIns="0" rIns="0" tIns="0" bIns="0" anchor="t">
+          <a:bodyPr lIns="0" tIns="0" rIns="0" bIns="0" anchor="t">
             <a:normAutofit/>
           </a:bodyPr>
           <a:p>
-            <a:pPr marL="432000" indent="-324000">
+            <a:pPr marL="431800" indent="-323850">
               <a:spcBef>
-                <a:spcPts val="1417"/>
+                <a:spcPts val="1415"/>
               </a:spcBef>
               <a:buClr>
                 <a:srgbClr val="000000"/>
               </a:buClr>
               <a:buSzPct val="45000"/>
-              <a:buFont typeface="Wingdings" charset="2"/>
+              <a:buFont typeface="Wingdings" panose="05000000000000000000" pitchFamily="2" charset="2"/>
               <a:buChar char=""/>
             </a:pPr>
             <a:r>
-              <a:rPr b="0" lang="en-US" sz="1400" spc="-1" strike="noStrike">
+              <a:rPr lang="en-US" sz="1400" b="0" strike="noStrike" spc="-1">
                 <a:solidFill>
                   <a:srgbClr val="000000"/>
                 </a:solidFill>
-                <a:latin typeface="Arial"/>
+                <a:latin typeface="Arial" panose="020B0604020202020204"/>
               </a:rPr>
               <a:t>Click to edit the outline text format</a:t>
             </a:r>
-            <a:endParaRPr b="0" lang="en-US" sz="1400" spc="-1" strike="noStrike">
-              <a:solidFill>
-                <a:srgbClr val="000000"/>
-              </a:solidFill>
-              <a:latin typeface="Arial"/>
-            </a:endParaRPr>
-          </a:p>
-          <a:p>
-            <a:pPr lvl="1" marL="864000" indent="-324000">
+            <a:endParaRPr lang="en-US" sz="1400" b="0" strike="noStrike" spc="-1">
+              <a:solidFill>
+                <a:srgbClr val="000000"/>
+              </a:solidFill>
+              <a:latin typeface="Arial" panose="020B0604020202020204"/>
+            </a:endParaRPr>
+          </a:p>
+          <a:p>
+            <a:pPr marL="864235" lvl="1" indent="-323850">
               <a:spcBef>
-                <a:spcPts val="1134"/>
+                <a:spcPts val="1135"/>
               </a:spcBef>
               <a:buClr>
                 <a:srgbClr val="000000"/>
               </a:buClr>
               <a:buSzPct val="75000"/>
-              <a:buFont typeface="Symbol" charset="2"/>
+              <a:buFont typeface="Symbol" panose="05050102010706020507" charset="2"/>
               <a:buChar char=""/>
             </a:pPr>
             <a:r>
-              <a:rPr b="0" lang="en-US" sz="1400" spc="-1" strike="noStrike">
+              <a:rPr lang="en-US" sz="1400" b="0" strike="noStrike" spc="-1">
                 <a:solidFill>
                   <a:srgbClr val="000000"/>
                 </a:solidFill>
-                <a:latin typeface="Arial"/>
+                <a:latin typeface="Arial" panose="020B0604020202020204"/>
               </a:rPr>
               <a:t>Second Outline Level</a:t>
             </a:r>
-            <a:endParaRPr b="0" lang="en-US" sz="1400" spc="-1" strike="noStrike">
-              <a:solidFill>
-                <a:srgbClr val="000000"/>
-              </a:solidFill>
-              <a:latin typeface="Arial"/>
-            </a:endParaRPr>
-          </a:p>
-          <a:p>
-            <a:pPr lvl="2" marL="1296000" indent="-288000">
+            <a:endParaRPr lang="en-US" sz="1400" b="0" strike="noStrike" spc="-1">
+              <a:solidFill>
+                <a:srgbClr val="000000"/>
+              </a:solidFill>
+              <a:latin typeface="Arial" panose="020B0604020202020204"/>
+            </a:endParaRPr>
+          </a:p>
+          <a:p>
+            <a:pPr marL="1296035" lvl="2" indent="-288290">
               <a:spcBef>
                 <a:spcPts val="850"/>
               </a:spcBef>
@@ -7296,161 +7533,166 @@
                 <a:srgbClr val="000000"/>
               </a:buClr>
               <a:buSzPct val="45000"/>
-              <a:buFont typeface="Wingdings" charset="2"/>
+              <a:buFont typeface="Wingdings" panose="05000000000000000000" pitchFamily="2" charset="2"/>
               <a:buChar char=""/>
             </a:pPr>
             <a:r>
-              <a:rPr b="0" lang="en-US" sz="1400" spc="-1" strike="noStrike">
+              <a:rPr lang="en-US" sz="1400" b="0" strike="noStrike" spc="-1">
                 <a:solidFill>
                   <a:srgbClr val="000000"/>
                 </a:solidFill>
-                <a:latin typeface="Arial"/>
+                <a:latin typeface="Arial" panose="020B0604020202020204"/>
               </a:rPr>
               <a:t>Third Outline Level</a:t>
             </a:r>
-            <a:endParaRPr b="0" lang="en-US" sz="1400" spc="-1" strike="noStrike">
-              <a:solidFill>
-                <a:srgbClr val="000000"/>
-              </a:solidFill>
-              <a:latin typeface="Arial"/>
-            </a:endParaRPr>
-          </a:p>
-          <a:p>
-            <a:pPr lvl="3" marL="1728000" indent="-216000">
+            <a:endParaRPr lang="en-US" sz="1400" b="0" strike="noStrike" spc="-1">
+              <a:solidFill>
+                <a:srgbClr val="000000"/>
+              </a:solidFill>
+              <a:latin typeface="Arial" panose="020B0604020202020204"/>
+            </a:endParaRPr>
+          </a:p>
+          <a:p>
+            <a:pPr marL="1727835" lvl="3" indent="-215900">
               <a:spcBef>
-                <a:spcPts val="567"/>
+                <a:spcPts val="565"/>
               </a:spcBef>
               <a:buClr>
                 <a:srgbClr val="000000"/>
               </a:buClr>
               <a:buSzPct val="75000"/>
-              <a:buFont typeface="Symbol" charset="2"/>
+              <a:buFont typeface="Symbol" panose="05050102010706020507" charset="2"/>
               <a:buChar char=""/>
             </a:pPr>
             <a:r>
-              <a:rPr b="0" lang="en-US" sz="1400" spc="-1" strike="noStrike">
+              <a:rPr lang="en-US" sz="1400" b="0" strike="noStrike" spc="-1">
                 <a:solidFill>
                   <a:srgbClr val="000000"/>
                 </a:solidFill>
-                <a:latin typeface="Arial"/>
+                <a:latin typeface="Arial" panose="020B0604020202020204"/>
               </a:rPr>
               <a:t>Fourth Outline Level</a:t>
             </a:r>
-            <a:endParaRPr b="0" lang="en-US" sz="1400" spc="-1" strike="noStrike">
-              <a:solidFill>
-                <a:srgbClr val="000000"/>
-              </a:solidFill>
-              <a:latin typeface="Arial"/>
-            </a:endParaRPr>
-          </a:p>
-          <a:p>
-            <a:pPr lvl="4" marL="2160000" indent="-216000">
+            <a:endParaRPr lang="en-US" sz="1400" b="0" strike="noStrike" spc="-1">
+              <a:solidFill>
+                <a:srgbClr val="000000"/>
+              </a:solidFill>
+              <a:latin typeface="Arial" panose="020B0604020202020204"/>
+            </a:endParaRPr>
+          </a:p>
+          <a:p>
+            <a:pPr marL="2160270" lvl="4" indent="-215900">
               <a:spcBef>
-                <a:spcPts val="283"/>
+                <a:spcPts val="285"/>
               </a:spcBef>
               <a:buClr>
                 <a:srgbClr val="000000"/>
               </a:buClr>
               <a:buSzPct val="45000"/>
-              <a:buFont typeface="Wingdings" charset="2"/>
+              <a:buFont typeface="Wingdings" panose="05000000000000000000" pitchFamily="2" charset="2"/>
               <a:buChar char=""/>
             </a:pPr>
             <a:r>
-              <a:rPr b="0" lang="en-US" sz="2000" spc="-1" strike="noStrike">
+              <a:rPr lang="en-US" sz="2000" b="0" strike="noStrike" spc="-1">
                 <a:solidFill>
                   <a:srgbClr val="000000"/>
                 </a:solidFill>
-                <a:latin typeface="Arial"/>
+                <a:latin typeface="Arial" panose="020B0604020202020204"/>
               </a:rPr>
               <a:t>Fifth Outline Level</a:t>
             </a:r>
-            <a:endParaRPr b="0" lang="en-US" sz="2000" spc="-1" strike="noStrike">
-              <a:solidFill>
-                <a:srgbClr val="000000"/>
-              </a:solidFill>
-              <a:latin typeface="Arial"/>
-            </a:endParaRPr>
-          </a:p>
-          <a:p>
-            <a:pPr lvl="5" marL="2592000" indent="-216000">
+            <a:endParaRPr lang="en-US" sz="2000" b="0" strike="noStrike" spc="-1">
+              <a:solidFill>
+                <a:srgbClr val="000000"/>
+              </a:solidFill>
+              <a:latin typeface="Arial" panose="020B0604020202020204"/>
+            </a:endParaRPr>
+          </a:p>
+          <a:p>
+            <a:pPr marL="2592070" lvl="5" indent="-215900">
               <a:spcBef>
-                <a:spcPts val="283"/>
+                <a:spcPts val="285"/>
               </a:spcBef>
               <a:buClr>
                 <a:srgbClr val="000000"/>
               </a:buClr>
               <a:buSzPct val="45000"/>
-              <a:buFont typeface="Wingdings" charset="2"/>
+              <a:buFont typeface="Wingdings" panose="05000000000000000000" pitchFamily="2" charset="2"/>
               <a:buChar char=""/>
             </a:pPr>
             <a:r>
-              <a:rPr b="0" lang="en-US" sz="2000" spc="-1" strike="noStrike">
+              <a:rPr lang="en-US" sz="2000" b="0" strike="noStrike" spc="-1">
                 <a:solidFill>
                   <a:srgbClr val="000000"/>
                 </a:solidFill>
-                <a:latin typeface="Arial"/>
+                <a:latin typeface="Arial" panose="020B0604020202020204"/>
               </a:rPr>
               <a:t>Sixth Outline Level</a:t>
             </a:r>
-            <a:endParaRPr b="0" lang="en-US" sz="2000" spc="-1" strike="noStrike">
-              <a:solidFill>
-                <a:srgbClr val="000000"/>
-              </a:solidFill>
-              <a:latin typeface="Arial"/>
-            </a:endParaRPr>
-          </a:p>
-          <a:p>
-            <a:pPr lvl="6" marL="3024000" indent="-216000">
+            <a:endParaRPr lang="en-US" sz="2000" b="0" strike="noStrike" spc="-1">
+              <a:solidFill>
+                <a:srgbClr val="000000"/>
+              </a:solidFill>
+              <a:latin typeface="Arial" panose="020B0604020202020204"/>
+            </a:endParaRPr>
+          </a:p>
+          <a:p>
+            <a:pPr marL="3023870" lvl="6" indent="-215900">
               <a:spcBef>
-                <a:spcPts val="283"/>
+                <a:spcPts val="285"/>
               </a:spcBef>
               <a:buClr>
                 <a:srgbClr val="000000"/>
               </a:buClr>
               <a:buSzPct val="45000"/>
-              <a:buFont typeface="Wingdings" charset="2"/>
+              <a:buFont typeface="Wingdings" panose="05000000000000000000" pitchFamily="2" charset="2"/>
               <a:buChar char=""/>
             </a:pPr>
             <a:r>
-              <a:rPr b="0" lang="en-US" sz="2000" spc="-1" strike="noStrike">
+              <a:rPr lang="en-US" sz="2000" b="0" strike="noStrike" spc="-1">
                 <a:solidFill>
                   <a:srgbClr val="000000"/>
                 </a:solidFill>
-                <a:latin typeface="Arial"/>
+                <a:latin typeface="Arial" panose="020B0604020202020204"/>
               </a:rPr>
               <a:t>Seventh Outline Level</a:t>
             </a:r>
-            <a:endParaRPr b="0" lang="en-US" sz="2000" spc="-1" strike="noStrike">
-              <a:solidFill>
-                <a:srgbClr val="000000"/>
-              </a:solidFill>
-              <a:latin typeface="Arial"/>
+            <a:endParaRPr lang="en-US" sz="2000" b="0" strike="noStrike" spc="-1">
+              <a:solidFill>
+                <a:srgbClr val="000000"/>
+              </a:solidFill>
+              <a:latin typeface="Arial" panose="020B0604020202020204"/>
             </a:endParaRPr>
           </a:p>
         </p:txBody>
       </p:sp>
     </p:spTree>
   </p:cSld>
-  <p:clrMap bg1="lt1" bg2="lt2" tx1="dk1" tx2="dk2" accent1="accent1" accent2="accent2" accent3="accent3" accent4="accent4" accent5="accent5" accent6="accent6" hlink="hlink" folHlink="folHlink"/>
+  <p:clrMap bg1="lt1" tx1="dk1" bg2="lt2" tx2="dk2" accent1="accent1" accent2="accent2" accent3="accent3" accent4="accent4" accent5="accent5" accent6="accent6" hlink="hlink" folHlink="folHlink"/>
   <p:sldLayoutIdLst>
-    <p:sldLayoutId id="2147483675" r:id="rId2"/>
-    <p:sldLayoutId id="2147483676" r:id="rId3"/>
-    <p:sldLayoutId id="2147483677" r:id="rId4"/>
-    <p:sldLayoutId id="2147483678" r:id="rId5"/>
-    <p:sldLayoutId id="2147483679" r:id="rId6"/>
-    <p:sldLayoutId id="2147483680" r:id="rId7"/>
-    <p:sldLayoutId id="2147483681" r:id="rId8"/>
-    <p:sldLayoutId id="2147483682" r:id="rId9"/>
-    <p:sldLayoutId id="2147483683" r:id="rId10"/>
-    <p:sldLayoutId id="2147483684" r:id="rId11"/>
-    <p:sldLayoutId id="2147483685" r:id="rId12"/>
-    <p:sldLayoutId id="2147483686" r:id="rId13"/>
+    <p:sldLayoutId id="2147483675" r:id="rId1"/>
+    <p:sldLayoutId id="2147483676" r:id="rId2"/>
+    <p:sldLayoutId id="2147483677" r:id="rId3"/>
+    <p:sldLayoutId id="2147483678" r:id="rId4"/>
+    <p:sldLayoutId id="2147483679" r:id="rId5"/>
+    <p:sldLayoutId id="2147483680" r:id="rId6"/>
+    <p:sldLayoutId id="2147483681" r:id="rId7"/>
+    <p:sldLayoutId id="2147483682" r:id="rId8"/>
+    <p:sldLayoutId id="2147483683" r:id="rId9"/>
+    <p:sldLayoutId id="2147483684" r:id="rId10"/>
+    <p:sldLayoutId id="2147483685" r:id="rId11"/>
+    <p:sldLayoutId id="2147483686" r:id="rId12"/>
   </p:sldLayoutIdLst>
+  <p:txStyles>
+    <p:titleStyle/>
+    <p:bodyStyle/>
+    <p:otherStyle/>
+  </p:txStyles>
 </p:sldMaster>
 </file>
 
 <file path=ppt/slides/slide1.xml><?xml version="1.0" encoding="utf-8"?>
-<p:sld xmlns:a="http://schemas.openxmlformats.org/drawingml/2006/main" xmlns:p="http://schemas.openxmlformats.org/presentationml/2006/main" xmlns:r="http://schemas.openxmlformats.org/officeDocument/2006/relationships" xmlns:p14="http://schemas.microsoft.com/office/powerpoint/2010/main" xmlns:p15="http://schemas.microsoft.com/office/powerpoint/2012/main" xmlns:mc="http://schemas.openxmlformats.org/markup-compatibility/2006">
+<p:sld xmlns:a="http://schemas.openxmlformats.org/drawingml/2006/main" xmlns:r="http://schemas.openxmlformats.org/officeDocument/2006/relationships" xmlns:p="http://schemas.openxmlformats.org/presentationml/2006/main">
   <p:cSld>
     <p:spTree>
       <p:nvGrpSpPr>
@@ -7494,87 +7736,87 @@
             <a:noAutofit/>
           </a:bodyPr>
           <a:p>
-            <a:pPr marL="194400" algn="ctr">
+            <a:pPr marL="194310" algn="ctr">
               <a:lnSpc>
                 <a:spcPct val="115000"/>
               </a:lnSpc>
               <a:buNone/>
               <a:tabLst>
-                <a:tab algn="l" pos="0"/>
+                <a:tab pos="0" algn="l"/>
               </a:tabLst>
             </a:pPr>
             <a:r>
-              <a:rPr b="1" lang="en-US" sz="2650" spc="-1" strike="noStrike">
+              <a:rPr lang="en-US" sz="2650" b="1" strike="noStrike" spc="-1">
                 <a:solidFill>
-                  <a:srgbClr val="ffffff"/>
+                  <a:srgbClr val="FFFFFF"/>
                 </a:solidFill>
-                <a:latin typeface="Verdana"/>
-                <a:ea typeface="Verdana"/>
+                <a:latin typeface="Verdana" panose="020B0604030504040204"/>
+                <a:ea typeface="Verdana" panose="020B0604030504040204"/>
               </a:rPr>
               <a:t>Instructor</a:t>
             </a:r>
-            <a:endParaRPr b="0" lang="en-US" sz="2650" spc="-1" strike="noStrike">
-              <a:solidFill>
-                <a:srgbClr val="000000"/>
-              </a:solidFill>
-              <a:latin typeface="Arial"/>
-            </a:endParaRPr>
-          </a:p>
-          <a:p>
-            <a:pPr marL="194400" algn="ctr">
+            <a:endParaRPr lang="en-US" sz="2650" b="0" strike="noStrike" spc="-1">
+              <a:solidFill>
+                <a:srgbClr val="000000"/>
+              </a:solidFill>
+              <a:latin typeface="Arial" panose="020B0604020202020204"/>
+            </a:endParaRPr>
+          </a:p>
+          <a:p>
+            <a:pPr marL="194310" algn="ctr">
               <a:lnSpc>
                 <a:spcPct val="115000"/>
               </a:lnSpc>
               <a:buNone/>
               <a:tabLst>
-                <a:tab algn="l" pos="0"/>
+                <a:tab pos="0" algn="l"/>
               </a:tabLst>
             </a:pPr>
             <a:br>
               <a:rPr sz="2400"/>
             </a:br>
             <a:r>
-              <a:rPr b="0" lang="en-US" sz="2400" spc="-1" strike="noStrike">
+              <a:rPr lang="en-US" sz="2400" b="0" strike="noStrike" spc="-1">
                 <a:solidFill>
-                  <a:srgbClr val="ffffff"/>
+                  <a:srgbClr val="FFFFFF"/>
                 </a:solidFill>
-                <a:latin typeface="Arial"/>
-                <a:ea typeface="Arial"/>
+                <a:latin typeface="Arial" panose="020B0604020202020204"/>
+                <a:ea typeface="Arial" panose="020B0604020202020204"/>
               </a:rPr>
               <a:t>Austin French</a:t>
             </a:r>
-            <a:endParaRPr b="0" lang="en-US" sz="2400" spc="-1" strike="noStrike">
-              <a:solidFill>
-                <a:srgbClr val="000000"/>
-              </a:solidFill>
-              <a:latin typeface="Arial"/>
-            </a:endParaRPr>
-          </a:p>
-          <a:p>
-            <a:pPr marL="194400" algn="ctr">
+            <a:endParaRPr lang="en-US" sz="2400" b="0" strike="noStrike" spc="-1">
+              <a:solidFill>
+                <a:srgbClr val="000000"/>
+              </a:solidFill>
+              <a:latin typeface="Arial" panose="020B0604020202020204"/>
+            </a:endParaRPr>
+          </a:p>
+          <a:p>
+            <a:pPr marL="194310" algn="ctr">
               <a:lnSpc>
                 <a:spcPct val="115000"/>
               </a:lnSpc>
               <a:buNone/>
               <a:tabLst>
-                <a:tab algn="l" pos="0"/>
+                <a:tab pos="0" algn="l"/>
               </a:tabLst>
             </a:pPr>
             <a:r>
-              <a:rPr b="0" lang="en-US" sz="2000" spc="-1" strike="noStrike">
+              <a:rPr lang="en-US" sz="2000" b="0" strike="noStrike" spc="-1">
                 <a:solidFill>
-                  <a:srgbClr val="ffffff"/>
+                  <a:srgbClr val="FFFFFF"/>
                 </a:solidFill>
-                <a:latin typeface="Arial"/>
-                <a:ea typeface="Arial"/>
+                <a:latin typeface="Arial" panose="020B0604020202020204"/>
+                <a:ea typeface="Arial" panose="020B0604020202020204"/>
               </a:rPr>
               <a:t>Austin.french@smoothstack.com</a:t>
             </a:r>
-            <a:endParaRPr b="0" lang="en-US" sz="2000" spc="-1" strike="noStrike">
-              <a:solidFill>
-                <a:srgbClr val="000000"/>
-              </a:solidFill>
-              <a:latin typeface="Arial"/>
+            <a:endParaRPr lang="en-US" sz="2000" b="0" strike="noStrike" spc="-1">
+              <a:solidFill>
+                <a:srgbClr val="000000"/>
+              </a:solidFill>
+              <a:latin typeface="Arial" panose="020B0604020202020204"/>
             </a:endParaRPr>
           </a:p>
         </p:txBody>
@@ -7607,88 +7849,90 @@
             <a:normAutofit/>
           </a:bodyPr>
           <a:p>
-            <a:pPr marL="194400" algn="ctr">
+            <a:pPr marL="194310" algn="ctr">
               <a:lnSpc>
                 <a:spcPct val="200000"/>
               </a:lnSpc>
               <a:buNone/>
               <a:tabLst>
-                <a:tab algn="l" pos="0"/>
+                <a:tab pos="0" algn="l"/>
               </a:tabLst>
             </a:pPr>
             <a:r>
-              <a:rPr b="1" lang="en-US" sz="2100" spc="-1" strike="noStrike">
+              <a:rPr lang="en-US" sz="2100" b="1" strike="noStrike" spc="-1">
                 <a:solidFill>
-                  <a:srgbClr val="2d059d"/>
+                  <a:srgbClr val="2D059D"/>
                 </a:solidFill>
-                <a:latin typeface="Verdana"/>
-                <a:ea typeface="Verdana"/>
+                <a:latin typeface="Verdana" panose="020B0604030504040204"/>
+                <a:ea typeface="Verdana" panose="020B0604030504040204"/>
               </a:rPr>
               <a:t>Python Cloud Day 4</a:t>
             </a:r>
-            <a:endParaRPr b="0" lang="en-US" sz="2100" spc="-1" strike="noStrike">
-              <a:solidFill>
-                <a:srgbClr val="000000"/>
-              </a:solidFill>
-              <a:latin typeface="Arial"/>
-            </a:endParaRPr>
-          </a:p>
-          <a:p>
-            <a:pPr marL="194400" algn="ctr">
+            <a:endParaRPr lang="en-US" sz="2100" b="0" strike="noStrike" spc="-1">
+              <a:solidFill>
+                <a:srgbClr val="000000"/>
+              </a:solidFill>
+              <a:latin typeface="Arial" panose="020B0604020202020204"/>
+            </a:endParaRPr>
+          </a:p>
+          <a:p>
+            <a:pPr marL="194310" algn="ctr">
               <a:lnSpc>
                 <a:spcPct val="200000"/>
               </a:lnSpc>
               <a:buNone/>
               <a:tabLst>
-                <a:tab algn="l" pos="0"/>
+                <a:tab pos="0" algn="l"/>
               </a:tabLst>
             </a:pPr>
             <a:r>
-              <a:rPr b="0" lang="en-US" sz="2100" spc="-1" strike="noStrike">
+              <a:rPr lang="en-US" sz="2100" b="0" strike="noStrike" spc="-1">
                 <a:solidFill>
-                  <a:srgbClr val="2d059d"/>
+                  <a:srgbClr val="2D059D"/>
                 </a:solidFill>
-                <a:latin typeface="Verdana"/>
-                <a:ea typeface="Verdana"/>
+                <a:latin typeface="Verdana" panose="020B0604030504040204"/>
+                <a:ea typeface="Verdana" panose="020B0604030504040204"/>
               </a:rPr>
               <a:t>learn.smoothstack.com</a:t>
             </a:r>
-            <a:endParaRPr b="0" lang="en-US" sz="2100" spc="-1" strike="noStrike">
-              <a:solidFill>
-                <a:srgbClr val="000000"/>
-              </a:solidFill>
-              <a:latin typeface="Arial"/>
-            </a:endParaRPr>
-          </a:p>
-          <a:p>
-            <a:pPr marL="609120" indent="-332280">
+            <a:endParaRPr lang="en-US" sz="2100" b="0" strike="noStrike" spc="-1">
+              <a:solidFill>
+                <a:srgbClr val="000000"/>
+              </a:solidFill>
+              <a:latin typeface="Arial" panose="020B0604020202020204"/>
+            </a:endParaRPr>
+          </a:p>
+          <a:p>
+            <a:pPr marL="608965" indent="-332105">
               <a:lnSpc>
                 <a:spcPct val="115000"/>
               </a:lnSpc>
               <a:buNone/>
               <a:tabLst>
-                <a:tab algn="l" pos="0"/>
+                <a:tab pos="0" algn="l"/>
               </a:tabLst>
             </a:pPr>
-            <a:endParaRPr b="0" lang="en-US" sz="2800" spc="-1" strike="noStrike">
-              <a:solidFill>
-                <a:srgbClr val="000000"/>
-              </a:solidFill>
-              <a:latin typeface="Arial"/>
+            <a:endParaRPr lang="en-US" sz="2800" b="0" strike="noStrike" spc="-1">
+              <a:solidFill>
+                <a:srgbClr val="000000"/>
+              </a:solidFill>
+              <a:latin typeface="Arial" panose="020B0604020202020204"/>
             </a:endParaRPr>
           </a:p>
         </p:txBody>
       </p:sp>
       <p:pic>
         <p:nvPicPr>
-          <p:cNvPr id="125" name="Google Shape;127;p1" descr=""/>
+          <p:cNvPr id="125" name="Google Shape;127;p1"/>
           <p:cNvPicPr/>
           <p:nvPr/>
         </p:nvPicPr>
         <p:blipFill>
           <a:blip r:embed="rId1"/>
           <a:srcRect l="6625" t="36368" r="7090" b="36778"/>
-          <a:stretch/>
+          <a:stretch>
+            <a:fillRect/>
+          </a:stretch>
         </p:blipFill>
         <p:spPr>
           <a:xfrm>
@@ -7705,8 +7949,11 @@
       </p:pic>
     </p:spTree>
   </p:cSld>
-  <mc:AlternateContent>
-    <mc:Choice Requires="p14">
+  <p:clrMapOvr>
+    <a:masterClrMapping/>
+  </p:clrMapOvr>
+  <mc:AlternateContent xmlns:mc="http://schemas.openxmlformats.org/markup-compatibility/2006">
+    <mc:Choice xmlns:p14="http://schemas.microsoft.com/office/powerpoint/2010/main" Requires="p14">
       <p:transition spd="slow" p14:dur="2000"/>
     </mc:Choice>
     <mc:Fallback>
@@ -7717,7 +7964,7 @@
 </file>
 
 <file path=ppt/slides/slide2.xml><?xml version="1.0" encoding="utf-8"?>
-<p:sld xmlns:a="http://schemas.openxmlformats.org/drawingml/2006/main" xmlns:p="http://schemas.openxmlformats.org/presentationml/2006/main" xmlns:r="http://schemas.openxmlformats.org/officeDocument/2006/relationships" xmlns:p14="http://schemas.microsoft.com/office/powerpoint/2010/main" xmlns:p15="http://schemas.microsoft.com/office/powerpoint/2012/main" xmlns:mc="http://schemas.openxmlformats.org/markup-compatibility/2006">
+<p:sld xmlns:a="http://schemas.openxmlformats.org/drawingml/2006/main" xmlns:r="http://schemas.openxmlformats.org/officeDocument/2006/relationships" xmlns:p="http://schemas.openxmlformats.org/presentationml/2006/main">
   <p:cSld>
     <p:spTree>
       <p:nvGrpSpPr>
@@ -7767,24 +8014,24 @@
               </a:lnSpc>
               <a:buNone/>
               <a:tabLst>
-                <a:tab algn="l" pos="0"/>
+                <a:tab pos="0" algn="l"/>
               </a:tabLst>
             </a:pPr>
             <a:r>
-              <a:rPr b="0" lang="en-US" sz="2800" spc="-1" strike="noStrike">
+              <a:rPr lang="en-US" sz="2800" b="0" strike="noStrike" spc="-1">
                 <a:solidFill>
-                  <a:srgbClr val="2d059d"/>
+                  <a:srgbClr val="2D059D"/>
                 </a:solidFill>
-                <a:latin typeface="Constantia"/>
-                <a:ea typeface="Constantia"/>
+                <a:latin typeface="Constantia" panose="02030602050306030303"/>
+                <a:ea typeface="Constantia" panose="02030602050306030303"/>
               </a:rPr>
               <a:t>Learning Objectives</a:t>
             </a:r>
-            <a:endParaRPr b="0" lang="en-US" sz="2800" spc="-1" strike="noStrike">
-              <a:solidFill>
-                <a:srgbClr val="000000"/>
-              </a:solidFill>
-              <a:latin typeface="Arial"/>
+            <a:endParaRPr lang="en-US" sz="2800" b="0" strike="noStrike" spc="-1">
+              <a:solidFill>
+                <a:srgbClr val="000000"/>
+              </a:solidFill>
+              <a:latin typeface="Arial" panose="020B0604020202020204"/>
             </a:endParaRPr>
           </a:p>
         </p:txBody>
@@ -7817,136 +8064,146 @@
             <a:normAutofit/>
           </a:bodyPr>
           <a:p>
-            <a:pPr marL="432000" indent="-324000">
+            <a:pPr marL="431800" indent="-323850">
               <a:spcBef>
-                <a:spcPts val="1417"/>
+                <a:spcPts val="1415"/>
               </a:spcBef>
               <a:buClr>
                 <a:srgbClr val="000000"/>
               </a:buClr>
               <a:buSzPct val="45000"/>
-              <a:buFont typeface="Wingdings" charset="2"/>
+              <a:buFont typeface="Wingdings" panose="05000000000000000000" pitchFamily="2" charset="2"/>
               <a:buChar char=""/>
             </a:pPr>
             <a:r>
-              <a:rPr b="0" lang="en-US" sz="2000" spc="-1" strike="noStrike">
+              <a:rPr lang="en-US" sz="2000" b="0" strike="noStrike" spc="-1">
                 <a:solidFill>
-                  <a:srgbClr val="6b038b"/>
+                  <a:srgbClr val="6B038B"/>
                 </a:solidFill>
-                <a:latin typeface="Roboto"/>
+                <a:latin typeface="Constantia" panose="02030602050306030303" charset="0"/>
                 <a:ea typeface="Roboto"/>
+                <a:cs typeface="Constantia" panose="02030602050306030303" charset="0"/>
               </a:rPr>
               <a:t>Flask-Login and WTForms</a:t>
             </a:r>
-            <a:endParaRPr b="0" lang="en-US" sz="2000" spc="-1" strike="noStrike">
-              <a:solidFill>
-                <a:srgbClr val="000000"/>
-              </a:solidFill>
-              <a:latin typeface="Arial"/>
-            </a:endParaRPr>
-          </a:p>
-          <a:p>
-            <a:pPr marL="432000" indent="-324000">
+            <a:endParaRPr lang="en-US" sz="2000" b="0" strike="noStrike" spc="-1">
+              <a:solidFill>
+                <a:srgbClr val="000000"/>
+              </a:solidFill>
+              <a:latin typeface="Constantia" panose="02030602050306030303" charset="0"/>
+              <a:cs typeface="Constantia" panose="02030602050306030303" charset="0"/>
+            </a:endParaRPr>
+          </a:p>
+          <a:p>
+            <a:pPr marL="431800" indent="-323850">
               <a:lnSpc>
                 <a:spcPct val="100000"/>
               </a:lnSpc>
               <a:spcBef>
-                <a:spcPts val="1417"/>
+                <a:spcPts val="1415"/>
               </a:spcBef>
               <a:buClr>
                 <a:srgbClr val="000000"/>
               </a:buClr>
               <a:buSzPct val="45000"/>
-              <a:buFont typeface="Wingdings" charset="2"/>
+              <a:buFont typeface="Wingdings" panose="05000000000000000000" pitchFamily="2" charset="2"/>
               <a:buChar char=""/>
             </a:pPr>
             <a:r>
-              <a:rPr b="0" lang="en-US" sz="2000" spc="-1" strike="noStrike">
+              <a:rPr lang="en-US" sz="2000" b="0" strike="noStrike" spc="-1">
                 <a:solidFill>
-                  <a:srgbClr val="6b038b"/>
+                  <a:srgbClr val="6B038B"/>
                 </a:solidFill>
-                <a:latin typeface="Roboto"/>
+                <a:latin typeface="Constantia" panose="02030602050306030303" charset="0"/>
                 <a:ea typeface="Roboto"/>
+                <a:cs typeface="Constantia" panose="02030602050306030303" charset="0"/>
               </a:rPr>
               <a:t>Flask-SQLAlchemy and ORM</a:t>
             </a:r>
-            <a:endParaRPr b="0" lang="en-US" sz="2000" spc="-1" strike="noStrike">
-              <a:solidFill>
-                <a:srgbClr val="000000"/>
-              </a:solidFill>
-              <a:latin typeface="Arial"/>
-            </a:endParaRPr>
-          </a:p>
-          <a:p>
-            <a:pPr marL="432000" indent="-324000">
+            <a:endParaRPr lang="en-US" sz="2000" b="0" strike="noStrike" spc="-1">
+              <a:solidFill>
+                <a:srgbClr val="000000"/>
+              </a:solidFill>
+              <a:latin typeface="Constantia" panose="02030602050306030303" charset="0"/>
+              <a:cs typeface="Constantia" panose="02030602050306030303" charset="0"/>
+            </a:endParaRPr>
+          </a:p>
+          <a:p>
+            <a:pPr marL="431800" indent="-323850">
               <a:spcBef>
-                <a:spcPts val="1417"/>
+                <a:spcPts val="1415"/>
               </a:spcBef>
               <a:buClr>
                 <a:srgbClr val="000000"/>
               </a:buClr>
               <a:buSzPct val="45000"/>
-              <a:buFont typeface="Wingdings" charset="2"/>
+              <a:buFont typeface="Wingdings" panose="05000000000000000000" pitchFamily="2" charset="2"/>
               <a:buChar char=""/>
             </a:pPr>
             <a:r>
-              <a:rPr b="0" lang="en-US" sz="2000" spc="-1" strike="noStrike">
+              <a:rPr lang="en-US" sz="2000" b="0" strike="noStrike" spc="-1">
                 <a:solidFill>
-                  <a:srgbClr val="6b038b"/>
+                  <a:srgbClr val="6B038B"/>
                 </a:solidFill>
-                <a:latin typeface="Roboto"/>
+                <a:latin typeface="Constantia" panose="02030602050306030303" charset="0"/>
                 <a:ea typeface="Roboto"/>
+                <a:cs typeface="Constantia" panose="02030602050306030303" charset="0"/>
               </a:rPr>
               <a:t>Testing Flask Applications</a:t>
             </a:r>
-            <a:endParaRPr b="0" lang="en-US" sz="2000" spc="-1" strike="noStrike">
-              <a:solidFill>
-                <a:srgbClr val="000000"/>
-              </a:solidFill>
-              <a:latin typeface="Arial"/>
-            </a:endParaRPr>
-          </a:p>
-          <a:p>
-            <a:pPr marL="432000" indent="-324000">
+            <a:endParaRPr lang="en-US" sz="2000" b="0" strike="noStrike" spc="-1">
+              <a:solidFill>
+                <a:srgbClr val="000000"/>
+              </a:solidFill>
+              <a:latin typeface="Constantia" panose="02030602050306030303" charset="0"/>
+              <a:cs typeface="Constantia" panose="02030602050306030303" charset="0"/>
+            </a:endParaRPr>
+          </a:p>
+          <a:p>
+            <a:pPr marL="431800" indent="-323850">
               <a:spcBef>
-                <a:spcPts val="1417"/>
+                <a:spcPts val="1415"/>
               </a:spcBef>
               <a:buClr>
                 <a:srgbClr val="000000"/>
               </a:buClr>
               <a:buSzPct val="45000"/>
-              <a:buFont typeface="Wingdings" charset="2"/>
+              <a:buFont typeface="Wingdings" panose="05000000000000000000" pitchFamily="2" charset="2"/>
               <a:buChar char=""/>
             </a:pPr>
             <a:r>
-              <a:rPr b="0" lang="en-US" sz="2000" spc="-1" strike="noStrike">
+              <a:rPr lang="en-US" sz="2000" b="0" strike="noStrike" spc="-1">
                 <a:solidFill>
-                  <a:srgbClr val="6b038b"/>
+                  <a:srgbClr val="6B038B"/>
                 </a:solidFill>
-                <a:latin typeface="Roboto"/>
+                <a:latin typeface="Constantia" panose="02030602050306030303" charset="0"/>
                 <a:ea typeface="Roboto"/>
+                <a:cs typeface="Constantia" panose="02030602050306030303" charset="0"/>
               </a:rPr>
               <a:t>Bootstrap</a:t>
             </a:r>
-            <a:endParaRPr b="0" lang="en-US" sz="2000" spc="-1" strike="noStrike">
-              <a:solidFill>
-                <a:srgbClr val="000000"/>
-              </a:solidFill>
-              <a:latin typeface="Arial"/>
+            <a:endParaRPr lang="en-US" sz="2000" b="0" strike="noStrike" spc="-1">
+              <a:solidFill>
+                <a:srgbClr val="000000"/>
+              </a:solidFill>
+              <a:latin typeface="Constantia" panose="02030602050306030303" charset="0"/>
+              <a:cs typeface="Constantia" panose="02030602050306030303" charset="0"/>
             </a:endParaRPr>
           </a:p>
         </p:txBody>
       </p:sp>
       <p:pic>
         <p:nvPicPr>
-          <p:cNvPr id="128" name="Google Shape;134;p2" descr=""/>
+          <p:cNvPr id="128" name="Google Shape;134;p2"/>
           <p:cNvPicPr/>
           <p:nvPr/>
         </p:nvPicPr>
         <p:blipFill>
           <a:blip r:embed="rId1"/>
           <a:srcRect l="6625" t="36368" r="7090" b="36778"/>
-          <a:stretch/>
+          <a:stretch>
+            <a:fillRect/>
+          </a:stretch>
         </p:blipFill>
         <p:spPr>
           <a:xfrm>
@@ -7963,8 +8220,11 @@
       </p:pic>
     </p:spTree>
   </p:cSld>
-  <mc:AlternateContent>
-    <mc:Choice Requires="p14">
+  <p:clrMapOvr>
+    <a:masterClrMapping/>
+  </p:clrMapOvr>
+  <mc:AlternateContent xmlns:mc="http://schemas.openxmlformats.org/markup-compatibility/2006">
+    <mc:Choice xmlns:p14="http://schemas.microsoft.com/office/powerpoint/2010/main" Requires="p14">
       <p:transition spd="slow" p14:dur="2000"/>
     </mc:Choice>
     <mc:Fallback>
@@ -7975,7 +8235,7 @@
 </file>
 
 <file path=ppt/slides/slide3.xml><?xml version="1.0" encoding="utf-8"?>
-<p:sld xmlns:a="http://schemas.openxmlformats.org/drawingml/2006/main" xmlns:p="http://schemas.openxmlformats.org/presentationml/2006/main" xmlns:r="http://schemas.openxmlformats.org/officeDocument/2006/relationships" xmlns:p14="http://schemas.microsoft.com/office/powerpoint/2010/main" xmlns:p15="http://schemas.microsoft.com/office/powerpoint/2012/main" xmlns:mc="http://schemas.openxmlformats.org/markup-compatibility/2006">
+<p:sld xmlns:a="http://schemas.openxmlformats.org/drawingml/2006/main" xmlns:r="http://schemas.openxmlformats.org/officeDocument/2006/relationships" xmlns:p="http://schemas.openxmlformats.org/presentationml/2006/main">
   <p:cSld>
     <p:spTree>
       <p:nvGrpSpPr>
@@ -8026,20 +8286,22 @@
               <a:buNone/>
             </a:pPr>
             <a:r>
-              <a:rPr b="0" lang="en-US" sz="2800" spc="-1" strike="noStrike">
+              <a:rPr lang="en-US" sz="2800" b="0" strike="noStrike" spc="-1">
                 <a:solidFill>
-                  <a:srgbClr val="2d059d"/>
+                  <a:srgbClr val="2D059D"/>
                 </a:solidFill>
-                <a:latin typeface="Merriweather"/>
+                <a:latin typeface="Constantia" panose="02030602050306030303" charset="0"/>
+                <a:cs typeface="Constantia" panose="02030602050306030303" charset="0"/>
               </a:rPr>
               <a:t>Flask-Login and Flask-WTForms</a:t>
             </a:r>
-            <a:endParaRPr b="0" lang="en-US" sz="2800" spc="-1" strike="noStrike">
-              <a:solidFill>
-                <a:srgbClr val="2d059d"/>
-              </a:solidFill>
-              <a:latin typeface="Merriweather"/>
+            <a:endParaRPr lang="en-US" sz="2800" b="0" strike="noStrike" spc="-1">
+              <a:solidFill>
+                <a:srgbClr val="2D059D"/>
+              </a:solidFill>
+              <a:latin typeface="Constantia" panose="02030602050306030303" charset="0"/>
               <a:ea typeface="Merriweather"/>
+              <a:cs typeface="Constantia" panose="02030602050306030303" charset="0"/>
             </a:endParaRPr>
           </a:p>
         </p:txBody>
@@ -8072,114 +8334,117 @@
             <a:noAutofit/>
           </a:bodyPr>
           <a:p>
-            <a:pPr marL="432000" indent="-324000">
+            <a:pPr marL="431800" indent="-323850">
               <a:spcBef>
-                <a:spcPts val="1417"/>
+                <a:spcPts val="1415"/>
               </a:spcBef>
               <a:buClr>
                 <a:srgbClr val="000000"/>
               </a:buClr>
               <a:buSzPct val="45000"/>
-              <a:buFont typeface="Wingdings" charset="2"/>
+              <a:buFont typeface="Wingdings" panose="05000000000000000000" pitchFamily="2" charset="2"/>
               <a:buChar char=""/>
             </a:pPr>
             <a:r>
-              <a:rPr b="0" lang="en-US" sz="2000" spc="-1" strike="noStrike">
+              <a:rPr lang="en-US" sz="2000" b="0" strike="noStrike" spc="-1">
                 <a:solidFill>
                   <a:srgbClr val="000000"/>
                 </a:solidFill>
-                <a:latin typeface="Arial"/>
+                <a:latin typeface="Arial" panose="020B0604020202020204"/>
               </a:rPr>
               <a:t>Flask-Login provides user session management for Flask. It handles the common tasks of logging in, logging out, and remembering your users’ sessions over extended periods of time.</a:t>
             </a:r>
-            <a:endParaRPr b="0" lang="en-US" sz="2000" spc="-1" strike="noStrike">
-              <a:solidFill>
-                <a:srgbClr val="000000"/>
-              </a:solidFill>
-              <a:latin typeface="Arial"/>
-            </a:endParaRPr>
-          </a:p>
-          <a:p>
-            <a:pPr marL="432000" indent="-324000">
+            <a:endParaRPr lang="en-US" sz="2000" b="0" strike="noStrike" spc="-1">
+              <a:solidFill>
+                <a:srgbClr val="000000"/>
+              </a:solidFill>
+              <a:latin typeface="Arial" panose="020B0604020202020204"/>
+            </a:endParaRPr>
+          </a:p>
+          <a:p>
+            <a:pPr marL="431800" indent="-323850">
               <a:spcBef>
-                <a:spcPts val="1417"/>
+                <a:spcPts val="1415"/>
               </a:spcBef>
               <a:buClr>
                 <a:srgbClr val="000000"/>
               </a:buClr>
               <a:buSzPct val="45000"/>
-              <a:buFont typeface="Wingdings" charset="2"/>
+              <a:buFont typeface="Wingdings" panose="05000000000000000000" pitchFamily="2" charset="2"/>
               <a:buChar char=""/>
             </a:pPr>
             <a:r>
-              <a:rPr b="0" lang="en-US" sz="2000" spc="-1" strike="noStrike">
+              <a:rPr lang="en-US" sz="2000" b="0" strike="noStrike" spc="-1">
                 <a:solidFill>
                   <a:srgbClr val="000000"/>
                 </a:solidFill>
-                <a:latin typeface="Arial"/>
+                <a:latin typeface="Arial" panose="020B0604020202020204"/>
               </a:rPr>
               <a:t>Flask-WTForms is a simple integration of Flask and WTForms, including CSRF, file upload, and reCAPTCHA support.</a:t>
             </a:r>
-            <a:endParaRPr b="0" lang="en-US" sz="2000" spc="-1" strike="noStrike">
-              <a:solidFill>
-                <a:srgbClr val="000000"/>
-              </a:solidFill>
-              <a:latin typeface="Arial"/>
-            </a:endParaRPr>
-          </a:p>
-          <a:p>
-            <a:pPr marL="432000" indent="-324000">
+            <a:endParaRPr lang="en-US" sz="2000" b="0" strike="noStrike" spc="-1">
+              <a:solidFill>
+                <a:srgbClr val="000000"/>
+              </a:solidFill>
+              <a:latin typeface="Arial" panose="020B0604020202020204"/>
+            </a:endParaRPr>
+          </a:p>
+          <a:p>
+            <a:pPr marL="431800" indent="-323850">
               <a:spcBef>
-                <a:spcPts val="1417"/>
+                <a:spcPts val="1415"/>
               </a:spcBef>
               <a:buClr>
                 <a:srgbClr val="000000"/>
               </a:buClr>
               <a:buSzPct val="45000"/>
-              <a:buFont typeface="Wingdings" charset="2"/>
+              <a:buFont typeface="Wingdings" panose="05000000000000000000" pitchFamily="2" charset="2"/>
               <a:buChar char=""/>
             </a:pPr>
             <a:r>
-              <a:rPr b="0" lang="en-US" sz="2000" spc="-1" strike="noStrike">
+              <a:rPr lang="en-US" sz="2000" b="0" strike="noStrike" spc="-1">
                 <a:solidFill>
                   <a:srgbClr val="000000"/>
                 </a:solidFill>
-                <a:latin typeface="Arial"/>
+                <a:latin typeface="Arial" panose="020B0604020202020204"/>
               </a:rPr>
               <a:t>You can use Flask-Login in conjunction with SQLAlchemy to store your user data in a database and Flask-WTForms to handle your login and registration forms.</a:t>
             </a:r>
-            <a:endParaRPr b="0" lang="en-US" sz="2000" spc="-1" strike="noStrike">
-              <a:solidFill>
-                <a:srgbClr val="000000"/>
-              </a:solidFill>
-              <a:latin typeface="Arial"/>
-            </a:endParaRPr>
-          </a:p>
-          <a:p>
-            <a:pPr marL="432000" indent="-324000">
+            <a:endParaRPr lang="en-US" sz="2000" b="0" strike="noStrike" spc="-1">
+              <a:solidFill>
+                <a:srgbClr val="000000"/>
+              </a:solidFill>
+              <a:latin typeface="Arial" panose="020B0604020202020204"/>
+            </a:endParaRPr>
+          </a:p>
+          <a:p>
+            <a:pPr marL="431800" indent="-323850">
               <a:spcBef>
-                <a:spcPts val="1417"/>
+                <a:spcPts val="1415"/>
               </a:spcBef>
               <a:buClr>
                 <a:srgbClr val="000000"/>
               </a:buClr>
               <a:buSzPct val="45000"/>
-              <a:buFont typeface="Wingdings" charset="2"/>
+              <a:buFont typeface="Wingdings" panose="05000000000000000000" pitchFamily="2" charset="2"/>
               <a:buChar char=""/>
             </a:pPr>
-            <a:endParaRPr b="0" lang="en-US" sz="2000" spc="-1" strike="noStrike">
-              <a:solidFill>
-                <a:srgbClr val="000000"/>
-              </a:solidFill>
-              <a:latin typeface="Arial"/>
+            <a:endParaRPr lang="en-US" sz="2000" b="0" strike="noStrike" spc="-1">
+              <a:solidFill>
+                <a:srgbClr val="000000"/>
+              </a:solidFill>
+              <a:latin typeface="Arial" panose="020B0604020202020204"/>
             </a:endParaRPr>
           </a:p>
         </p:txBody>
       </p:sp>
     </p:spTree>
   </p:cSld>
-  <mc:AlternateContent>
-    <mc:Choice Requires="p14">
+  <p:clrMapOvr>
+    <a:masterClrMapping/>
+  </p:clrMapOvr>
+  <mc:AlternateContent xmlns:mc="http://schemas.openxmlformats.org/markup-compatibility/2006">
+    <mc:Choice xmlns:p14="http://schemas.microsoft.com/office/powerpoint/2010/main" Requires="p14">
       <p:transition spd="slow" p14:dur="2000"/>
     </mc:Choice>
     <mc:Fallback>
@@ -8190,7 +8455,7 @@
 </file>
 
 <file path=ppt/slides/slide4.xml><?xml version="1.0" encoding="utf-8"?>
-<p:sld xmlns:a="http://schemas.openxmlformats.org/drawingml/2006/main" xmlns:p="http://schemas.openxmlformats.org/presentationml/2006/main" xmlns:r="http://schemas.openxmlformats.org/officeDocument/2006/relationships" xmlns:p14="http://schemas.microsoft.com/office/powerpoint/2010/main" xmlns:p15="http://schemas.microsoft.com/office/powerpoint/2012/main" xmlns:mc="http://schemas.openxmlformats.org/markup-compatibility/2006">
+<p:sld xmlns:a="http://schemas.openxmlformats.org/drawingml/2006/main" xmlns:r="http://schemas.openxmlformats.org/officeDocument/2006/relationships" xmlns:p="http://schemas.openxmlformats.org/presentationml/2006/main">
   <p:cSld>
     <p:spTree>
       <p:nvGrpSpPr>
@@ -8241,20 +8506,22 @@
               <a:buNone/>
             </a:pPr>
             <a:r>
-              <a:rPr b="0" lang="en-US" sz="2800" spc="-1" strike="noStrike">
+              <a:rPr lang="en-US" sz="2800" b="0" strike="noStrike" spc="-1">
                 <a:solidFill>
-                  <a:srgbClr val="2d059d"/>
+                  <a:srgbClr val="2D059D"/>
                 </a:solidFill>
-                <a:latin typeface="Merriweather"/>
+                <a:latin typeface="Constantia" panose="02030602050306030303" charset="0"/>
+                <a:cs typeface="Constantia" panose="02030602050306030303" charset="0"/>
               </a:rPr>
               <a:t>SQLAlchemy ORM</a:t>
             </a:r>
-            <a:endParaRPr b="0" lang="en-US" sz="2800" spc="-1" strike="noStrike">
-              <a:solidFill>
-                <a:srgbClr val="2d059d"/>
-              </a:solidFill>
-              <a:latin typeface="Merriweather"/>
+            <a:endParaRPr lang="en-US" sz="2800" b="0" strike="noStrike" spc="-1">
+              <a:solidFill>
+                <a:srgbClr val="2D059D"/>
+              </a:solidFill>
+              <a:latin typeface="Constantia" panose="02030602050306030303" charset="0"/>
               <a:ea typeface="Merriweather"/>
+              <a:cs typeface="Constantia" panose="02030602050306030303" charset="0"/>
             </a:endParaRPr>
           </a:p>
         </p:txBody>
@@ -8287,151 +8554,154 @@
             <a:noAutofit/>
           </a:bodyPr>
           <a:p>
-            <a:pPr marL="432000" indent="-324000">
+            <a:pPr marL="431800" indent="-323850">
               <a:spcBef>
-                <a:spcPts val="1417"/>
+                <a:spcPts val="1415"/>
               </a:spcBef>
               <a:buClr>
                 <a:srgbClr val="000000"/>
               </a:buClr>
               <a:buSzPct val="45000"/>
-              <a:buFont typeface="Wingdings" charset="2"/>
+              <a:buFont typeface="Wingdings" panose="05000000000000000000" pitchFamily="2" charset="2"/>
               <a:buChar char=""/>
             </a:pPr>
             <a:r>
-              <a:rPr b="0" lang="en-US" sz="2000" spc="-1" strike="noStrike">
+              <a:rPr lang="en-US" sz="2000" b="0" strike="noStrike" spc="-1">
                 <a:solidFill>
                   <a:srgbClr val="000000"/>
                 </a:solidFill>
-                <a:latin typeface="Arial"/>
+                <a:latin typeface="Arial" panose="020B0604020202020204"/>
               </a:rPr>
               <a:t>ORM stands for Object Relational Mapping. It is a technique that lets you query and manipulate data from a database using an object-oriented paradigm.</a:t>
             </a:r>
-            <a:endParaRPr b="0" lang="en-US" sz="2000" spc="-1" strike="noStrike">
-              <a:solidFill>
-                <a:srgbClr val="000000"/>
-              </a:solidFill>
-              <a:latin typeface="Arial"/>
-            </a:endParaRPr>
-          </a:p>
-          <a:p>
-            <a:pPr marL="432000" indent="-324000">
+            <a:endParaRPr lang="en-US" sz="2000" b="0" strike="noStrike" spc="-1">
+              <a:solidFill>
+                <a:srgbClr val="000000"/>
+              </a:solidFill>
+              <a:latin typeface="Arial" panose="020B0604020202020204"/>
+            </a:endParaRPr>
+          </a:p>
+          <a:p>
+            <a:pPr marL="431800" indent="-323850">
               <a:spcBef>
-                <a:spcPts val="1417"/>
+                <a:spcPts val="1415"/>
               </a:spcBef>
               <a:buClr>
                 <a:srgbClr val="000000"/>
               </a:buClr>
               <a:buSzPct val="45000"/>
-              <a:buFont typeface="Wingdings" charset="2"/>
+              <a:buFont typeface="Wingdings" panose="05000000000000000000" pitchFamily="2" charset="2"/>
               <a:buChar char=""/>
             </a:pPr>
             <a:r>
-              <a:rPr b="0" lang="en-US" sz="2000" spc="-1" strike="noStrike">
+              <a:rPr lang="en-US" sz="2000" b="0" strike="noStrike" spc="-1">
                 <a:solidFill>
                   <a:srgbClr val="000000"/>
                 </a:solidFill>
-                <a:latin typeface="Arial"/>
+                <a:latin typeface="Arial" panose="020B0604020202020204"/>
               </a:rPr>
               <a:t>SQLAlchemy allows you to map an object from a class as a database table</a:t>
             </a:r>
-            <a:endParaRPr b="0" lang="en-US" sz="2000" spc="-1" strike="noStrike">
-              <a:solidFill>
-                <a:srgbClr val="000000"/>
-              </a:solidFill>
-              <a:latin typeface="Arial"/>
-            </a:endParaRPr>
-          </a:p>
-          <a:p>
-            <a:pPr marL="432000" indent="-324000">
+            <a:endParaRPr lang="en-US" sz="2000" b="0" strike="noStrike" spc="-1">
+              <a:solidFill>
+                <a:srgbClr val="000000"/>
+              </a:solidFill>
+              <a:latin typeface="Arial" panose="020B0604020202020204"/>
+            </a:endParaRPr>
+          </a:p>
+          <a:p>
+            <a:pPr marL="431800" indent="-323850">
               <a:spcBef>
-                <a:spcPts val="1417"/>
+                <a:spcPts val="1415"/>
               </a:spcBef>
               <a:buClr>
                 <a:srgbClr val="000000"/>
               </a:buClr>
               <a:buSzPct val="45000"/>
-              <a:buFont typeface="Wingdings" charset="2"/>
+              <a:buFont typeface="Wingdings" panose="05000000000000000000" pitchFamily="2" charset="2"/>
               <a:buChar char=""/>
             </a:pPr>
             <a:r>
-              <a:rPr b="0" lang="en-US" sz="2000" spc="-1" strike="noStrike">
+              <a:rPr lang="en-US" sz="2000" b="0" strike="noStrike" spc="-1">
                 <a:solidFill>
                   <a:srgbClr val="000000"/>
                 </a:solidFill>
-                <a:latin typeface="Arial"/>
+                <a:latin typeface="Arial" panose="020B0604020202020204"/>
               </a:rPr>
               <a:t>You can also create a relationship between tables in a couple of different methods</a:t>
             </a:r>
-            <a:endParaRPr b="0" lang="en-US" sz="2000" spc="-1" strike="noStrike">
-              <a:solidFill>
-                <a:srgbClr val="000000"/>
-              </a:solidFill>
-              <a:latin typeface="Arial"/>
-            </a:endParaRPr>
-          </a:p>
-          <a:p>
-            <a:pPr lvl="1" marL="864000" indent="-324000">
+            <a:endParaRPr lang="en-US" sz="2000" b="0" strike="noStrike" spc="-1">
+              <a:solidFill>
+                <a:srgbClr val="000000"/>
+              </a:solidFill>
+              <a:latin typeface="Arial" panose="020B0604020202020204"/>
+            </a:endParaRPr>
+          </a:p>
+          <a:p>
+            <a:pPr marL="864235" lvl="1" indent="-323850">
               <a:spcBef>
-                <a:spcPts val="1134"/>
+                <a:spcPts val="1135"/>
               </a:spcBef>
               <a:buClr>
                 <a:srgbClr val="000000"/>
               </a:buClr>
               <a:buSzPct val="75000"/>
-              <a:buFont typeface="Symbol" charset="2"/>
+              <a:buFont typeface="Symbol" panose="05050102010706020507" charset="2"/>
               <a:buChar char=""/>
             </a:pPr>
             <a:r>
-              <a:rPr b="0" lang="en-US" sz="2000" spc="-1" strike="noStrike">
+              <a:rPr lang="en-US" sz="2000" b="0" strike="noStrike" spc="-1">
                 <a:solidFill>
                   <a:srgbClr val="000000"/>
                 </a:solidFill>
-                <a:latin typeface="Arial"/>
+                <a:latin typeface="Arial" panose="020B0604020202020204"/>
               </a:rPr>
               <a:t>One to One mapping</a:t>
             </a:r>
-            <a:endParaRPr b="0" lang="en-US" sz="2000" spc="-1" strike="noStrike">
-              <a:solidFill>
-                <a:srgbClr val="000000"/>
-              </a:solidFill>
-              <a:latin typeface="Arial"/>
-            </a:endParaRPr>
-          </a:p>
-          <a:p>
-            <a:pPr lvl="1" marL="864000" indent="-324000">
+            <a:endParaRPr lang="en-US" sz="2000" b="0" strike="noStrike" spc="-1">
+              <a:solidFill>
+                <a:srgbClr val="000000"/>
+              </a:solidFill>
+              <a:latin typeface="Arial" panose="020B0604020202020204"/>
+            </a:endParaRPr>
+          </a:p>
+          <a:p>
+            <a:pPr marL="864235" lvl="1" indent="-323850">
               <a:spcBef>
-                <a:spcPts val="1134"/>
+                <a:spcPts val="1135"/>
               </a:spcBef>
               <a:buClr>
                 <a:srgbClr val="000000"/>
               </a:buClr>
               <a:buSzPct val="75000"/>
-              <a:buFont typeface="Symbol" charset="2"/>
+              <a:buFont typeface="Symbol" panose="05050102010706020507" charset="2"/>
               <a:buChar char=""/>
             </a:pPr>
             <a:r>
-              <a:rPr b="0" lang="en-US" sz="2000" spc="-1" strike="noStrike">
+              <a:rPr lang="en-US" sz="2000" b="0" strike="noStrike" spc="-1">
                 <a:solidFill>
                   <a:srgbClr val="000000"/>
                 </a:solidFill>
-                <a:latin typeface="Arial"/>
+                <a:latin typeface="Arial" panose="020B0604020202020204"/>
               </a:rPr>
               <a:t>One to Many mapping</a:t>
             </a:r>
-            <a:endParaRPr b="0" lang="en-US" sz="2000" spc="-1" strike="noStrike">
-              <a:solidFill>
-                <a:srgbClr val="000000"/>
-              </a:solidFill>
-              <a:latin typeface="Arial"/>
+            <a:endParaRPr lang="en-US" sz="2000" b="0" strike="noStrike" spc="-1">
+              <a:solidFill>
+                <a:srgbClr val="000000"/>
+              </a:solidFill>
+              <a:latin typeface="Arial" panose="020B0604020202020204"/>
             </a:endParaRPr>
           </a:p>
         </p:txBody>
       </p:sp>
     </p:spTree>
   </p:cSld>
-  <mc:AlternateContent>
-    <mc:Choice Requires="p14">
+  <p:clrMapOvr>
+    <a:masterClrMapping/>
+  </p:clrMapOvr>
+  <mc:AlternateContent xmlns:mc="http://schemas.openxmlformats.org/markup-compatibility/2006">
+    <mc:Choice xmlns:p14="http://schemas.microsoft.com/office/powerpoint/2010/main" Requires="p14">
       <p:transition spd="slow" p14:dur="2000"/>
     </mc:Choice>
     <mc:Fallback>
@@ -8442,7 +8712,7 @@
 </file>
 
 <file path=ppt/slides/slide5.xml><?xml version="1.0" encoding="utf-8"?>
-<p:sld xmlns:a="http://schemas.openxmlformats.org/drawingml/2006/main" xmlns:p="http://schemas.openxmlformats.org/presentationml/2006/main" xmlns:r="http://schemas.openxmlformats.org/officeDocument/2006/relationships" xmlns:p14="http://schemas.microsoft.com/office/powerpoint/2010/main" xmlns:p15="http://schemas.microsoft.com/office/powerpoint/2012/main" xmlns:mc="http://schemas.openxmlformats.org/markup-compatibility/2006">
+<p:sld xmlns:a="http://schemas.openxmlformats.org/drawingml/2006/main" xmlns:r="http://schemas.openxmlformats.org/officeDocument/2006/relationships" xmlns:p="http://schemas.openxmlformats.org/presentationml/2006/main">
   <p:cSld>
     <p:spTree>
       <p:nvGrpSpPr>
@@ -8493,20 +8763,22 @@
               <a:buNone/>
             </a:pPr>
             <a:r>
-              <a:rPr b="0" lang="en-US" sz="2800" spc="-1" strike="noStrike">
+              <a:rPr lang="en-US" sz="2800" b="0" strike="noStrike" spc="-1">
                 <a:solidFill>
-                  <a:srgbClr val="2d059d"/>
+                  <a:srgbClr val="2D059D"/>
                 </a:solidFill>
-                <a:latin typeface="Merriweather"/>
+                <a:latin typeface="Constantia" panose="02030602050306030303" charset="0"/>
+                <a:cs typeface="Constantia" panose="02030602050306030303" charset="0"/>
               </a:rPr>
               <a:t>Relationship mapping</a:t>
             </a:r>
-            <a:endParaRPr b="0" lang="en-US" sz="2800" spc="-1" strike="noStrike">
-              <a:solidFill>
-                <a:srgbClr val="2d059d"/>
-              </a:solidFill>
-              <a:latin typeface="Merriweather"/>
+            <a:endParaRPr lang="en-US" sz="2800" b="0" strike="noStrike" spc="-1">
+              <a:solidFill>
+                <a:srgbClr val="2D059D"/>
+              </a:solidFill>
+              <a:latin typeface="Constantia" panose="02030602050306030303" charset="0"/>
               <a:ea typeface="Merriweather"/>
+              <a:cs typeface="Constantia" panose="02030602050306030303" charset="0"/>
             </a:endParaRPr>
           </a:p>
         </p:txBody>
@@ -8539,169 +8811,172 @@
             <a:noAutofit/>
           </a:bodyPr>
           <a:p>
-            <a:pPr marL="432000" indent="-324000">
+            <a:pPr marL="431800" indent="-323850">
               <a:spcBef>
-                <a:spcPts val="1417"/>
+                <a:spcPts val="1415"/>
               </a:spcBef>
               <a:buClr>
                 <a:srgbClr val="000000"/>
               </a:buClr>
               <a:buSzPct val="45000"/>
-              <a:buFont typeface="Wingdings" charset="2"/>
+              <a:buFont typeface="Wingdings" panose="05000000000000000000" pitchFamily="2" charset="2"/>
               <a:buChar char=""/>
             </a:pPr>
             <a:r>
-              <a:rPr b="0" lang="en-US" sz="2000" spc="-1" strike="noStrike">
+              <a:rPr lang="en-US" sz="2000" b="0" strike="noStrike" spc="-1">
                 <a:solidFill>
                   <a:srgbClr val="000000"/>
                 </a:solidFill>
-                <a:latin typeface="Arial"/>
+                <a:latin typeface="Arial" panose="020B0604020202020204"/>
               </a:rPr>
               <a:t>A one-to-one relationship is a relationship between two tables in which each row in one table </a:t>
             </a:r>
             <a:r>
-              <a:rPr b="0" lang="en-US" sz="2000" spc="-1" strike="noStrike">
+              <a:rPr lang="en-US" sz="2000" b="0" strike="noStrike" spc="-1">
                 <a:solidFill>
                   <a:srgbClr val="000000"/>
                 </a:solidFill>
-                <a:latin typeface="Arial"/>
+                <a:latin typeface="Arial" panose="020B0604020202020204"/>
               </a:rPr>
               <a:t>is related to one and only one row in the other table.</a:t>
             </a:r>
-            <a:endParaRPr b="0" lang="en-US" sz="2000" spc="-1" strike="noStrike">
-              <a:solidFill>
-                <a:srgbClr val="000000"/>
-              </a:solidFill>
-              <a:latin typeface="Arial"/>
-            </a:endParaRPr>
-          </a:p>
-          <a:p>
-            <a:pPr lvl="1" marL="864000" indent="-324000">
+            <a:endParaRPr lang="en-US" sz="2000" b="0" strike="noStrike" spc="-1">
+              <a:solidFill>
+                <a:srgbClr val="000000"/>
+              </a:solidFill>
+              <a:latin typeface="Arial" panose="020B0604020202020204"/>
+            </a:endParaRPr>
+          </a:p>
+          <a:p>
+            <a:pPr marL="864235" lvl="1" indent="-323850">
               <a:spcBef>
-                <a:spcPts val="1134"/>
+                <a:spcPts val="1135"/>
               </a:spcBef>
               <a:buClr>
                 <a:srgbClr val="000000"/>
               </a:buClr>
               <a:buSzPct val="75000"/>
-              <a:buFont typeface="Symbol" charset="2"/>
+              <a:buFont typeface="Symbol" panose="05050102010706020507" charset="2"/>
               <a:buChar char=""/>
             </a:pPr>
             <a:r>
-              <a:rPr b="0" lang="en-US" sz="2000" spc="-1" strike="noStrike">
+              <a:rPr lang="en-US" sz="2000" b="0" strike="noStrike" spc="-1">
                 <a:solidFill>
                   <a:srgbClr val="000000"/>
                 </a:solidFill>
-                <a:latin typeface="Arial"/>
+                <a:latin typeface="Arial" panose="020B0604020202020204"/>
               </a:rPr>
               <a:t>Profile has a relationship to user_id from the Users table ( only one profile to one user )</a:t>
             </a:r>
-            <a:endParaRPr b="0" lang="en-US" sz="2000" spc="-1" strike="noStrike">
-              <a:solidFill>
-                <a:srgbClr val="000000"/>
-              </a:solidFill>
-              <a:latin typeface="Arial"/>
-            </a:endParaRPr>
-          </a:p>
-          <a:p>
-            <a:pPr marL="432000" indent="-324000">
+            <a:endParaRPr lang="en-US" sz="2000" b="0" strike="noStrike" spc="-1">
+              <a:solidFill>
+                <a:srgbClr val="000000"/>
+              </a:solidFill>
+              <a:latin typeface="Arial" panose="020B0604020202020204"/>
+            </a:endParaRPr>
+          </a:p>
+          <a:p>
+            <a:pPr marL="431800" indent="-323850">
               <a:spcBef>
-                <a:spcPts val="1417"/>
+                <a:spcPts val="1415"/>
               </a:spcBef>
               <a:buClr>
                 <a:srgbClr val="000000"/>
               </a:buClr>
               <a:buSzPct val="45000"/>
-              <a:buFont typeface="Wingdings" charset="2"/>
+              <a:buFont typeface="Wingdings" panose="05000000000000000000" pitchFamily="2" charset="2"/>
               <a:buChar char=""/>
             </a:pPr>
             <a:r>
-              <a:rPr b="0" lang="en-US" sz="2000" spc="-1" strike="noStrike">
+              <a:rPr lang="en-US" sz="2000" b="0" strike="noStrike" spc="-1">
                 <a:solidFill>
                   <a:srgbClr val="000000"/>
                 </a:solidFill>
-                <a:latin typeface="Arial"/>
+                <a:latin typeface="Arial" panose="020B0604020202020204"/>
               </a:rPr>
               <a:t>A one-to-many relationship is a relationship between two tables in which each row in one </a:t>
             </a:r>
             <a:r>
-              <a:rPr b="0" lang="en-US" sz="2000" spc="-1" strike="noStrike">
+              <a:rPr lang="en-US" sz="2000" b="0" strike="noStrike" spc="-1">
                 <a:solidFill>
                   <a:srgbClr val="000000"/>
                 </a:solidFill>
-                <a:latin typeface="Arial"/>
+                <a:latin typeface="Arial" panose="020B0604020202020204"/>
               </a:rPr>
               <a:t>table is related to one or more rows in the other table.</a:t>
             </a:r>
-            <a:endParaRPr b="0" lang="en-US" sz="2000" spc="-1" strike="noStrike">
-              <a:solidFill>
-                <a:srgbClr val="000000"/>
-              </a:solidFill>
-              <a:latin typeface="Arial"/>
-            </a:endParaRPr>
-          </a:p>
-          <a:p>
-            <a:pPr lvl="1" marL="864000" indent="-324000">
+            <a:endParaRPr lang="en-US" sz="2000" b="0" strike="noStrike" spc="-1">
+              <a:solidFill>
+                <a:srgbClr val="000000"/>
+              </a:solidFill>
+              <a:latin typeface="Arial" panose="020B0604020202020204"/>
+            </a:endParaRPr>
+          </a:p>
+          <a:p>
+            <a:pPr marL="864235" lvl="1" indent="-323850">
               <a:spcBef>
-                <a:spcPts val="1134"/>
+                <a:spcPts val="1135"/>
               </a:spcBef>
               <a:buClr>
                 <a:srgbClr val="000000"/>
               </a:buClr>
               <a:buSzPct val="75000"/>
-              <a:buFont typeface="Symbol" charset="2"/>
+              <a:buFont typeface="Symbol" panose="05050102010706020507" charset="2"/>
               <a:buChar char=""/>
             </a:pPr>
             <a:r>
-              <a:rPr b="0" lang="en-US" sz="2000" spc="-1" strike="noStrike">
+              <a:rPr lang="en-US" sz="2000" b="0" strike="noStrike" spc="-1">
                 <a:solidFill>
                   <a:srgbClr val="000000"/>
                 </a:solidFill>
-                <a:latin typeface="Arial"/>
+                <a:latin typeface="Arial" panose="020B0604020202020204"/>
               </a:rPr>
               <a:t>Posts has a relationship to user_id from the Users table ( One user can have many posts </a:t>
             </a:r>
             <a:r>
-              <a:rPr b="0" lang="en-US" sz="2000" spc="-1" strike="noStrike">
+              <a:rPr lang="en-US" sz="2000" b="0" strike="noStrike" spc="-1">
                 <a:solidFill>
                   <a:srgbClr val="000000"/>
                 </a:solidFill>
-                <a:latin typeface="Arial"/>
+                <a:latin typeface="Arial" panose="020B0604020202020204"/>
               </a:rPr>
               <a:t>)</a:t>
             </a:r>
-            <a:endParaRPr b="0" lang="en-US" sz="2000" spc="-1" strike="noStrike">
-              <a:solidFill>
-                <a:srgbClr val="000000"/>
-              </a:solidFill>
-              <a:latin typeface="Arial"/>
-            </a:endParaRPr>
-          </a:p>
-          <a:p>
-            <a:pPr marL="432000" indent="-324000">
+            <a:endParaRPr lang="en-US" sz="2000" b="0" strike="noStrike" spc="-1">
+              <a:solidFill>
+                <a:srgbClr val="000000"/>
+              </a:solidFill>
+              <a:latin typeface="Arial" panose="020B0604020202020204"/>
+            </a:endParaRPr>
+          </a:p>
+          <a:p>
+            <a:pPr marL="431800" indent="-323850">
               <a:spcBef>
-                <a:spcPts val="1417"/>
+                <a:spcPts val="1415"/>
               </a:spcBef>
               <a:buClr>
                 <a:srgbClr val="000000"/>
               </a:buClr>
               <a:buSzPct val="45000"/>
-              <a:buFont typeface="Wingdings" charset="2"/>
+              <a:buFont typeface="Wingdings" panose="05000000000000000000" pitchFamily="2" charset="2"/>
               <a:buChar char=""/>
             </a:pPr>
-            <a:endParaRPr b="0" lang="en-US" sz="2000" spc="-1" strike="noStrike">
-              <a:solidFill>
-                <a:srgbClr val="000000"/>
-              </a:solidFill>
-              <a:latin typeface="Arial"/>
+            <a:endParaRPr lang="en-US" sz="2000" b="0" strike="noStrike" spc="-1">
+              <a:solidFill>
+                <a:srgbClr val="000000"/>
+              </a:solidFill>
+              <a:latin typeface="Arial" panose="020B0604020202020204"/>
             </a:endParaRPr>
           </a:p>
         </p:txBody>
       </p:sp>
     </p:spTree>
   </p:cSld>
-  <mc:AlternateContent>
-    <mc:Choice Requires="p14">
+  <p:clrMapOvr>
+    <a:masterClrMapping/>
+  </p:clrMapOvr>
+  <mc:AlternateContent xmlns:mc="http://schemas.openxmlformats.org/markup-compatibility/2006">
+    <mc:Choice xmlns:p14="http://schemas.microsoft.com/office/powerpoint/2010/main" Requires="p14">
       <p:transition spd="slow" p14:dur="2000"/>
     </mc:Choice>
     <mc:Fallback>
@@ -8712,7 +8987,7 @@
 </file>
 
 <file path=ppt/slides/slide6.xml><?xml version="1.0" encoding="utf-8"?>
-<p:sld xmlns:a="http://schemas.openxmlformats.org/drawingml/2006/main" xmlns:p="http://schemas.openxmlformats.org/presentationml/2006/main" xmlns:r="http://schemas.openxmlformats.org/officeDocument/2006/relationships" xmlns:p14="http://schemas.microsoft.com/office/powerpoint/2010/main" xmlns:p15="http://schemas.microsoft.com/office/powerpoint/2012/main" xmlns:mc="http://schemas.openxmlformats.org/markup-compatibility/2006">
+<p:sld xmlns:a="http://schemas.openxmlformats.org/drawingml/2006/main" xmlns:r="http://schemas.openxmlformats.org/officeDocument/2006/relationships" xmlns:p="http://schemas.openxmlformats.org/presentationml/2006/main">
   <p:cSld>
     <p:spTree>
       <p:nvGrpSpPr>
@@ -8763,20 +9038,22 @@
               <a:buNone/>
             </a:pPr>
             <a:r>
-              <a:rPr b="0" lang="en-US" sz="2800" spc="-1" strike="noStrike">
+              <a:rPr lang="en-US" sz="2800" b="0" strike="noStrike" spc="-1">
                 <a:solidFill>
-                  <a:srgbClr val="2d059d"/>
+                  <a:srgbClr val="2D059D"/>
                 </a:solidFill>
-                <a:latin typeface="Merriweather"/>
+                <a:latin typeface="Constantia" panose="02030602050306030303" charset="0"/>
+                <a:cs typeface="Constantia" panose="02030602050306030303" charset="0"/>
               </a:rPr>
               <a:t>Testing Flask Applications</a:t>
             </a:r>
-            <a:endParaRPr b="0" lang="en-US" sz="2800" spc="-1" strike="noStrike">
-              <a:solidFill>
-                <a:srgbClr val="2d059d"/>
-              </a:solidFill>
-              <a:latin typeface="Merriweather"/>
+            <a:endParaRPr lang="en-US" sz="2800" b="0" strike="noStrike" spc="-1">
+              <a:solidFill>
+                <a:srgbClr val="2D059D"/>
+              </a:solidFill>
+              <a:latin typeface="Constantia" panose="02030602050306030303" charset="0"/>
               <a:ea typeface="Merriweather"/>
+              <a:cs typeface="Constantia" panose="02030602050306030303" charset="0"/>
             </a:endParaRPr>
           </a:p>
         </p:txBody>
@@ -8809,290 +9086,293 @@
             <a:noAutofit/>
           </a:bodyPr>
           <a:p>
-            <a:pPr marL="432000" indent="-324000">
+            <a:pPr marL="431800" indent="-323850">
               <a:spcBef>
-                <a:spcPts val="1417"/>
+                <a:spcPts val="1415"/>
               </a:spcBef>
               <a:buClr>
                 <a:srgbClr val="000000"/>
               </a:buClr>
               <a:buSzPct val="45000"/>
-              <a:buFont typeface="Wingdings" charset="2"/>
+              <a:buFont typeface="Wingdings" panose="05000000000000000000" pitchFamily="2" charset="2"/>
               <a:buChar char=""/>
             </a:pPr>
             <a:r>
-              <a:rPr b="0" lang="en-US" sz="2000" spc="-1" strike="noStrike">
+              <a:rPr lang="en-US" sz="2000" b="0" strike="noStrike" spc="-1">
                 <a:solidFill>
                   <a:srgbClr val="000000"/>
                 </a:solidFill>
-                <a:latin typeface="Arial"/>
+                <a:latin typeface="Arial" panose="020B0604020202020204"/>
               </a:rPr>
               <a:t>Flask provides a test client that can be used to simulate a client making requests to the application without the need to run the application server.</a:t>
             </a:r>
-            <a:endParaRPr b="0" lang="en-US" sz="2000" spc="-1" strike="noStrike">
-              <a:solidFill>
-                <a:srgbClr val="000000"/>
-              </a:solidFill>
-              <a:latin typeface="Arial"/>
-            </a:endParaRPr>
-          </a:p>
-          <a:p>
-            <a:pPr marL="432000" indent="-324000">
+            <a:endParaRPr lang="en-US" sz="2000" b="0" strike="noStrike" spc="-1">
+              <a:solidFill>
+                <a:srgbClr val="000000"/>
+              </a:solidFill>
+              <a:latin typeface="Arial" panose="020B0604020202020204"/>
+            </a:endParaRPr>
+          </a:p>
+          <a:p>
+            <a:pPr marL="431800" indent="-323850">
               <a:spcBef>
-                <a:spcPts val="1417"/>
+                <a:spcPts val="1415"/>
               </a:spcBef>
               <a:buClr>
                 <a:srgbClr val="000000"/>
               </a:buClr>
               <a:buSzPct val="45000"/>
-              <a:buFont typeface="Wingdings" charset="2"/>
+              <a:buFont typeface="Wingdings" panose="05000000000000000000" pitchFamily="2" charset="2"/>
               <a:buChar char=""/>
             </a:pPr>
             <a:r>
-              <a:rPr b="0" lang="en-US" sz="2000" spc="-1" strike="noStrike">
+              <a:rPr lang="en-US" sz="2000" b="0" strike="noStrike" spc="-1">
                 <a:solidFill>
                   <a:srgbClr val="000000"/>
                 </a:solidFill>
-                <a:latin typeface="Arial"/>
+                <a:latin typeface="Arial" panose="020B0604020202020204"/>
               </a:rPr>
               <a:t>The test client can be used to test the application without having to run the server.</a:t>
             </a:r>
-            <a:endParaRPr b="0" lang="en-US" sz="2000" spc="-1" strike="noStrike">
-              <a:solidFill>
-                <a:srgbClr val="000000"/>
-              </a:solidFill>
-              <a:latin typeface="Arial"/>
-            </a:endParaRPr>
-          </a:p>
-          <a:p>
-            <a:pPr marL="432000" indent="-324000">
+            <a:endParaRPr lang="en-US" sz="2000" b="0" strike="noStrike" spc="-1">
+              <a:solidFill>
+                <a:srgbClr val="000000"/>
+              </a:solidFill>
+              <a:latin typeface="Arial" panose="020B0604020202020204"/>
+            </a:endParaRPr>
+          </a:p>
+          <a:p>
+            <a:pPr marL="431800" indent="-323850">
               <a:spcBef>
-                <a:spcPts val="1417"/>
+                <a:spcPts val="1415"/>
               </a:spcBef>
               <a:buClr>
                 <a:srgbClr val="000000"/>
               </a:buClr>
               <a:buSzPct val="45000"/>
-              <a:buFont typeface="Wingdings" charset="2"/>
+              <a:buFont typeface="Wingdings" panose="05000000000000000000" pitchFamily="2" charset="2"/>
               <a:buChar char=""/>
             </a:pPr>
             <a:r>
-              <a:rPr b="0" lang="en-US" sz="1200" spc="-1" strike="noStrike">
+              <a:rPr lang="en-US" sz="1200" b="0" strike="noStrike" spc="-1">
                 <a:solidFill>
                   <a:srgbClr val="000000"/>
                 </a:solidFill>
-                <a:latin typeface="Arial"/>
+                <a:latin typeface="Arial" panose="020B0604020202020204"/>
               </a:rPr>
               <a:t>from app import app</a:t>
             </a:r>
-            <a:endParaRPr b="0" lang="en-US" sz="1200" spc="-1" strike="noStrike">
-              <a:solidFill>
-                <a:srgbClr val="000000"/>
-              </a:solidFill>
-              <a:latin typeface="Arial"/>
-            </a:endParaRPr>
-          </a:p>
-          <a:p>
-            <a:pPr marL="432000" indent="-324000">
+            <a:endParaRPr lang="en-US" sz="1200" b="0" strike="noStrike" spc="-1">
+              <a:solidFill>
+                <a:srgbClr val="000000"/>
+              </a:solidFill>
+              <a:latin typeface="Arial" panose="020B0604020202020204"/>
+            </a:endParaRPr>
+          </a:p>
+          <a:p>
+            <a:pPr marL="431800" indent="-323850">
               <a:spcBef>
-                <a:spcPts val="1417"/>
+                <a:spcPts val="1415"/>
               </a:spcBef>
               <a:buClr>
                 <a:srgbClr val="000000"/>
               </a:buClr>
               <a:buSzPct val="45000"/>
-              <a:buFont typeface="Wingdings" charset="2"/>
+              <a:buFont typeface="Wingdings" panose="05000000000000000000" pitchFamily="2" charset="2"/>
               <a:buChar char=""/>
             </a:pPr>
-            <a:endParaRPr b="0" lang="en-US" sz="1200" spc="-1" strike="noStrike">
-              <a:solidFill>
-                <a:srgbClr val="000000"/>
-              </a:solidFill>
-              <a:latin typeface="Arial"/>
-            </a:endParaRPr>
-          </a:p>
-          <a:p>
-            <a:pPr marL="432000" indent="-324000">
+            <a:endParaRPr lang="en-US" sz="1200" b="0" strike="noStrike" spc="-1">
+              <a:solidFill>
+                <a:srgbClr val="000000"/>
+              </a:solidFill>
+              <a:latin typeface="Arial" panose="020B0604020202020204"/>
+            </a:endParaRPr>
+          </a:p>
+          <a:p>
+            <a:pPr marL="431800" indent="-323850">
               <a:spcBef>
-                <a:spcPts val="1417"/>
+                <a:spcPts val="1415"/>
               </a:spcBef>
               <a:buClr>
                 <a:srgbClr val="000000"/>
               </a:buClr>
               <a:buSzPct val="45000"/>
-              <a:buFont typeface="Wingdings" charset="2"/>
+              <a:buFont typeface="Wingdings" panose="05000000000000000000" pitchFamily="2" charset="2"/>
               <a:buChar char=""/>
             </a:pPr>
             <a:r>
-              <a:rPr b="0" lang="en-US" sz="1200" spc="-1" strike="noStrike">
+              <a:rPr lang="en-US" sz="1200" b="0" strike="noStrike" spc="-1">
                 <a:solidFill>
                   <a:srgbClr val="000000"/>
                 </a:solidFill>
-                <a:latin typeface="Arial"/>
+                <a:latin typeface="Arial" panose="020B0604020202020204"/>
               </a:rPr>
               <a:t>def test_index():</a:t>
             </a:r>
-            <a:endParaRPr b="0" lang="en-US" sz="1200" spc="-1" strike="noStrike">
-              <a:solidFill>
-                <a:srgbClr val="000000"/>
-              </a:solidFill>
-              <a:latin typeface="Arial"/>
-            </a:endParaRPr>
-          </a:p>
-          <a:p>
-            <a:pPr marL="432000" indent="-324000">
+            <a:endParaRPr lang="en-US" sz="1200" b="0" strike="noStrike" spc="-1">
+              <a:solidFill>
+                <a:srgbClr val="000000"/>
+              </a:solidFill>
+              <a:latin typeface="Arial" panose="020B0604020202020204"/>
+            </a:endParaRPr>
+          </a:p>
+          <a:p>
+            <a:pPr marL="431800" indent="-323850">
               <a:spcBef>
-                <a:spcPts val="1417"/>
+                <a:spcPts val="1415"/>
               </a:spcBef>
               <a:buClr>
                 <a:srgbClr val="000000"/>
               </a:buClr>
               <a:buSzPct val="45000"/>
-              <a:buFont typeface="Wingdings" charset="2"/>
+              <a:buFont typeface="Wingdings" panose="05000000000000000000" pitchFamily="2" charset="2"/>
               <a:buChar char=""/>
             </a:pPr>
             <a:r>
-              <a:rPr b="0" lang="en-US" sz="1200" spc="-1" strike="noStrike">
+              <a:rPr lang="en-US" sz="1200" b="0" strike="noStrike" spc="-1">
                 <a:solidFill>
                   <a:srgbClr val="000000"/>
                 </a:solidFill>
-                <a:latin typeface="Arial"/>
+                <a:latin typeface="Arial" panose="020B0604020202020204"/>
               </a:rPr>
               <a:t>    </a:t>
             </a:r>
             <a:r>
-              <a:rPr b="0" lang="en-US" sz="1200" spc="-1" strike="noStrike">
+              <a:rPr lang="en-US" sz="1200" b="0" strike="noStrike" spc="-1">
                 <a:solidFill>
                   <a:srgbClr val="000000"/>
                 </a:solidFill>
-                <a:latin typeface="Arial"/>
+                <a:latin typeface="Arial" panose="020B0604020202020204"/>
               </a:rPr>
               <a:t>client = app.test_client() # create a test client</a:t>
             </a:r>
-            <a:endParaRPr b="0" lang="en-US" sz="1200" spc="-1" strike="noStrike">
-              <a:solidFill>
-                <a:srgbClr val="000000"/>
-              </a:solidFill>
-              <a:latin typeface="Arial"/>
-            </a:endParaRPr>
-          </a:p>
-          <a:p>
-            <a:pPr marL="432000" indent="-324000">
+            <a:endParaRPr lang="en-US" sz="1200" b="0" strike="noStrike" spc="-1">
+              <a:solidFill>
+                <a:srgbClr val="000000"/>
+              </a:solidFill>
+              <a:latin typeface="Arial" panose="020B0604020202020204"/>
+            </a:endParaRPr>
+          </a:p>
+          <a:p>
+            <a:pPr marL="431800" indent="-323850">
               <a:spcBef>
-                <a:spcPts val="1417"/>
+                <a:spcPts val="1415"/>
               </a:spcBef>
               <a:buClr>
                 <a:srgbClr val="000000"/>
               </a:buClr>
               <a:buSzPct val="45000"/>
-              <a:buFont typeface="Wingdings" charset="2"/>
+              <a:buFont typeface="Wingdings" panose="05000000000000000000" pitchFamily="2" charset="2"/>
               <a:buChar char=""/>
             </a:pPr>
             <a:r>
-              <a:rPr b="0" lang="en-US" sz="1200" spc="-1" strike="noStrike">
+              <a:rPr lang="en-US" sz="1200" b="0" strike="noStrike" spc="-1">
                 <a:solidFill>
                   <a:srgbClr val="000000"/>
                 </a:solidFill>
-                <a:latin typeface="Arial"/>
+                <a:latin typeface="Arial" panose="020B0604020202020204"/>
               </a:rPr>
               <a:t>    </a:t>
             </a:r>
             <a:r>
-              <a:rPr b="0" lang="en-US" sz="1200" spc="-1" strike="noStrike">
+              <a:rPr lang="en-US" sz="1200" b="0" strike="noStrike" spc="-1">
                 <a:solidFill>
                   <a:srgbClr val="000000"/>
                 </a:solidFill>
-                <a:latin typeface="Arial"/>
+                <a:latin typeface="Arial" panose="020B0604020202020204"/>
               </a:rPr>
               <a:t>response = client.get('/') # send a get request to the index route</a:t>
             </a:r>
-            <a:endParaRPr b="0" lang="en-US" sz="1200" spc="-1" strike="noStrike">
-              <a:solidFill>
-                <a:srgbClr val="000000"/>
-              </a:solidFill>
-              <a:latin typeface="Arial"/>
-            </a:endParaRPr>
-          </a:p>
-          <a:p>
-            <a:pPr marL="432000" indent="-324000">
+            <a:endParaRPr lang="en-US" sz="1200" b="0" strike="noStrike" spc="-1">
+              <a:solidFill>
+                <a:srgbClr val="000000"/>
+              </a:solidFill>
+              <a:latin typeface="Arial" panose="020B0604020202020204"/>
+            </a:endParaRPr>
+          </a:p>
+          <a:p>
+            <a:pPr marL="431800" indent="-323850">
               <a:spcBef>
-                <a:spcPts val="1417"/>
+                <a:spcPts val="1415"/>
               </a:spcBef>
               <a:buClr>
                 <a:srgbClr val="000000"/>
               </a:buClr>
               <a:buSzPct val="45000"/>
-              <a:buFont typeface="Wingdings" charset="2"/>
+              <a:buFont typeface="Wingdings" panose="05000000000000000000" pitchFamily="2" charset="2"/>
               <a:buChar char=""/>
             </a:pPr>
             <a:r>
-              <a:rPr b="0" lang="en-US" sz="1200" spc="-1" strike="noStrike">
+              <a:rPr lang="en-US" sz="1200" b="0" strike="noStrike" spc="-1">
                 <a:solidFill>
                   <a:srgbClr val="000000"/>
                 </a:solidFill>
-                <a:latin typeface="Arial"/>
+                <a:latin typeface="Arial" panose="020B0604020202020204"/>
               </a:rPr>
               <a:t>    </a:t>
             </a:r>
             <a:r>
-              <a:rPr b="0" lang="en-US" sz="1200" spc="-1" strike="noStrike">
+              <a:rPr lang="en-US" sz="1200" b="0" strike="noStrike" spc="-1">
                 <a:solidFill>
                   <a:srgbClr val="000000"/>
                 </a:solidFill>
-                <a:latin typeface="Arial"/>
+                <a:latin typeface="Arial" panose="020B0604020202020204"/>
               </a:rPr>
               <a:t>assert response.status_code == 200 # check that the status code is 200</a:t>
             </a:r>
-            <a:endParaRPr b="0" lang="en-US" sz="1200" spc="-1" strike="noStrike">
-              <a:solidFill>
-                <a:srgbClr val="000000"/>
-              </a:solidFill>
-              <a:latin typeface="Arial"/>
-            </a:endParaRPr>
-          </a:p>
-          <a:p>
-            <a:pPr marL="432000" indent="-324000">
+            <a:endParaRPr lang="en-US" sz="1200" b="0" strike="noStrike" spc="-1">
+              <a:solidFill>
+                <a:srgbClr val="000000"/>
+              </a:solidFill>
+              <a:latin typeface="Arial" panose="020B0604020202020204"/>
+            </a:endParaRPr>
+          </a:p>
+          <a:p>
+            <a:pPr marL="431800" indent="-323850">
               <a:spcBef>
-                <a:spcPts val="1417"/>
+                <a:spcPts val="1415"/>
               </a:spcBef>
               <a:buClr>
                 <a:srgbClr val="000000"/>
               </a:buClr>
               <a:buSzPct val="45000"/>
-              <a:buFont typeface="Wingdings" charset="2"/>
+              <a:buFont typeface="Wingdings" panose="05000000000000000000" pitchFamily="2" charset="2"/>
               <a:buChar char=""/>
             </a:pPr>
             <a:r>
-              <a:rPr b="0" lang="en-US" sz="1200" spc="-1" strike="noStrike">
+              <a:rPr lang="en-US" sz="1200" b="0" strike="noStrike" spc="-1">
                 <a:solidFill>
                   <a:srgbClr val="000000"/>
                 </a:solidFill>
-                <a:latin typeface="Arial"/>
+                <a:latin typeface="Arial" panose="020B0604020202020204"/>
               </a:rPr>
               <a:t>    </a:t>
             </a:r>
             <a:r>
-              <a:rPr b="0" lang="en-US" sz="1200" spc="-1" strike="noStrike">
+              <a:rPr lang="en-US" sz="1200" b="0" strike="noStrike" spc="-1">
                 <a:solidFill>
                   <a:srgbClr val="000000"/>
                 </a:solidFill>
-                <a:latin typeface="Arial"/>
+                <a:latin typeface="Arial" panose="020B0604020202020204"/>
               </a:rPr>
               <a:t>assert b'Hello World!' in response.data # check that the response contains the string 'Hello World!'</a:t>
             </a:r>
-            <a:endParaRPr b="0" lang="en-US" sz="1200" spc="-1" strike="noStrike">
-              <a:solidFill>
-                <a:srgbClr val="000000"/>
-              </a:solidFill>
-              <a:latin typeface="Arial"/>
+            <a:endParaRPr lang="en-US" sz="1200" b="0" strike="noStrike" spc="-1">
+              <a:solidFill>
+                <a:srgbClr val="000000"/>
+              </a:solidFill>
+              <a:latin typeface="Arial" panose="020B0604020202020204"/>
             </a:endParaRPr>
           </a:p>
         </p:txBody>
       </p:sp>
     </p:spTree>
   </p:cSld>
-  <mc:AlternateContent>
-    <mc:Choice Requires="p14">
+  <p:clrMapOvr>
+    <a:masterClrMapping/>
+  </p:clrMapOvr>
+  <mc:AlternateContent xmlns:mc="http://schemas.openxmlformats.org/markup-compatibility/2006">
+    <mc:Choice xmlns:p14="http://schemas.microsoft.com/office/powerpoint/2010/main" Requires="p14">
       <p:transition spd="slow" p14:dur="2000"/>
     </mc:Choice>
     <mc:Fallback>
@@ -9103,7 +9383,7 @@
 </file>
 
 <file path=ppt/slides/slide7.xml><?xml version="1.0" encoding="utf-8"?>
-<p:sld xmlns:a="http://schemas.openxmlformats.org/drawingml/2006/main" xmlns:p="http://schemas.openxmlformats.org/presentationml/2006/main" xmlns:r="http://schemas.openxmlformats.org/officeDocument/2006/relationships" xmlns:p14="http://schemas.microsoft.com/office/powerpoint/2010/main" xmlns:p15="http://schemas.microsoft.com/office/powerpoint/2012/main" xmlns:mc="http://schemas.openxmlformats.org/markup-compatibility/2006">
+<p:sld xmlns:a="http://schemas.openxmlformats.org/drawingml/2006/main" xmlns:r="http://schemas.openxmlformats.org/officeDocument/2006/relationships" xmlns:p="http://schemas.openxmlformats.org/presentationml/2006/main">
   <p:cSld>
     <p:spTree>
       <p:nvGrpSpPr>
@@ -9154,20 +9434,20 @@
               <a:buNone/>
             </a:pPr>
             <a:r>
-              <a:rPr b="0" lang="en-GB" sz="2800" spc="-1" strike="noStrike">
+              <a:rPr lang="en-GB" sz="2800" b="0" strike="noStrike" spc="-1">
                 <a:solidFill>
-                  <a:srgbClr val="2d059d"/>
+                  <a:srgbClr val="2D059D"/>
                 </a:solidFill>
-                <a:latin typeface="Constantia"/>
+                <a:latin typeface="Constantia" panose="02030602050306030303"/>
                 <a:ea typeface="Merriweather"/>
               </a:rPr>
               <a:t>Bootstrap</a:t>
             </a:r>
-            <a:endParaRPr b="0" lang="en-US" sz="2800" spc="-1" strike="noStrike">
-              <a:solidFill>
-                <a:srgbClr val="000000"/>
-              </a:solidFill>
-              <a:latin typeface="Arial"/>
+            <a:endParaRPr lang="en-US" sz="2800" b="0" strike="noStrike" spc="-1">
+              <a:solidFill>
+                <a:srgbClr val="000000"/>
+              </a:solidFill>
+              <a:latin typeface="Arial" panose="020B0604020202020204"/>
             </a:endParaRPr>
           </a:p>
         </p:txBody>
@@ -9200,133 +9480,136 @@
             <a:noAutofit/>
           </a:bodyPr>
           <a:p>
-            <a:pPr marL="432000" indent="-324000">
+            <a:pPr marL="431800" indent="-323850">
               <a:spcBef>
-                <a:spcPts val="1417"/>
+                <a:spcPts val="1415"/>
               </a:spcBef>
               <a:buClr>
                 <a:srgbClr val="000000"/>
               </a:buClr>
               <a:buSzPct val="45000"/>
-              <a:buFont typeface="Wingdings" charset="2"/>
+              <a:buFont typeface="Wingdings" panose="05000000000000000000" pitchFamily="2" charset="2"/>
               <a:buChar char=""/>
             </a:pPr>
             <a:r>
-              <a:rPr b="0" lang="en-US" sz="2000" spc="-1" strike="noStrike">
+              <a:rPr lang="en-US" sz="2000" b="0" strike="noStrike" spc="-1">
                 <a:solidFill>
                   <a:srgbClr val="000000"/>
                 </a:solidFill>
-                <a:latin typeface="Arial"/>
+                <a:latin typeface="Arial" panose="020B0604020202020204"/>
               </a:rPr>
               <a:t>Bootstrap is a free and open-source CSS framework directed at responsive, mobile-first front-end web development. </a:t>
             </a:r>
-            <a:endParaRPr b="0" lang="en-US" sz="2000" spc="-1" strike="noStrike">
-              <a:solidFill>
-                <a:srgbClr val="000000"/>
-              </a:solidFill>
-              <a:latin typeface="Arial"/>
-            </a:endParaRPr>
-          </a:p>
-          <a:p>
-            <a:pPr marL="432000" indent="-324000">
+            <a:endParaRPr lang="en-US" sz="2000" b="0" strike="noStrike" spc="-1">
+              <a:solidFill>
+                <a:srgbClr val="000000"/>
+              </a:solidFill>
+              <a:latin typeface="Arial" panose="020B0604020202020204"/>
+            </a:endParaRPr>
+          </a:p>
+          <a:p>
+            <a:pPr marL="431800" indent="-323850">
               <a:spcBef>
-                <a:spcPts val="1417"/>
+                <a:spcPts val="1415"/>
               </a:spcBef>
               <a:buClr>
                 <a:srgbClr val="000000"/>
               </a:buClr>
               <a:buSzPct val="45000"/>
-              <a:buFont typeface="Wingdings" charset="2"/>
+              <a:buFont typeface="Wingdings" panose="05000000000000000000" pitchFamily="2" charset="2"/>
               <a:buChar char=""/>
             </a:pPr>
             <a:r>
-              <a:rPr b="0" lang="en-US" sz="2000" spc="-1" strike="noStrike">
+              <a:rPr lang="en-US" sz="2000" b="0" strike="noStrike" spc="-1">
                 <a:solidFill>
                   <a:srgbClr val="000000"/>
                 </a:solidFill>
-                <a:latin typeface="Arial"/>
+                <a:latin typeface="Arial" panose="020B0604020202020204"/>
               </a:rPr>
               <a:t>It contains CSS- and JavaScript-based design templates for typography, forms, buttons, navigation and other interface components.</a:t>
             </a:r>
-            <a:endParaRPr b="0" lang="en-US" sz="2000" spc="-1" strike="noStrike">
-              <a:solidFill>
-                <a:srgbClr val="000000"/>
-              </a:solidFill>
-              <a:latin typeface="Arial"/>
-            </a:endParaRPr>
-          </a:p>
-          <a:p>
-            <a:pPr marL="432000" indent="-324000">
+            <a:endParaRPr lang="en-US" sz="2000" b="0" strike="noStrike" spc="-1">
+              <a:solidFill>
+                <a:srgbClr val="000000"/>
+              </a:solidFill>
+              <a:latin typeface="Arial" panose="020B0604020202020204"/>
+            </a:endParaRPr>
+          </a:p>
+          <a:p>
+            <a:pPr marL="431800" indent="-323850">
               <a:spcBef>
-                <a:spcPts val="1417"/>
+                <a:spcPts val="1415"/>
               </a:spcBef>
               <a:buClr>
                 <a:srgbClr val="000000"/>
               </a:buClr>
               <a:buSzPct val="45000"/>
-              <a:buFont typeface="Wingdings" charset="2"/>
+              <a:buFont typeface="Wingdings" panose="05000000000000000000" pitchFamily="2" charset="2"/>
               <a:buChar char=""/>
             </a:pPr>
             <a:r>
-              <a:rPr b="0" lang="en-US" sz="2000" spc="-1" strike="noStrike">
+              <a:rPr lang="en-US" sz="2000" b="0" strike="noStrike" spc="-1">
                 <a:solidFill>
                   <a:srgbClr val="000000"/>
                 </a:solidFill>
-                <a:latin typeface="Arial"/>
+                <a:latin typeface="Arial" panose="020B0604020202020204"/>
               </a:rPr>
               <a:t>You can use bootstrap to style your web application quickly and cleanly.</a:t>
             </a:r>
-            <a:endParaRPr b="0" lang="en-US" sz="2000" spc="-1" strike="noStrike">
-              <a:solidFill>
-                <a:srgbClr val="000000"/>
-              </a:solidFill>
-              <a:latin typeface="Arial"/>
-            </a:endParaRPr>
-          </a:p>
-          <a:p>
-            <a:pPr marL="432000" indent="-324000">
+            <a:endParaRPr lang="en-US" sz="2000" b="0" strike="noStrike" spc="-1">
+              <a:solidFill>
+                <a:srgbClr val="000000"/>
+              </a:solidFill>
+              <a:latin typeface="Arial" panose="020B0604020202020204"/>
+            </a:endParaRPr>
+          </a:p>
+          <a:p>
+            <a:pPr marL="431800" indent="-323850">
               <a:spcBef>
-                <a:spcPts val="1417"/>
+                <a:spcPts val="1415"/>
               </a:spcBef>
               <a:buClr>
                 <a:srgbClr val="000000"/>
               </a:buClr>
               <a:buSzPct val="45000"/>
-              <a:buFont typeface="Wingdings" charset="2"/>
+              <a:buFont typeface="Wingdings" panose="05000000000000000000" pitchFamily="2" charset="2"/>
               <a:buChar char=""/>
             </a:pPr>
             <a:r>
-              <a:rPr b="0" lang="en-US" sz="2000" spc="-1" strike="noStrike">
+              <a:rPr lang="en-US" sz="2000" b="0" strike="noStrike" spc="-1">
                 <a:solidFill>
                   <a:srgbClr val="000000"/>
                 </a:solidFill>
-                <a:latin typeface="Arial"/>
+                <a:latin typeface="Arial" panose="020B0604020202020204"/>
               </a:rPr>
               <a:t>Documentation can be found here: </a:t>
             </a:r>
             <a:r>
-              <a:rPr b="0" lang="en-US" sz="2000" spc="-1" strike="noStrike">
+              <a:rPr lang="en-US" sz="2000" b="0" strike="noStrike" spc="-1">
                 <a:solidFill>
                   <a:srgbClr val="000000"/>
                 </a:solidFill>
-                <a:latin typeface="Arial"/>
+                <a:latin typeface="Arial" panose="020B0604020202020204"/>
                 <a:hlinkClick r:id="rId1"/>
               </a:rPr>
               <a:t>Boostrap Docs</a:t>
             </a:r>
-            <a:endParaRPr b="0" lang="en-US" sz="2000" spc="-1" strike="noStrike">
-              <a:solidFill>
-                <a:srgbClr val="000000"/>
-              </a:solidFill>
-              <a:latin typeface="Arial"/>
+            <a:endParaRPr lang="en-US" sz="2000" b="0" strike="noStrike" spc="-1">
+              <a:solidFill>
+                <a:srgbClr val="000000"/>
+              </a:solidFill>
+              <a:latin typeface="Arial" panose="020B0604020202020204"/>
             </a:endParaRPr>
           </a:p>
         </p:txBody>
       </p:sp>
     </p:spTree>
   </p:cSld>
-  <mc:AlternateContent>
-    <mc:Choice Requires="p14">
+  <p:clrMapOvr>
+    <a:masterClrMapping/>
+  </p:clrMapOvr>
+  <mc:AlternateContent xmlns:mc="http://schemas.openxmlformats.org/markup-compatibility/2006">
+    <mc:Choice xmlns:p14="http://schemas.microsoft.com/office/powerpoint/2010/main" Requires="p14">
       <p:transition spd="slow" p14:dur="2000"/>
     </mc:Choice>
     <mc:Fallback>
@@ -9337,7 +9620,7 @@
 </file>
 
 <file path=ppt/slides/slide8.xml><?xml version="1.0" encoding="utf-8"?>
-<p:sld xmlns:a="http://schemas.openxmlformats.org/drawingml/2006/main" xmlns:p="http://schemas.openxmlformats.org/presentationml/2006/main" xmlns:r="http://schemas.openxmlformats.org/officeDocument/2006/relationships" xmlns:p14="http://schemas.microsoft.com/office/powerpoint/2010/main" xmlns:p15="http://schemas.microsoft.com/office/powerpoint/2012/main" xmlns:mc="http://schemas.openxmlformats.org/markup-compatibility/2006">
+<p:sld xmlns:a="http://schemas.openxmlformats.org/drawingml/2006/main" xmlns:r="http://schemas.openxmlformats.org/officeDocument/2006/relationships" xmlns:p="http://schemas.openxmlformats.org/presentationml/2006/main">
   <p:cSld>
     <p:spTree>
       <p:nvGrpSpPr>
@@ -9355,14 +9638,16 @@
       </p:grpSpPr>
       <p:pic>
         <p:nvPicPr>
-          <p:cNvPr id="139" name="Google Shape;225;g10be3d9b0b6_0_65" descr=""/>
+          <p:cNvPr id="139" name="Google Shape;225;g10be3d9b0b6_0_65"/>
           <p:cNvPicPr/>
           <p:nvPr/>
         </p:nvPicPr>
         <p:blipFill>
           <a:blip r:embed="rId1"/>
           <a:srcRect l="6625" t="36368" r="7092" b="36778"/>
-          <a:stretch/>
+          <a:stretch>
+            <a:fillRect/>
+          </a:stretch>
         </p:blipFill>
         <p:spPr>
           <a:xfrm>
@@ -9379,8 +9664,11 @@
       </p:pic>
     </p:spTree>
   </p:cSld>
-  <mc:AlternateContent>
-    <mc:Choice Requires="p14">
+  <p:clrMapOvr>
+    <a:masterClrMapping/>
+  </p:clrMapOvr>
+  <mc:AlternateContent xmlns:mc="http://schemas.openxmlformats.org/markup-compatibility/2006">
+    <mc:Choice xmlns:p14="http://schemas.microsoft.com/office/powerpoint/2010/main" Requires="p14">
       <p:transition spd="slow" p14:dur="2000"/>
     </mc:Choice>
     <mc:Fallback>
@@ -9401,34 +9689,34 @@
         <a:sysClr val="window" lastClr="FFFFFF"/>
       </a:lt1>
       <a:dk2>
-        <a:srgbClr val="6b038b"/>
+        <a:srgbClr val="6B038B"/>
       </a:dk2>
       <a:lt2>
-        <a:srgbClr val="d8d8d8"/>
+        <a:srgbClr val="D8D8D8"/>
       </a:lt2>
       <a:accent1>
-        <a:srgbClr val="2d059d"/>
+        <a:srgbClr val="2D059D"/>
       </a:accent1>
       <a:accent2>
-        <a:srgbClr val="6b038b"/>
+        <a:srgbClr val="6B038B"/>
       </a:accent2>
       <a:accent3>
-        <a:srgbClr val="ede3da"/>
+        <a:srgbClr val="EDE3DA"/>
       </a:accent3>
       <a:accent4>
-        <a:srgbClr val="c826fa"/>
+        <a:srgbClr val="C826FA"/>
       </a:accent4>
       <a:accent5>
-        <a:srgbClr val="ffffff"/>
+        <a:srgbClr val="FFFFFF"/>
       </a:accent5>
       <a:accent6>
-        <a:srgbClr val="9a78fa"/>
+        <a:srgbClr val="9A78FA"/>
       </a:accent6>
       <a:hlink>
-        <a:srgbClr val="a5a5a5"/>
+        <a:srgbClr val="A5A5A5"/>
       </a:hlink>
       <a:folHlink>
-        <a:srgbClr val="7f7f7f"/>
+        <a:srgbClr val="7F7F7F"/>
       </a:folHlink>
     </a:clrScheme>
     <a:fontScheme name="Office">
@@ -9613,6 +9901,11 @@
       </a:bgFillStyleLst>
     </a:fmtScheme>
   </a:themeElements>
+  <a:extLst>
+    <a:ext uri="{05A4C25C-085E-4340-85A3-A5531E510DB2}">
+      <thm15:themeFamily xmlns:thm15="http://schemas.microsoft.com/office/thememl/2012/main" name="Office Theme" id="{62F939B6-93AF-4DB8-9C6B-D6C7DFDC589F}" vid="{4A3C46E8-61CC-4603-A589-7422A47A8E4A}"/>
+    </a:ext>
+  </a:extLst>
 </a:theme>
 </file>
 
@@ -9627,34 +9920,34 @@
         <a:sysClr val="window" lastClr="FFFFFF"/>
       </a:lt1>
       <a:dk2>
-        <a:srgbClr val="6b038b"/>
+        <a:srgbClr val="6B038B"/>
       </a:dk2>
       <a:lt2>
-        <a:srgbClr val="d8d8d8"/>
+        <a:srgbClr val="D8D8D8"/>
       </a:lt2>
       <a:accent1>
-        <a:srgbClr val="2d059d"/>
+        <a:srgbClr val="2D059D"/>
       </a:accent1>
       <a:accent2>
-        <a:srgbClr val="6b038b"/>
+        <a:srgbClr val="6B038B"/>
       </a:accent2>
       <a:accent3>
-        <a:srgbClr val="ede3da"/>
+        <a:srgbClr val="EDE3DA"/>
       </a:accent3>
       <a:accent4>
-        <a:srgbClr val="c826fa"/>
+        <a:srgbClr val="C826FA"/>
       </a:accent4>
       <a:accent5>
-        <a:srgbClr val="ffffff"/>
+        <a:srgbClr val="FFFFFF"/>
       </a:accent5>
       <a:accent6>
-        <a:srgbClr val="9a78fa"/>
+        <a:srgbClr val="9A78FA"/>
       </a:accent6>
       <a:hlink>
-        <a:srgbClr val="a5a5a5"/>
+        <a:srgbClr val="A5A5A5"/>
       </a:hlink>
       <a:folHlink>
-        <a:srgbClr val="7f7f7f"/>
+        <a:srgbClr val="7F7F7F"/>
       </a:folHlink>
     </a:clrScheme>
     <a:fontScheme name="Office">
@@ -9839,6 +10132,11 @@
       </a:bgFillStyleLst>
     </a:fmtScheme>
   </a:themeElements>
+  <a:extLst>
+    <a:ext uri="{05A4C25C-085E-4340-85A3-A5531E510DB2}">
+      <thm15:themeFamily xmlns:thm15="http://schemas.microsoft.com/office/thememl/2012/main" name="Office Theme" id="{62F939B6-93AF-4DB8-9C6B-D6C7DFDC589F}" vid="{4A3C46E8-61CC-4603-A589-7422A47A8E4A}"/>
+    </a:ext>
+  </a:extLst>
 </a:theme>
 </file>
 
@@ -9853,34 +10151,34 @@
         <a:sysClr val="window" lastClr="FFFFFF"/>
       </a:lt1>
       <a:dk2>
-        <a:srgbClr val="6b038b"/>
+        <a:srgbClr val="6B038B"/>
       </a:dk2>
       <a:lt2>
-        <a:srgbClr val="d8d8d8"/>
+        <a:srgbClr val="D8D8D8"/>
       </a:lt2>
       <a:accent1>
-        <a:srgbClr val="2d059d"/>
+        <a:srgbClr val="2D059D"/>
       </a:accent1>
       <a:accent2>
-        <a:srgbClr val="6b038b"/>
+        <a:srgbClr val="6B038B"/>
       </a:accent2>
       <a:accent3>
-        <a:srgbClr val="ede3da"/>
+        <a:srgbClr val="EDE3DA"/>
       </a:accent3>
       <a:accent4>
-        <a:srgbClr val="c826fa"/>
+        <a:srgbClr val="C826FA"/>
       </a:accent4>
       <a:accent5>
-        <a:srgbClr val="ffffff"/>
+        <a:srgbClr val="FFFFFF"/>
       </a:accent5>
       <a:accent6>
-        <a:srgbClr val="9a78fa"/>
+        <a:srgbClr val="9A78FA"/>
       </a:accent6>
       <a:hlink>
-        <a:srgbClr val="a5a5a5"/>
+        <a:srgbClr val="A5A5A5"/>
       </a:hlink>
       <a:folHlink>
-        <a:srgbClr val="7f7f7f"/>
+        <a:srgbClr val="7F7F7F"/>
       </a:folHlink>
     </a:clrScheme>
     <a:fontScheme name="Office">
@@ -10065,5 +10363,10 @@
       </a:bgFillStyleLst>
     </a:fmtScheme>
   </a:themeElements>
+  <a:extLst>
+    <a:ext uri="{05A4C25C-085E-4340-85A3-A5531E510DB2}">
+      <thm15:themeFamily xmlns:thm15="http://schemas.microsoft.com/office/thememl/2012/main" name="Office Theme" id="{62F939B6-93AF-4DB8-9C6B-D6C7DFDC589F}" vid="{4A3C46E8-61CC-4603-A589-7422A47A8E4A}"/>
+    </a:ext>
+  </a:extLst>
 </a:theme>
 </file>